--- a/working_practices/Introduction_to_Net_Zero.pptx
+++ b/working_practices/Introduction_to_Net_Zero.pptx
@@ -1,37 +1,39 @@
 
 <file path=ppt/presentation.xml><?xml version="1.0" encoding="utf-8"?>
-<p:presentation xmlns:a="http://schemas.openxmlformats.org/drawingml/2006/main" xmlns:r="http://schemas.openxmlformats.org/officeDocument/2006/relationships" xmlns:mc="http://schemas.openxmlformats.org/markup-compatibility/2006" xmlns:mv="urn:schemas-microsoft-com:mac:vml" xmlns:p="http://schemas.openxmlformats.org/presentationml/2006/main" xmlns:c="http://schemas.openxmlformats.org/drawingml/2006/chart" xmlns:dgm="http://schemas.openxmlformats.org/drawingml/2006/diagram" xmlns:o="urn:schemas-microsoft-com:office:office" xmlns:v="urn:schemas-microsoft-com:vml" xmlns:pvml="urn:schemas-microsoft-com:office:powerpoint" xmlns:com="http://schemas.openxmlformats.org/drawingml/2006/compatibility" xmlns:p14="http://schemas.microsoft.com/office/powerpoint/2010/main" xmlns:p15="http://schemas.microsoft.com/office/powerpoint/2012/main" xmlns:ahyp="http://schemas.microsoft.com/office/drawing/2018/hyperlinkcolor" autoCompressPictures="0" embedTrueTypeFonts="1" strictFirstAndLastChars="0" saveSubsetFonts="1">
+<p:presentation xmlns:a="http://schemas.openxmlformats.org/drawingml/2006/main" xmlns:r="http://schemas.openxmlformats.org/officeDocument/2006/relationships" xmlns:p="http://schemas.openxmlformats.org/presentationml/2006/main" strictFirstAndLastChars="0" embedTrueTypeFonts="1" saveSubsetFonts="1" autoCompressPictures="0">
   <p:sldMasterIdLst>
-    <p:sldMasterId id="2147483660" r:id="rId3"/>
+    <p:sldMasterId id="2147483660" r:id="rId1"/>
   </p:sldMasterIdLst>
   <p:notesMasterIdLst>
-    <p:notesMasterId r:id="rId4"/>
+    <p:notesMasterId r:id="rId10"/>
   </p:notesMasterIdLst>
   <p:sldIdLst>
-    <p:sldId id="256" r:id="rId5"/>
-    <p:sldId id="257" r:id="rId6"/>
-    <p:sldId id="258" r:id="rId7"/>
-    <p:sldId id="259" r:id="rId8"/>
-    <p:sldId id="260" r:id="rId9"/>
-    <p:sldId id="261" r:id="rId10"/>
+    <p:sldId id="256" r:id="rId2"/>
+    <p:sldId id="258" r:id="rId3"/>
+    <p:sldId id="257" r:id="rId4"/>
+    <p:sldId id="259" r:id="rId5"/>
+    <p:sldId id="262" r:id="rId6"/>
+    <p:sldId id="260" r:id="rId7"/>
+    <p:sldId id="263" r:id="rId8"/>
+    <p:sldId id="261" r:id="rId9"/>
   </p:sldIdLst>
-  <p:sldSz cy="5143500" cx="9144000"/>
+  <p:sldSz cx="9144000" cy="5143500" type="screen16x9"/>
   <p:notesSz cx="6858000" cy="9144000"/>
   <p:embeddedFontLst>
     <p:embeddedFont>
-      <p:font typeface="Cabin"/>
+      <p:font typeface="Cabin" panose="020B0604020202020204" charset="0"/>
       <p:regular r:id="rId11"/>
       <p:bold r:id="rId12"/>
       <p:italic r:id="rId13"/>
       <p:boldItalic r:id="rId14"/>
     </p:embeddedFont>
     <p:embeddedFont>
-      <p:font typeface="Gill Sans"/>
+      <p:font typeface="Gill Sans" panose="020B0604020202020204" charset="0"/>
       <p:regular r:id="rId15"/>
       <p:bold r:id="rId16"/>
     </p:embeddedFont>
     <p:embeddedFont>
-      <p:font typeface="Open Sans"/>
+      <p:font typeface="Open Sans" panose="020B0606030504020204" pitchFamily="34" charset="0"/>
       <p:regular r:id="rId17"/>
       <p:bold r:id="rId18"/>
       <p:italic r:id="rId19"/>
@@ -39,7 +41,7 @@
     </p:embeddedFont>
   </p:embeddedFontLst>
   <p:defaultTextStyle>
-    <a:defPPr lvl="0" marR="0" rtl="0" algn="l">
+    <a:defPPr marR="0" lvl="0" algn="l" rtl="0">
       <a:lnSpc>
         <a:spcPct val="100000"/>
       </a:lnSpc>
@@ -50,7 +52,7 @@
         <a:spcPts val="0"/>
       </a:spcAft>
     </a:defPPr>
-    <a:lvl1pPr lvl="0" marR="0" rtl="0" algn="l">
+    <a:lvl1pPr marR="0" lvl="0" algn="l" rtl="0">
       <a:lnSpc>
         <a:spcPct val="100000"/>
       </a:lnSpc>
@@ -64,7 +66,7 @@
         <a:srgbClr val="000000"/>
       </a:buClr>
       <a:buFont typeface="Arial"/>
-      <a:defRPr b="0" i="0" sz="1400" u="none" cap="none" strike="noStrike">
+      <a:defRPr sz="1400" b="0" i="0" u="none" strike="noStrike" cap="none">
         <a:solidFill>
           <a:srgbClr val="000000"/>
         </a:solidFill>
@@ -74,7 +76,7 @@
         <a:sym typeface="Arial"/>
       </a:defRPr>
     </a:lvl1pPr>
-    <a:lvl2pPr lvl="1" marR="0" rtl="0" algn="l">
+    <a:lvl2pPr marR="0" lvl="1" algn="l" rtl="0">
       <a:lnSpc>
         <a:spcPct val="100000"/>
       </a:lnSpc>
@@ -88,7 +90,7 @@
         <a:srgbClr val="000000"/>
       </a:buClr>
       <a:buFont typeface="Arial"/>
-      <a:defRPr b="0" i="0" sz="1400" u="none" cap="none" strike="noStrike">
+      <a:defRPr sz="1400" b="0" i="0" u="none" strike="noStrike" cap="none">
         <a:solidFill>
           <a:srgbClr val="000000"/>
         </a:solidFill>
@@ -98,7 +100,7 @@
         <a:sym typeface="Arial"/>
       </a:defRPr>
     </a:lvl2pPr>
-    <a:lvl3pPr lvl="2" marR="0" rtl="0" algn="l">
+    <a:lvl3pPr marR="0" lvl="2" algn="l" rtl="0">
       <a:lnSpc>
         <a:spcPct val="100000"/>
       </a:lnSpc>
@@ -112,7 +114,7 @@
         <a:srgbClr val="000000"/>
       </a:buClr>
       <a:buFont typeface="Arial"/>
-      <a:defRPr b="0" i="0" sz="1400" u="none" cap="none" strike="noStrike">
+      <a:defRPr sz="1400" b="0" i="0" u="none" strike="noStrike" cap="none">
         <a:solidFill>
           <a:srgbClr val="000000"/>
         </a:solidFill>
@@ -122,7 +124,7 @@
         <a:sym typeface="Arial"/>
       </a:defRPr>
     </a:lvl3pPr>
-    <a:lvl4pPr lvl="3" marR="0" rtl="0" algn="l">
+    <a:lvl4pPr marR="0" lvl="3" algn="l" rtl="0">
       <a:lnSpc>
         <a:spcPct val="100000"/>
       </a:lnSpc>
@@ -136,7 +138,7 @@
         <a:srgbClr val="000000"/>
       </a:buClr>
       <a:buFont typeface="Arial"/>
-      <a:defRPr b="0" i="0" sz="1400" u="none" cap="none" strike="noStrike">
+      <a:defRPr sz="1400" b="0" i="0" u="none" strike="noStrike" cap="none">
         <a:solidFill>
           <a:srgbClr val="000000"/>
         </a:solidFill>
@@ -146,7 +148,7 @@
         <a:sym typeface="Arial"/>
       </a:defRPr>
     </a:lvl4pPr>
-    <a:lvl5pPr lvl="4" marR="0" rtl="0" algn="l">
+    <a:lvl5pPr marR="0" lvl="4" algn="l" rtl="0">
       <a:lnSpc>
         <a:spcPct val="100000"/>
       </a:lnSpc>
@@ -160,7 +162,7 @@
         <a:srgbClr val="000000"/>
       </a:buClr>
       <a:buFont typeface="Arial"/>
-      <a:defRPr b="0" i="0" sz="1400" u="none" cap="none" strike="noStrike">
+      <a:defRPr sz="1400" b="0" i="0" u="none" strike="noStrike" cap="none">
         <a:solidFill>
           <a:srgbClr val="000000"/>
         </a:solidFill>
@@ -170,7 +172,7 @@
         <a:sym typeface="Arial"/>
       </a:defRPr>
     </a:lvl5pPr>
-    <a:lvl6pPr lvl="5" marR="0" rtl="0" algn="l">
+    <a:lvl6pPr marR="0" lvl="5" algn="l" rtl="0">
       <a:lnSpc>
         <a:spcPct val="100000"/>
       </a:lnSpc>
@@ -184,7 +186,7 @@
         <a:srgbClr val="000000"/>
       </a:buClr>
       <a:buFont typeface="Arial"/>
-      <a:defRPr b="0" i="0" sz="1400" u="none" cap="none" strike="noStrike">
+      <a:defRPr sz="1400" b="0" i="0" u="none" strike="noStrike" cap="none">
         <a:solidFill>
           <a:srgbClr val="000000"/>
         </a:solidFill>
@@ -194,7 +196,7 @@
         <a:sym typeface="Arial"/>
       </a:defRPr>
     </a:lvl6pPr>
-    <a:lvl7pPr lvl="6" marR="0" rtl="0" algn="l">
+    <a:lvl7pPr marR="0" lvl="6" algn="l" rtl="0">
       <a:lnSpc>
         <a:spcPct val="100000"/>
       </a:lnSpc>
@@ -208,7 +210,7 @@
         <a:srgbClr val="000000"/>
       </a:buClr>
       <a:buFont typeface="Arial"/>
-      <a:defRPr b="0" i="0" sz="1400" u="none" cap="none" strike="noStrike">
+      <a:defRPr sz="1400" b="0" i="0" u="none" strike="noStrike" cap="none">
         <a:solidFill>
           <a:srgbClr val="000000"/>
         </a:solidFill>
@@ -218,7 +220,7 @@
         <a:sym typeface="Arial"/>
       </a:defRPr>
     </a:lvl7pPr>
-    <a:lvl8pPr lvl="7" marR="0" rtl="0" algn="l">
+    <a:lvl8pPr marR="0" lvl="7" algn="l" rtl="0">
       <a:lnSpc>
         <a:spcPct val="100000"/>
       </a:lnSpc>
@@ -232,7 +234,7 @@
         <a:srgbClr val="000000"/>
       </a:buClr>
       <a:buFont typeface="Arial"/>
-      <a:defRPr b="0" i="0" sz="1400" u="none" cap="none" strike="noStrike">
+      <a:defRPr sz="1400" b="0" i="0" u="none" strike="noStrike" cap="none">
         <a:solidFill>
           <a:srgbClr val="000000"/>
         </a:solidFill>
@@ -242,7 +244,7 @@
         <a:sym typeface="Arial"/>
       </a:defRPr>
     </a:lvl8pPr>
-    <a:lvl9pPr lvl="8" marR="0" rtl="0" algn="l">
+    <a:lvl9pPr marR="0" lvl="8" algn="l" rtl="0">
       <a:lnSpc>
         <a:spcPct val="100000"/>
       </a:lnSpc>
@@ -256,7 +258,7 @@
         <a:srgbClr val="000000"/>
       </a:buClr>
       <a:buFont typeface="Arial"/>
-      <a:defRPr b="0" i="0" sz="1400" u="none" cap="none" strike="noStrike">
+      <a:defRPr sz="1400" b="0" i="0" u="none" strike="noStrike" cap="none">
         <a:solidFill>
           <a:srgbClr val="000000"/>
         </a:solidFill>
@@ -270,12 +272,154 @@
 </p:presentation>
 </file>
 
+<file path=ppt/revisionInfo.xml><?xml version="1.0" encoding="utf-8"?>
+<p1510:revInfo xmlns:a="http://schemas.openxmlformats.org/drawingml/2006/main" xmlns:r="http://schemas.openxmlformats.org/officeDocument/2006/relationships" xmlns:p1510="http://schemas.microsoft.com/office/powerpoint/2015/10/main">
+  <p1510:revLst>
+    <p1510:client id="{B1EA44C3-42F6-40D7-9956-6E7C6217829C}" v="2" dt="2024-11-21T12:04:48.012"/>
+  </p1510:revLst>
+</p1510:revInfo>
+</file>
+
+<file path=ppt/changesInfos/changesInfo1.xml><?xml version="1.0" encoding="utf-8"?>
+<pc:chgInfo xmlns:a="http://schemas.openxmlformats.org/drawingml/2006/main" xmlns:r="http://schemas.openxmlformats.org/officeDocument/2006/relationships" xmlns:ac="http://schemas.microsoft.com/office/drawing/2013/main/command" xmlns:pc="http://schemas.microsoft.com/office/powerpoint/2013/main/command">
+  <pc:docChgLst>
+    <pc:chgData name="Pamment, Alison (STFC,RAL,RALSP)" userId="bee5cd36-3910-47a9-bf18-208412f9e6ee" providerId="ADAL" clId="{B1EA44C3-42F6-40D7-9956-6E7C6217829C}"/>
+    <pc:docChg chg="custSel addSld modSld sldOrd">
+      <pc:chgData name="Pamment, Alison (STFC,RAL,RALSP)" userId="bee5cd36-3910-47a9-bf18-208412f9e6ee" providerId="ADAL" clId="{B1EA44C3-42F6-40D7-9956-6E7C6217829C}" dt="2024-11-21T12:11:41.096" v="836" actId="2711"/>
+      <pc:docMkLst>
+        <pc:docMk/>
+      </pc:docMkLst>
+      <pc:sldChg chg="ord modNotes">
+        <pc:chgData name="Pamment, Alison (STFC,RAL,RALSP)" userId="bee5cd36-3910-47a9-bf18-208412f9e6ee" providerId="ADAL" clId="{B1EA44C3-42F6-40D7-9956-6E7C6217829C}" dt="2024-11-21T11:47:37.491" v="1"/>
+        <pc:sldMkLst>
+          <pc:docMk/>
+          <pc:sldMk cId="0" sldId="258"/>
+        </pc:sldMkLst>
+      </pc:sldChg>
+      <pc:sldChg chg="modSp mod">
+        <pc:chgData name="Pamment, Alison (STFC,RAL,RALSP)" userId="bee5cd36-3910-47a9-bf18-208412f9e6ee" providerId="ADAL" clId="{B1EA44C3-42F6-40D7-9956-6E7C6217829C}" dt="2024-11-21T12:08:39.690" v="820" actId="255"/>
+        <pc:sldMkLst>
+          <pc:docMk/>
+          <pc:sldMk cId="0" sldId="260"/>
+        </pc:sldMkLst>
+        <pc:spChg chg="mod">
+          <ac:chgData name="Pamment, Alison (STFC,RAL,RALSP)" userId="bee5cd36-3910-47a9-bf18-208412f9e6ee" providerId="ADAL" clId="{B1EA44C3-42F6-40D7-9956-6E7C6217829C}" dt="2024-11-21T12:08:39.690" v="820" actId="255"/>
+          <ac:spMkLst>
+            <pc:docMk/>
+            <pc:sldMk cId="0" sldId="260"/>
+            <ac:spMk id="97" creationId="{00000000-0000-0000-0000-000000000000}"/>
+          </ac:spMkLst>
+        </pc:spChg>
+      </pc:sldChg>
+      <pc:sldChg chg="modSp mod">
+        <pc:chgData name="Pamment, Alison (STFC,RAL,RALSP)" userId="bee5cd36-3910-47a9-bf18-208412f9e6ee" providerId="ADAL" clId="{B1EA44C3-42F6-40D7-9956-6E7C6217829C}" dt="2024-11-21T11:53:54.990" v="171" actId="5793"/>
+        <pc:sldMkLst>
+          <pc:docMk/>
+          <pc:sldMk cId="0" sldId="261"/>
+        </pc:sldMkLst>
+        <pc:spChg chg="mod">
+          <ac:chgData name="Pamment, Alison (STFC,RAL,RALSP)" userId="bee5cd36-3910-47a9-bf18-208412f9e6ee" providerId="ADAL" clId="{B1EA44C3-42F6-40D7-9956-6E7C6217829C}" dt="2024-11-21T11:53:54.990" v="171" actId="5793"/>
+          <ac:spMkLst>
+            <pc:docMk/>
+            <pc:sldMk cId="0" sldId="261"/>
+            <ac:spMk id="104" creationId="{00000000-0000-0000-0000-000000000000}"/>
+          </ac:spMkLst>
+        </pc:spChg>
+      </pc:sldChg>
+      <pc:sldChg chg="addSp delSp modSp new mod">
+        <pc:chgData name="Pamment, Alison (STFC,RAL,RALSP)" userId="bee5cd36-3910-47a9-bf18-208412f9e6ee" providerId="ADAL" clId="{B1EA44C3-42F6-40D7-9956-6E7C6217829C}" dt="2024-11-21T11:50:48.535" v="95" actId="20577"/>
+        <pc:sldMkLst>
+          <pc:docMk/>
+          <pc:sldMk cId="3808087592" sldId="262"/>
+        </pc:sldMkLst>
+        <pc:spChg chg="mod">
+          <ac:chgData name="Pamment, Alison (STFC,RAL,RALSP)" userId="bee5cd36-3910-47a9-bf18-208412f9e6ee" providerId="ADAL" clId="{B1EA44C3-42F6-40D7-9956-6E7C6217829C}" dt="2024-11-21T11:50:48.535" v="95" actId="20577"/>
+          <ac:spMkLst>
+            <pc:docMk/>
+            <pc:sldMk cId="3808087592" sldId="262"/>
+            <ac:spMk id="2" creationId="{3478ED0D-3396-D220-0640-BA7B2CDDD263}"/>
+          </ac:spMkLst>
+        </pc:spChg>
+        <pc:spChg chg="del">
+          <ac:chgData name="Pamment, Alison (STFC,RAL,RALSP)" userId="bee5cd36-3910-47a9-bf18-208412f9e6ee" providerId="ADAL" clId="{B1EA44C3-42F6-40D7-9956-6E7C6217829C}" dt="2024-11-21T11:49:53.186" v="7" actId="478"/>
+          <ac:spMkLst>
+            <pc:docMk/>
+            <pc:sldMk cId="3808087592" sldId="262"/>
+            <ac:spMk id="3" creationId="{B76F12A7-B4B6-FE8E-1D18-7974EB8E806B}"/>
+          </ac:spMkLst>
+        </pc:spChg>
+        <pc:spChg chg="del">
+          <ac:chgData name="Pamment, Alison (STFC,RAL,RALSP)" userId="bee5cd36-3910-47a9-bf18-208412f9e6ee" providerId="ADAL" clId="{B1EA44C3-42F6-40D7-9956-6E7C6217829C}" dt="2024-11-21T11:49:16.692" v="3" actId="478"/>
+          <ac:spMkLst>
+            <pc:docMk/>
+            <pc:sldMk cId="3808087592" sldId="262"/>
+            <ac:spMk id="4" creationId="{8D0FFC50-FFB1-BA26-52AA-95E120D888C2}"/>
+          </ac:spMkLst>
+        </pc:spChg>
+        <pc:picChg chg="add mod">
+          <ac:chgData name="Pamment, Alison (STFC,RAL,RALSP)" userId="bee5cd36-3910-47a9-bf18-208412f9e6ee" providerId="ADAL" clId="{B1EA44C3-42F6-40D7-9956-6E7C6217829C}" dt="2024-11-21T11:50:06.135" v="10" actId="1076"/>
+          <ac:picMkLst>
+            <pc:docMk/>
+            <pc:sldMk cId="3808087592" sldId="262"/>
+            <ac:picMk id="6" creationId="{9B0E4D68-8917-5E66-5133-1DB2FCB0540F}"/>
+          </ac:picMkLst>
+        </pc:picChg>
+      </pc:sldChg>
+      <pc:sldChg chg="addSp delSp modSp new mod">
+        <pc:chgData name="Pamment, Alison (STFC,RAL,RALSP)" userId="bee5cd36-3910-47a9-bf18-208412f9e6ee" providerId="ADAL" clId="{B1EA44C3-42F6-40D7-9956-6E7C6217829C}" dt="2024-11-21T12:11:41.096" v="836" actId="2711"/>
+        <pc:sldMkLst>
+          <pc:docMk/>
+          <pc:sldMk cId="222413522" sldId="263"/>
+        </pc:sldMkLst>
+        <pc:spChg chg="mod">
+          <ac:chgData name="Pamment, Alison (STFC,RAL,RALSP)" userId="bee5cd36-3910-47a9-bf18-208412f9e6ee" providerId="ADAL" clId="{B1EA44C3-42F6-40D7-9956-6E7C6217829C}" dt="2024-11-21T12:07:41.292" v="795" actId="1035"/>
+          <ac:spMkLst>
+            <pc:docMk/>
+            <pc:sldMk cId="222413522" sldId="263"/>
+            <ac:spMk id="2" creationId="{8CE0A261-431D-0680-52E3-8999A54A3C22}"/>
+          </ac:spMkLst>
+        </pc:spChg>
+        <pc:spChg chg="mod">
+          <ac:chgData name="Pamment, Alison (STFC,RAL,RALSP)" userId="bee5cd36-3910-47a9-bf18-208412f9e6ee" providerId="ADAL" clId="{B1EA44C3-42F6-40D7-9956-6E7C6217829C}" dt="2024-11-21T12:11:41.096" v="836" actId="2711"/>
+          <ac:spMkLst>
+            <pc:docMk/>
+            <pc:sldMk cId="222413522" sldId="263"/>
+            <ac:spMk id="3" creationId="{56AD8005-0961-6BCF-5C5C-2D12E17194D4}"/>
+          </ac:spMkLst>
+        </pc:spChg>
+        <pc:spChg chg="del mod">
+          <ac:chgData name="Pamment, Alison (STFC,RAL,RALSP)" userId="bee5cd36-3910-47a9-bf18-208412f9e6ee" providerId="ADAL" clId="{B1EA44C3-42F6-40D7-9956-6E7C6217829C}" dt="2024-11-21T12:02:08.508" v="606" actId="478"/>
+          <ac:spMkLst>
+            <pc:docMk/>
+            <pc:sldMk cId="222413522" sldId="263"/>
+            <ac:spMk id="4" creationId="{B6A196A1-040B-1AE6-ACE3-DD7D016DC118}"/>
+          </ac:spMkLst>
+        </pc:spChg>
+        <pc:picChg chg="add mod">
+          <ac:chgData name="Pamment, Alison (STFC,RAL,RALSP)" userId="bee5cd36-3910-47a9-bf18-208412f9e6ee" providerId="ADAL" clId="{B1EA44C3-42F6-40D7-9956-6E7C6217829C}" dt="2024-11-21T12:05:23.951" v="659" actId="1076"/>
+          <ac:picMkLst>
+            <pc:docMk/>
+            <pc:sldMk cId="222413522" sldId="263"/>
+            <ac:picMk id="5" creationId="{4BDC5751-C9F3-9114-7177-0D9A0ECD1A72}"/>
+          </ac:picMkLst>
+        </pc:picChg>
+      </pc:sldChg>
+    </pc:docChg>
+  </pc:docChgLst>
+</pc:chgInfo>
+</file>
+
 <file path=ppt/notesMasters/notesMaster1.xml><?xml version="1.0" encoding="utf-8"?>
-<p:notesMaster xmlns:a="http://schemas.openxmlformats.org/drawingml/2006/main" xmlns:r="http://schemas.openxmlformats.org/officeDocument/2006/relationships" xmlns:mc="http://schemas.openxmlformats.org/markup-compatibility/2006" xmlns:mv="urn:schemas-microsoft-com:mac:vml" xmlns:p="http://schemas.openxmlformats.org/presentationml/2006/main" xmlns:c="http://schemas.openxmlformats.org/drawingml/2006/chart" xmlns:dgm="http://schemas.openxmlformats.org/drawingml/2006/diagram" xmlns:o="urn:schemas-microsoft-com:office:office" xmlns:v="urn:schemas-microsoft-com:vml" xmlns:pvml="urn:schemas-microsoft-com:office:powerpoint" xmlns:com="http://schemas.openxmlformats.org/drawingml/2006/compatibility" xmlns:p14="http://schemas.microsoft.com/office/powerpoint/2010/main" xmlns:p15="http://schemas.microsoft.com/office/powerpoint/2012/main" xmlns:ahyp="http://schemas.microsoft.com/office/drawing/2018/hyperlinkcolor">
+<p:notesMaster xmlns:a="http://schemas.openxmlformats.org/drawingml/2006/main" xmlns:r="http://schemas.openxmlformats.org/officeDocument/2006/relationships" xmlns:p="http://schemas.openxmlformats.org/presentationml/2006/main">
   <p:cSld>
+    <p:bg>
+      <p:bgRef idx="1001">
+        <a:schemeClr val="bg1"/>
+      </p:bgRef>
+    </p:bg>
     <p:spTree>
       <p:nvGrpSpPr>
-        <p:cNvPr id="2" name="Shape 2"/>
+        <p:cNvPr id="1" name="Shape 2"/>
         <p:cNvGrpSpPr/>
         <p:nvPr/>
       </p:nvGrpSpPr>
@@ -290,9 +434,11 @@
       <p:sp>
         <p:nvSpPr>
           <p:cNvPr id="3" name="Google Shape;3;n"/>
-          <p:cNvSpPr/>
+          <p:cNvSpPr>
+            <a:spLocks noGrp="1" noRot="1" noChangeAspect="1"/>
+          </p:cNvSpPr>
           <p:nvPr>
-            <p:ph idx="2" type="sldImg"/>
+            <p:ph type="sldImg" idx="2"/>
           </p:nvPr>
         </p:nvSpPr>
         <p:spPr>
@@ -301,9 +447,13 @@
             <a:ext cx="6096075" cy="3429000"/>
           </a:xfrm>
           <a:custGeom>
-            <a:rect b="b" l="l" r="r" t="t"/>
+            <a:avLst/>
+            <a:gdLst/>
+            <a:ahLst/>
+            <a:cxnLst/>
+            <a:rect l="l" t="t" r="r" b="b"/>
             <a:pathLst>
-              <a:path extrusionOk="0" h="120000" w="120000">
+              <a:path w="120000" h="120000" extrusionOk="0">
                 <a:moveTo>
                   <a:pt x="0" y="0"/>
                 </a:moveTo>
@@ -321,23 +471,25 @@
             </a:pathLst>
           </a:custGeom>
           <a:noFill/>
-          <a:ln cap="flat" cmpd="sng" w="9525">
+          <a:ln w="9525" cap="flat" cmpd="sng">
             <a:solidFill>
               <a:srgbClr val="000000"/>
             </a:solidFill>
             <a:prstDash val="solid"/>
             <a:round/>
-            <a:headEnd len="sm" w="sm" type="none"/>
-            <a:tailEnd len="sm" w="sm" type="none"/>
+            <a:headEnd type="none" w="sm" len="sm"/>
+            <a:tailEnd type="none" w="sm" len="sm"/>
           </a:ln>
         </p:spPr>
       </p:sp>
       <p:sp>
         <p:nvSpPr>
           <p:cNvPr id="4" name="Google Shape;4;n"/>
-          <p:cNvSpPr txBox="1"/>
+          <p:cNvSpPr txBox="1">
+            <a:spLocks noGrp="1"/>
+          </p:cNvSpPr>
           <p:nvPr>
-            <p:ph idx="1" type="body"/>
+            <p:ph type="body" idx="1"/>
           </p:nvPr>
         </p:nvSpPr>
         <p:spPr>
@@ -354,11 +506,11 @@
           </a:ln>
         </p:spPr>
         <p:txBody>
-          <a:bodyPr anchorCtr="0" anchor="t" bIns="91425" lIns="91425" spcFirstLastPara="1" rIns="91425" wrap="square" tIns="91425">
+          <a:bodyPr spcFirstLastPara="1" wrap="square" lIns="91425" tIns="91425" rIns="91425" bIns="91425" anchor="t" anchorCtr="0">
             <a:noAutofit/>
           </a:bodyPr>
           <a:lstStyle>
-            <a:lvl1pPr indent="-298450" lvl="0" marL="457200">
+            <a:lvl1pPr marL="457200" lvl="0" indent="-298450">
               <a:spcBef>
                 <a:spcPts val="0"/>
               </a:spcBef>
@@ -369,7 +521,7 @@
               <a:buChar char="●"/>
               <a:defRPr sz="1100"/>
             </a:lvl1pPr>
-            <a:lvl2pPr indent="-298450" lvl="1" marL="914400">
+            <a:lvl2pPr marL="914400" lvl="1" indent="-298450">
               <a:spcBef>
                 <a:spcPts val="0"/>
               </a:spcBef>
@@ -380,7 +532,7 @@
               <a:buChar char="○"/>
               <a:defRPr sz="1100"/>
             </a:lvl2pPr>
-            <a:lvl3pPr indent="-298450" lvl="2" marL="1371600">
+            <a:lvl3pPr marL="1371600" lvl="2" indent="-298450">
               <a:spcBef>
                 <a:spcPts val="0"/>
               </a:spcBef>
@@ -391,7 +543,7 @@
               <a:buChar char="■"/>
               <a:defRPr sz="1100"/>
             </a:lvl3pPr>
-            <a:lvl4pPr indent="-298450" lvl="3" marL="1828800">
+            <a:lvl4pPr marL="1828800" lvl="3" indent="-298450">
               <a:spcBef>
                 <a:spcPts val="0"/>
               </a:spcBef>
@@ -402,7 +554,7 @@
               <a:buChar char="●"/>
               <a:defRPr sz="1100"/>
             </a:lvl4pPr>
-            <a:lvl5pPr indent="-298450" lvl="4" marL="2286000">
+            <a:lvl5pPr marL="2286000" lvl="4" indent="-298450">
               <a:spcBef>
                 <a:spcPts val="0"/>
               </a:spcBef>
@@ -413,7 +565,7 @@
               <a:buChar char="○"/>
               <a:defRPr sz="1100"/>
             </a:lvl5pPr>
-            <a:lvl6pPr indent="-298450" lvl="5" marL="2743200">
+            <a:lvl6pPr marL="2743200" lvl="5" indent="-298450">
               <a:spcBef>
                 <a:spcPts val="0"/>
               </a:spcBef>
@@ -424,7 +576,7 @@
               <a:buChar char="■"/>
               <a:defRPr sz="1100"/>
             </a:lvl6pPr>
-            <a:lvl7pPr indent="-298450" lvl="6" marL="3200400">
+            <a:lvl7pPr marL="3200400" lvl="6" indent="-298450">
               <a:spcBef>
                 <a:spcPts val="0"/>
               </a:spcBef>
@@ -435,7 +587,7 @@
               <a:buChar char="●"/>
               <a:defRPr sz="1100"/>
             </a:lvl7pPr>
-            <a:lvl8pPr indent="-298450" lvl="7" marL="3657600">
+            <a:lvl8pPr marL="3657600" lvl="7" indent="-298450">
               <a:spcBef>
                 <a:spcPts val="0"/>
               </a:spcBef>
@@ -446,7 +598,7 @@
               <a:buChar char="○"/>
               <a:defRPr sz="1100"/>
             </a:lvl8pPr>
-            <a:lvl9pPr indent="-298450" lvl="8" marL="4114800">
+            <a:lvl9pPr marL="4114800" lvl="8" indent="-298450">
               <a:spcBef>
                 <a:spcPts val="0"/>
               </a:spcBef>
@@ -458,14 +610,16 @@
               <a:defRPr sz="1100"/>
             </a:lvl9pPr>
           </a:lstStyle>
-          <a:p/>
+          <a:p>
+            <a:endParaRPr/>
+          </a:p>
         </p:txBody>
       </p:sp>
     </p:spTree>
   </p:cSld>
-  <p:clrMap accent1="accent1" accent2="accent2" accent3="accent3" accent4="accent4" accent5="accent5" accent6="accent6" bg1="lt1" bg2="dk2" tx1="dk1" tx2="lt2" folHlink="folHlink" hlink="hlink"/>
+  <p:clrMap bg1="lt1" tx1="dk1" bg2="dk2" tx2="lt2" accent1="accent1" accent2="accent2" accent3="accent3" accent4="accent4" accent5="accent5" accent6="accent6" hlink="hlink" folHlink="folHlink"/>
   <p:notesStyle>
-    <a:defPPr lvl="0" marR="0" rtl="0" algn="l">
+    <a:defPPr marR="0" lvl="0" algn="l" rtl="0">
       <a:lnSpc>
         <a:spcPct val="100000"/>
       </a:lnSpc>
@@ -476,7 +630,7 @@
         <a:spcPts val="0"/>
       </a:spcAft>
     </a:defPPr>
-    <a:lvl1pPr lvl="0" marR="0" rtl="0" algn="l">
+    <a:lvl1pPr marR="0" lvl="0" algn="l" rtl="0">
       <a:lnSpc>
         <a:spcPct val="100000"/>
       </a:lnSpc>
@@ -490,7 +644,7 @@
         <a:srgbClr val="000000"/>
       </a:buClr>
       <a:buFont typeface="Arial"/>
-      <a:defRPr b="0" i="0" sz="1400" u="none" cap="none" strike="noStrike">
+      <a:defRPr sz="1400" b="0" i="0" u="none" strike="noStrike" cap="none">
         <a:solidFill>
           <a:srgbClr val="000000"/>
         </a:solidFill>
@@ -500,7 +654,7 @@
         <a:sym typeface="Arial"/>
       </a:defRPr>
     </a:lvl1pPr>
-    <a:lvl2pPr lvl="1" marR="0" rtl="0" algn="l">
+    <a:lvl2pPr marR="0" lvl="1" algn="l" rtl="0">
       <a:lnSpc>
         <a:spcPct val="100000"/>
       </a:lnSpc>
@@ -514,7 +668,7 @@
         <a:srgbClr val="000000"/>
       </a:buClr>
       <a:buFont typeface="Arial"/>
-      <a:defRPr b="0" i="0" sz="1400" u="none" cap="none" strike="noStrike">
+      <a:defRPr sz="1400" b="0" i="0" u="none" strike="noStrike" cap="none">
         <a:solidFill>
           <a:srgbClr val="000000"/>
         </a:solidFill>
@@ -524,7 +678,7 @@
         <a:sym typeface="Arial"/>
       </a:defRPr>
     </a:lvl2pPr>
-    <a:lvl3pPr lvl="2" marR="0" rtl="0" algn="l">
+    <a:lvl3pPr marR="0" lvl="2" algn="l" rtl="0">
       <a:lnSpc>
         <a:spcPct val="100000"/>
       </a:lnSpc>
@@ -538,7 +692,7 @@
         <a:srgbClr val="000000"/>
       </a:buClr>
       <a:buFont typeface="Arial"/>
-      <a:defRPr b="0" i="0" sz="1400" u="none" cap="none" strike="noStrike">
+      <a:defRPr sz="1400" b="0" i="0" u="none" strike="noStrike" cap="none">
         <a:solidFill>
           <a:srgbClr val="000000"/>
         </a:solidFill>
@@ -548,7 +702,7 @@
         <a:sym typeface="Arial"/>
       </a:defRPr>
     </a:lvl3pPr>
-    <a:lvl4pPr lvl="3" marR="0" rtl="0" algn="l">
+    <a:lvl4pPr marR="0" lvl="3" algn="l" rtl="0">
       <a:lnSpc>
         <a:spcPct val="100000"/>
       </a:lnSpc>
@@ -562,7 +716,7 @@
         <a:srgbClr val="000000"/>
       </a:buClr>
       <a:buFont typeface="Arial"/>
-      <a:defRPr b="0" i="0" sz="1400" u="none" cap="none" strike="noStrike">
+      <a:defRPr sz="1400" b="0" i="0" u="none" strike="noStrike" cap="none">
         <a:solidFill>
           <a:srgbClr val="000000"/>
         </a:solidFill>
@@ -572,7 +726,7 @@
         <a:sym typeface="Arial"/>
       </a:defRPr>
     </a:lvl4pPr>
-    <a:lvl5pPr lvl="4" marR="0" rtl="0" algn="l">
+    <a:lvl5pPr marR="0" lvl="4" algn="l" rtl="0">
       <a:lnSpc>
         <a:spcPct val="100000"/>
       </a:lnSpc>
@@ -586,7 +740,7 @@
         <a:srgbClr val="000000"/>
       </a:buClr>
       <a:buFont typeface="Arial"/>
-      <a:defRPr b="0" i="0" sz="1400" u="none" cap="none" strike="noStrike">
+      <a:defRPr sz="1400" b="0" i="0" u="none" strike="noStrike" cap="none">
         <a:solidFill>
           <a:srgbClr val="000000"/>
         </a:solidFill>
@@ -596,7 +750,7 @@
         <a:sym typeface="Arial"/>
       </a:defRPr>
     </a:lvl5pPr>
-    <a:lvl6pPr lvl="5" marR="0" rtl="0" algn="l">
+    <a:lvl6pPr marR="0" lvl="5" algn="l" rtl="0">
       <a:lnSpc>
         <a:spcPct val="100000"/>
       </a:lnSpc>
@@ -610,7 +764,7 @@
         <a:srgbClr val="000000"/>
       </a:buClr>
       <a:buFont typeface="Arial"/>
-      <a:defRPr b="0" i="0" sz="1400" u="none" cap="none" strike="noStrike">
+      <a:defRPr sz="1400" b="0" i="0" u="none" strike="noStrike" cap="none">
         <a:solidFill>
           <a:srgbClr val="000000"/>
         </a:solidFill>
@@ -620,7 +774,7 @@
         <a:sym typeface="Arial"/>
       </a:defRPr>
     </a:lvl6pPr>
-    <a:lvl7pPr lvl="6" marR="0" rtl="0" algn="l">
+    <a:lvl7pPr marR="0" lvl="6" algn="l" rtl="0">
       <a:lnSpc>
         <a:spcPct val="100000"/>
       </a:lnSpc>
@@ -634,7 +788,7 @@
         <a:srgbClr val="000000"/>
       </a:buClr>
       <a:buFont typeface="Arial"/>
-      <a:defRPr b="0" i="0" sz="1400" u="none" cap="none" strike="noStrike">
+      <a:defRPr sz="1400" b="0" i="0" u="none" strike="noStrike" cap="none">
         <a:solidFill>
           <a:srgbClr val="000000"/>
         </a:solidFill>
@@ -644,7 +798,7 @@
         <a:sym typeface="Arial"/>
       </a:defRPr>
     </a:lvl7pPr>
-    <a:lvl8pPr lvl="7" marR="0" rtl="0" algn="l">
+    <a:lvl8pPr marR="0" lvl="7" algn="l" rtl="0">
       <a:lnSpc>
         <a:spcPct val="100000"/>
       </a:lnSpc>
@@ -658,7 +812,7 @@
         <a:srgbClr val="000000"/>
       </a:buClr>
       <a:buFont typeface="Arial"/>
-      <a:defRPr b="0" i="0" sz="1400" u="none" cap="none" strike="noStrike">
+      <a:defRPr sz="1400" b="0" i="0" u="none" strike="noStrike" cap="none">
         <a:solidFill>
           <a:srgbClr val="000000"/>
         </a:solidFill>
@@ -668,7 +822,7 @@
         <a:sym typeface="Arial"/>
       </a:defRPr>
     </a:lvl8pPr>
-    <a:lvl9pPr lvl="8" marR="0" rtl="0" algn="l">
+    <a:lvl9pPr marR="0" lvl="8" algn="l" rtl="0">
       <a:lnSpc>
         <a:spcPct val="100000"/>
       </a:lnSpc>
@@ -682,7 +836,7 @@
         <a:srgbClr val="000000"/>
       </a:buClr>
       <a:buFont typeface="Arial"/>
-      <a:defRPr b="0" i="0" sz="1400" u="none" cap="none" strike="noStrike">
+      <a:defRPr sz="1400" b="0" i="0" u="none" strike="noStrike" cap="none">
         <a:solidFill>
           <a:srgbClr val="000000"/>
         </a:solidFill>
@@ -697,11 +851,11 @@
 </file>
 
 <file path=ppt/notesSlides/notesSlide1.xml><?xml version="1.0" encoding="utf-8"?>
-<p:notes xmlns:a="http://schemas.openxmlformats.org/drawingml/2006/main" xmlns:r="http://schemas.openxmlformats.org/officeDocument/2006/relationships" xmlns:mc="http://schemas.openxmlformats.org/markup-compatibility/2006" xmlns:mv="urn:schemas-microsoft-com:mac:vml" xmlns:p="http://schemas.openxmlformats.org/presentationml/2006/main" xmlns:c="http://schemas.openxmlformats.org/drawingml/2006/chart" xmlns:dgm="http://schemas.openxmlformats.org/drawingml/2006/diagram" xmlns:o="urn:schemas-microsoft-com:office:office" xmlns:v="urn:schemas-microsoft-com:vml" xmlns:pvml="urn:schemas-microsoft-com:office:powerpoint" xmlns:com="http://schemas.openxmlformats.org/drawingml/2006/compatibility" xmlns:p14="http://schemas.microsoft.com/office/powerpoint/2010/main" xmlns:p15="http://schemas.microsoft.com/office/powerpoint/2012/main" xmlns:ahyp="http://schemas.microsoft.com/office/drawing/2018/hyperlinkcolor" showMasterPhAnim="0" showMasterSp="0">
+<p:notes xmlns:a="http://schemas.openxmlformats.org/drawingml/2006/main" xmlns:r="http://schemas.openxmlformats.org/officeDocument/2006/relationships" xmlns:p="http://schemas.openxmlformats.org/presentationml/2006/main" showMasterSp="0" showMasterPhAnim="0">
   <p:cSld>
     <p:spTree>
       <p:nvGrpSpPr>
-        <p:cNvPr id="63" name="Shape 63"/>
+        <p:cNvPr id="1" name="Shape 63"/>
         <p:cNvGrpSpPr/>
         <p:nvPr/>
       </p:nvGrpSpPr>
@@ -716,9 +870,11 @@
       <p:sp>
         <p:nvSpPr>
           <p:cNvPr id="64" name="Google Shape;64;g29887a2036c_0_0:notes"/>
-          <p:cNvSpPr/>
+          <p:cNvSpPr>
+            <a:spLocks noGrp="1" noRot="1" noChangeAspect="1"/>
+          </p:cNvSpPr>
           <p:nvPr>
-            <p:ph idx="2" type="sldImg"/>
+            <p:ph type="sldImg" idx="2"/>
           </p:nvPr>
         </p:nvSpPr>
         <p:spPr>
@@ -727,9 +883,13 @@
             <a:ext cx="5486400" cy="3086100"/>
           </a:xfrm>
           <a:custGeom>
-            <a:rect b="b" l="l" r="r" t="t"/>
+            <a:avLst/>
+            <a:gdLst/>
+            <a:ahLst/>
+            <a:cxnLst/>
+            <a:rect l="l" t="t" r="r" b="b"/>
             <a:pathLst>
-              <a:path extrusionOk="0" h="120000" w="120000">
+              <a:path w="120000" h="120000" extrusionOk="0">
                 <a:moveTo>
                   <a:pt x="0" y="0"/>
                 </a:moveTo>
@@ -751,9 +911,11 @@
       <p:sp>
         <p:nvSpPr>
           <p:cNvPr id="65" name="Google Shape;65;g29887a2036c_0_0:notes"/>
-          <p:cNvSpPr txBox="1"/>
+          <p:cNvSpPr txBox="1">
+            <a:spLocks noGrp="1"/>
+          </p:cNvSpPr>
           <p:nvPr>
-            <p:ph idx="1" type="body"/>
+            <p:ph type="body" idx="1"/>
           </p:nvPr>
         </p:nvSpPr>
         <p:spPr>
@@ -766,12 +928,12 @@
           </a:prstGeom>
         </p:spPr>
         <p:txBody>
-          <a:bodyPr anchorCtr="0" anchor="t" bIns="91425" lIns="91425" spcFirstLastPara="1" rIns="91425" wrap="square" tIns="91425">
+          <a:bodyPr spcFirstLastPara="1" wrap="square" lIns="91425" tIns="91425" rIns="91425" bIns="91425" anchor="t" anchorCtr="0">
             <a:noAutofit/>
           </a:bodyPr>
           <a:lstStyle/>
           <a:p>
-            <a:pPr indent="0" lvl="0" marL="0" rtl="0" algn="l">
+            <a:pPr marL="0" lvl="0" indent="0" algn="l" rtl="0">
               <a:spcBef>
                 <a:spcPts val="0"/>
               </a:spcBef>
@@ -802,9 +964,11 @@
       <p:sp>
         <p:nvSpPr>
           <p:cNvPr id="66" name="Google Shape;66;g29887a2036c_0_0:notes"/>
-          <p:cNvSpPr txBox="1"/>
+          <p:cNvSpPr txBox="1">
+            <a:spLocks noGrp="1"/>
+          </p:cNvSpPr>
           <p:nvPr>
-            <p:ph idx="12" type="sldNum"/>
+            <p:ph type="sldNum" idx="12"/>
           </p:nvPr>
         </p:nvSpPr>
         <p:spPr>
@@ -821,12 +985,12 @@
           </a:ln>
         </p:spPr>
         <p:txBody>
-          <a:bodyPr anchorCtr="0" anchor="ctr" bIns="91425" lIns="91425" spcFirstLastPara="1" rIns="91425" wrap="square" tIns="91425">
+          <a:bodyPr spcFirstLastPara="1" wrap="square" lIns="91425" tIns="91425" rIns="91425" bIns="91425" anchor="ctr" anchorCtr="0">
             <a:noAutofit/>
           </a:bodyPr>
           <a:lstStyle/>
           <a:p>
-            <a:pPr indent="0" lvl="0" marL="0" rtl="0" algn="l">
+            <a:pPr marL="0" lvl="0" indent="0" algn="l" rtl="0">
               <a:spcBef>
                 <a:spcPts val="0"/>
               </a:spcBef>
@@ -841,7 +1005,7 @@
             </a:pPr>
             <a:fld id="{00000000-1234-1234-1234-123412341234}" type="slidenum">
               <a:rPr lang="en-GB"/>
-              <a:t>‹#›</a:t>
+              <a:t>1</a:t>
             </a:fld>
             <a:endParaRPr/>
           </a:p>
@@ -856,11 +1020,115 @@
 </file>
 
 <file path=ppt/notesSlides/notesSlide2.xml><?xml version="1.0" encoding="utf-8"?>
-<p:notes xmlns:a="http://schemas.openxmlformats.org/drawingml/2006/main" xmlns:r="http://schemas.openxmlformats.org/officeDocument/2006/relationships" xmlns:mc="http://schemas.openxmlformats.org/markup-compatibility/2006" xmlns:mv="urn:schemas-microsoft-com:mac:vml" xmlns:p="http://schemas.openxmlformats.org/presentationml/2006/main" xmlns:c="http://schemas.openxmlformats.org/drawingml/2006/chart" xmlns:dgm="http://schemas.openxmlformats.org/drawingml/2006/diagram" xmlns:o="urn:schemas-microsoft-com:office:office" xmlns:v="urn:schemas-microsoft-com:vml" xmlns:pvml="urn:schemas-microsoft-com:office:powerpoint" xmlns:com="http://schemas.openxmlformats.org/drawingml/2006/compatibility" xmlns:p14="http://schemas.microsoft.com/office/powerpoint/2010/main" xmlns:p15="http://schemas.microsoft.com/office/powerpoint/2012/main" xmlns:ahyp="http://schemas.microsoft.com/office/drawing/2018/hyperlinkcolor" showMasterPhAnim="0" showMasterSp="0">
+<p:notes xmlns:a="http://schemas.openxmlformats.org/drawingml/2006/main" xmlns:r="http://schemas.openxmlformats.org/officeDocument/2006/relationships" xmlns:p="http://schemas.openxmlformats.org/presentationml/2006/main" showMasterSp="0" showMasterPhAnim="0">
   <p:cSld>
     <p:spTree>
       <p:nvGrpSpPr>
-        <p:cNvPr id="71" name="Shape 71"/>
+        <p:cNvPr id="1" name="Shape 78"/>
+        <p:cNvGrpSpPr/>
+        <p:nvPr/>
+      </p:nvGrpSpPr>
+      <p:grpSpPr>
+        <a:xfrm>
+          <a:off x="0" y="0"/>
+          <a:ext cx="0" cy="0"/>
+          <a:chOff x="0" y="0"/>
+          <a:chExt cx="0" cy="0"/>
+        </a:xfrm>
+      </p:grpSpPr>
+      <p:sp>
+        <p:nvSpPr>
+          <p:cNvPr id="79" name="Google Shape;79;g5f25045b2d_0_25:notes"/>
+          <p:cNvSpPr>
+            <a:spLocks noGrp="1" noRot="1" noChangeAspect="1"/>
+          </p:cNvSpPr>
+          <p:nvPr>
+            <p:ph type="sldImg" idx="2"/>
+          </p:nvPr>
+        </p:nvSpPr>
+        <p:spPr>
+          <a:xfrm>
+            <a:off x="381000" y="685800"/>
+            <a:ext cx="6096000" cy="3429000"/>
+          </a:xfrm>
+          <a:custGeom>
+            <a:avLst/>
+            <a:gdLst/>
+            <a:ahLst/>
+            <a:cxnLst/>
+            <a:rect l="l" t="t" r="r" b="b"/>
+            <a:pathLst>
+              <a:path w="120000" h="120000" extrusionOk="0">
+                <a:moveTo>
+                  <a:pt x="0" y="0"/>
+                </a:moveTo>
+                <a:lnTo>
+                  <a:pt x="120000" y="0"/>
+                </a:lnTo>
+                <a:lnTo>
+                  <a:pt x="120000" y="120000"/>
+                </a:lnTo>
+                <a:lnTo>
+                  <a:pt x="0" y="120000"/>
+                </a:lnTo>
+                <a:close/>
+              </a:path>
+            </a:pathLst>
+          </a:custGeom>
+        </p:spPr>
+      </p:sp>
+      <p:sp>
+        <p:nvSpPr>
+          <p:cNvPr id="80" name="Google Shape;80;g5f25045b2d_0_25:notes"/>
+          <p:cNvSpPr txBox="1">
+            <a:spLocks noGrp="1"/>
+          </p:cNvSpPr>
+          <p:nvPr>
+            <p:ph type="body" idx="1"/>
+          </p:nvPr>
+        </p:nvSpPr>
+        <p:spPr>
+          <a:xfrm>
+            <a:off x="685800" y="4343400"/>
+            <a:ext cx="5486400" cy="4114800"/>
+          </a:xfrm>
+          <a:prstGeom prst="rect">
+            <a:avLst/>
+          </a:prstGeom>
+        </p:spPr>
+        <p:txBody>
+          <a:bodyPr spcFirstLastPara="1" wrap="square" lIns="91425" tIns="91425" rIns="91425" bIns="91425" anchor="t" anchorCtr="0">
+            <a:noAutofit/>
+          </a:bodyPr>
+          <a:lstStyle/>
+          <a:p>
+            <a:pPr marL="0" lvl="0" indent="0" algn="l" rtl="0">
+              <a:spcBef>
+                <a:spcPts val="0"/>
+              </a:spcBef>
+              <a:spcAft>
+                <a:spcPts val="0"/>
+              </a:spcAft>
+              <a:buNone/>
+            </a:pPr>
+            <a:endParaRPr/>
+          </a:p>
+        </p:txBody>
+      </p:sp>
+    </p:spTree>
+  </p:cSld>
+  <p:clrMapOvr>
+    <a:masterClrMapping/>
+  </p:clrMapOvr>
+</p:notes>
+</file>
+
+<file path=ppt/notesSlides/notesSlide3.xml><?xml version="1.0" encoding="utf-8"?>
+<p:notes xmlns:a="http://schemas.openxmlformats.org/drawingml/2006/main" xmlns:r="http://schemas.openxmlformats.org/officeDocument/2006/relationships" xmlns:p="http://schemas.openxmlformats.org/presentationml/2006/main" showMasterSp="0" showMasterPhAnim="0">
+  <p:cSld>
+    <p:spTree>
+      <p:nvGrpSpPr>
+        <p:cNvPr id="1" name="Shape 71"/>
         <p:cNvGrpSpPr/>
         <p:nvPr/>
       </p:nvGrpSpPr>
@@ -875,9 +1143,11 @@
       <p:sp>
         <p:nvSpPr>
           <p:cNvPr id="72" name="Google Shape;72;g1e862f8e02b_0_4:notes"/>
-          <p:cNvSpPr/>
+          <p:cNvSpPr>
+            <a:spLocks noGrp="1" noRot="1" noChangeAspect="1"/>
+          </p:cNvSpPr>
           <p:nvPr>
-            <p:ph idx="2" type="sldImg"/>
+            <p:ph type="sldImg" idx="2"/>
           </p:nvPr>
         </p:nvSpPr>
         <p:spPr>
@@ -886,9 +1156,13 @@
             <a:ext cx="6096000" cy="3429000"/>
           </a:xfrm>
           <a:custGeom>
-            <a:rect b="b" l="l" r="r" t="t"/>
+            <a:avLst/>
+            <a:gdLst/>
+            <a:ahLst/>
+            <a:cxnLst/>
+            <a:rect l="l" t="t" r="r" b="b"/>
             <a:pathLst>
-              <a:path extrusionOk="0" h="120000" w="120000">
+              <a:path w="120000" h="120000" extrusionOk="0">
                 <a:moveTo>
                   <a:pt x="0" y="0"/>
                 </a:moveTo>
@@ -910,9 +1184,11 @@
       <p:sp>
         <p:nvSpPr>
           <p:cNvPr id="73" name="Google Shape;73;g1e862f8e02b_0_4:notes"/>
-          <p:cNvSpPr txBox="1"/>
+          <p:cNvSpPr txBox="1">
+            <a:spLocks noGrp="1"/>
+          </p:cNvSpPr>
           <p:nvPr>
-            <p:ph idx="1" type="body"/>
+            <p:ph type="body" idx="1"/>
           </p:nvPr>
         </p:nvSpPr>
         <p:spPr>
@@ -925,12 +1201,12 @@
           </a:prstGeom>
         </p:spPr>
         <p:txBody>
-          <a:bodyPr anchorCtr="0" anchor="t" bIns="91425" lIns="91425" spcFirstLastPara="1" rIns="91425" wrap="square" tIns="91425">
+          <a:bodyPr spcFirstLastPara="1" wrap="square" lIns="91425" tIns="91425" rIns="91425" bIns="91425" anchor="t" anchorCtr="0">
             <a:noAutofit/>
           </a:bodyPr>
           <a:lstStyle/>
           <a:p>
-            <a:pPr indent="0" lvl="0" marL="0" rtl="0" algn="l">
+            <a:pPr marL="0" lvl="0" indent="0" algn="l" rtl="0">
               <a:spcBef>
                 <a:spcPts val="0"/>
               </a:spcBef>
@@ -939,108 +1215,6 @@
               </a:spcAft>
               <a:buNone/>
             </a:pPr>
-            <a:r>
-              <a:t/>
-            </a:r>
-            <a:endParaRPr/>
-          </a:p>
-        </p:txBody>
-      </p:sp>
-    </p:spTree>
-  </p:cSld>
-  <p:clrMapOvr>
-    <a:masterClrMapping/>
-  </p:clrMapOvr>
-</p:notes>
-</file>
-
-<file path=ppt/notesSlides/notesSlide3.xml><?xml version="1.0" encoding="utf-8"?>
-<p:notes xmlns:a="http://schemas.openxmlformats.org/drawingml/2006/main" xmlns:r="http://schemas.openxmlformats.org/officeDocument/2006/relationships" xmlns:mc="http://schemas.openxmlformats.org/markup-compatibility/2006" xmlns:mv="urn:schemas-microsoft-com:mac:vml" xmlns:p="http://schemas.openxmlformats.org/presentationml/2006/main" xmlns:c="http://schemas.openxmlformats.org/drawingml/2006/chart" xmlns:dgm="http://schemas.openxmlformats.org/drawingml/2006/diagram" xmlns:o="urn:schemas-microsoft-com:office:office" xmlns:v="urn:schemas-microsoft-com:vml" xmlns:pvml="urn:schemas-microsoft-com:office:powerpoint" xmlns:com="http://schemas.openxmlformats.org/drawingml/2006/compatibility" xmlns:p14="http://schemas.microsoft.com/office/powerpoint/2010/main" xmlns:p15="http://schemas.microsoft.com/office/powerpoint/2012/main" xmlns:ahyp="http://schemas.microsoft.com/office/drawing/2018/hyperlinkcolor" showMasterPhAnim="0" showMasterSp="0">
-  <p:cSld>
-    <p:spTree>
-      <p:nvGrpSpPr>
-        <p:cNvPr id="78" name="Shape 78"/>
-        <p:cNvGrpSpPr/>
-        <p:nvPr/>
-      </p:nvGrpSpPr>
-      <p:grpSpPr>
-        <a:xfrm>
-          <a:off x="0" y="0"/>
-          <a:ext cx="0" cy="0"/>
-          <a:chOff x="0" y="0"/>
-          <a:chExt cx="0" cy="0"/>
-        </a:xfrm>
-      </p:grpSpPr>
-      <p:sp>
-        <p:nvSpPr>
-          <p:cNvPr id="79" name="Google Shape;79;g5f25045b2d_0_25:notes"/>
-          <p:cNvSpPr/>
-          <p:nvPr>
-            <p:ph idx="2" type="sldImg"/>
-          </p:nvPr>
-        </p:nvSpPr>
-        <p:spPr>
-          <a:xfrm>
-            <a:off x="381300" y="685800"/>
-            <a:ext cx="6096000" cy="3429000"/>
-          </a:xfrm>
-          <a:custGeom>
-            <a:rect b="b" l="l" r="r" t="t"/>
-            <a:pathLst>
-              <a:path extrusionOk="0" h="120000" w="120000">
-                <a:moveTo>
-                  <a:pt x="0" y="0"/>
-                </a:moveTo>
-                <a:lnTo>
-                  <a:pt x="120000" y="0"/>
-                </a:lnTo>
-                <a:lnTo>
-                  <a:pt x="120000" y="120000"/>
-                </a:lnTo>
-                <a:lnTo>
-                  <a:pt x="0" y="120000"/>
-                </a:lnTo>
-                <a:close/>
-              </a:path>
-            </a:pathLst>
-          </a:custGeom>
-        </p:spPr>
-      </p:sp>
-      <p:sp>
-        <p:nvSpPr>
-          <p:cNvPr id="80" name="Google Shape;80;g5f25045b2d_0_25:notes"/>
-          <p:cNvSpPr txBox="1"/>
-          <p:nvPr>
-            <p:ph idx="1" type="body"/>
-          </p:nvPr>
-        </p:nvSpPr>
-        <p:spPr>
-          <a:xfrm>
-            <a:off x="685800" y="4343400"/>
-            <a:ext cx="5486400" cy="4114800"/>
-          </a:xfrm>
-          <a:prstGeom prst="rect">
-            <a:avLst/>
-          </a:prstGeom>
-        </p:spPr>
-        <p:txBody>
-          <a:bodyPr anchorCtr="0" anchor="t" bIns="91425" lIns="91425" spcFirstLastPara="1" rIns="91425" wrap="square" tIns="91425">
-            <a:noAutofit/>
-          </a:bodyPr>
-          <a:lstStyle/>
-          <a:p>
-            <a:pPr indent="0" lvl="0" marL="0" rtl="0" algn="l">
-              <a:spcBef>
-                <a:spcPts val="0"/>
-              </a:spcBef>
-              <a:spcAft>
-                <a:spcPts val="0"/>
-              </a:spcAft>
-              <a:buNone/>
-            </a:pPr>
-            <a:r>
-              <a:t/>
-            </a:r>
             <a:endParaRPr/>
           </a:p>
         </p:txBody>
@@ -1054,11 +1228,11 @@
 </file>
 
 <file path=ppt/notesSlides/notesSlide4.xml><?xml version="1.0" encoding="utf-8"?>
-<p:notes xmlns:a="http://schemas.openxmlformats.org/drawingml/2006/main" xmlns:r="http://schemas.openxmlformats.org/officeDocument/2006/relationships" xmlns:mc="http://schemas.openxmlformats.org/markup-compatibility/2006" xmlns:mv="urn:schemas-microsoft-com:mac:vml" xmlns:p="http://schemas.openxmlformats.org/presentationml/2006/main" xmlns:c="http://schemas.openxmlformats.org/drawingml/2006/chart" xmlns:dgm="http://schemas.openxmlformats.org/drawingml/2006/diagram" xmlns:o="urn:schemas-microsoft-com:office:office" xmlns:v="urn:schemas-microsoft-com:vml" xmlns:pvml="urn:schemas-microsoft-com:office:powerpoint" xmlns:com="http://schemas.openxmlformats.org/drawingml/2006/compatibility" xmlns:p14="http://schemas.microsoft.com/office/powerpoint/2010/main" xmlns:p15="http://schemas.microsoft.com/office/powerpoint/2012/main" xmlns:ahyp="http://schemas.microsoft.com/office/drawing/2018/hyperlinkcolor" showMasterPhAnim="0" showMasterSp="0">
+<p:notes xmlns:a="http://schemas.openxmlformats.org/drawingml/2006/main" xmlns:r="http://schemas.openxmlformats.org/officeDocument/2006/relationships" xmlns:p="http://schemas.openxmlformats.org/presentationml/2006/main" showMasterSp="0" showMasterPhAnim="0">
   <p:cSld>
     <p:spTree>
       <p:nvGrpSpPr>
-        <p:cNvPr id="85" name="Shape 85"/>
+        <p:cNvPr id="1" name="Shape 85"/>
         <p:cNvGrpSpPr/>
         <p:nvPr/>
       </p:nvGrpSpPr>
@@ -1073,9 +1247,11 @@
       <p:sp>
         <p:nvSpPr>
           <p:cNvPr id="86" name="Google Shape;86;g1e862f8e02b_0_11:notes"/>
-          <p:cNvSpPr/>
+          <p:cNvSpPr>
+            <a:spLocks noGrp="1" noRot="1" noChangeAspect="1"/>
+          </p:cNvSpPr>
           <p:nvPr>
-            <p:ph idx="2" type="sldImg"/>
+            <p:ph type="sldImg" idx="2"/>
           </p:nvPr>
         </p:nvSpPr>
         <p:spPr>
@@ -1084,9 +1260,13 @@
             <a:ext cx="6096000" cy="3429000"/>
           </a:xfrm>
           <a:custGeom>
-            <a:rect b="b" l="l" r="r" t="t"/>
+            <a:avLst/>
+            <a:gdLst/>
+            <a:ahLst/>
+            <a:cxnLst/>
+            <a:rect l="l" t="t" r="r" b="b"/>
             <a:pathLst>
-              <a:path extrusionOk="0" h="120000" w="120000">
+              <a:path w="120000" h="120000" extrusionOk="0">
                 <a:moveTo>
                   <a:pt x="0" y="0"/>
                 </a:moveTo>
@@ -1108,9 +1288,11 @@
       <p:sp>
         <p:nvSpPr>
           <p:cNvPr id="87" name="Google Shape;87;g1e862f8e02b_0_11:notes"/>
-          <p:cNvSpPr txBox="1"/>
+          <p:cNvSpPr txBox="1">
+            <a:spLocks noGrp="1"/>
+          </p:cNvSpPr>
           <p:nvPr>
-            <p:ph idx="1" type="body"/>
+            <p:ph type="body" idx="1"/>
           </p:nvPr>
         </p:nvSpPr>
         <p:spPr>
@@ -1123,12 +1305,12 @@
           </a:prstGeom>
         </p:spPr>
         <p:txBody>
-          <a:bodyPr anchorCtr="0" anchor="t" bIns="91425" lIns="91425" spcFirstLastPara="1" rIns="91425" wrap="square" tIns="91425">
+          <a:bodyPr spcFirstLastPara="1" wrap="square" lIns="91425" tIns="91425" rIns="91425" bIns="91425" anchor="t" anchorCtr="0">
             <a:noAutofit/>
           </a:bodyPr>
           <a:lstStyle/>
           <a:p>
-            <a:pPr indent="0" lvl="0" marL="0" rtl="0" algn="l">
+            <a:pPr marL="0" lvl="0" indent="0" algn="l" rtl="0">
               <a:spcBef>
                 <a:spcPts val="0"/>
               </a:spcBef>
@@ -1137,9 +1319,6 @@
               </a:spcAft>
               <a:buNone/>
             </a:pPr>
-            <a:r>
-              <a:t/>
-            </a:r>
             <a:endParaRPr/>
           </a:p>
         </p:txBody>
@@ -1153,11 +1332,11 @@
 </file>
 
 <file path=ppt/notesSlides/notesSlide5.xml><?xml version="1.0" encoding="utf-8"?>
-<p:notes xmlns:a="http://schemas.openxmlformats.org/drawingml/2006/main" xmlns:r="http://schemas.openxmlformats.org/officeDocument/2006/relationships" xmlns:mc="http://schemas.openxmlformats.org/markup-compatibility/2006" xmlns:mv="urn:schemas-microsoft-com:mac:vml" xmlns:p="http://schemas.openxmlformats.org/presentationml/2006/main" xmlns:c="http://schemas.openxmlformats.org/drawingml/2006/chart" xmlns:dgm="http://schemas.openxmlformats.org/drawingml/2006/diagram" xmlns:o="urn:schemas-microsoft-com:office:office" xmlns:v="urn:schemas-microsoft-com:vml" xmlns:pvml="urn:schemas-microsoft-com:office:powerpoint" xmlns:com="http://schemas.openxmlformats.org/drawingml/2006/compatibility" xmlns:p14="http://schemas.microsoft.com/office/powerpoint/2010/main" xmlns:p15="http://schemas.microsoft.com/office/powerpoint/2012/main" xmlns:ahyp="http://schemas.microsoft.com/office/drawing/2018/hyperlinkcolor" showMasterPhAnim="0" showMasterSp="0">
+<p:notes xmlns:a="http://schemas.openxmlformats.org/drawingml/2006/main" xmlns:r="http://schemas.openxmlformats.org/officeDocument/2006/relationships" xmlns:p="http://schemas.openxmlformats.org/presentationml/2006/main" showMasterSp="0" showMasterPhAnim="0">
   <p:cSld>
     <p:spTree>
       <p:nvGrpSpPr>
-        <p:cNvPr id="92" name="Shape 92"/>
+        <p:cNvPr id="1" name="Shape 92"/>
         <p:cNvGrpSpPr/>
         <p:nvPr/>
       </p:nvGrpSpPr>
@@ -1172,20 +1351,26 @@
       <p:sp>
         <p:nvSpPr>
           <p:cNvPr id="93" name="Google Shape;93;g1e862f8e02b_0_17:notes"/>
-          <p:cNvSpPr/>
+          <p:cNvSpPr>
+            <a:spLocks noGrp="1" noRot="1" noChangeAspect="1"/>
+          </p:cNvSpPr>
           <p:nvPr>
-            <p:ph idx="2" type="sldImg"/>
+            <p:ph type="sldImg" idx="2"/>
           </p:nvPr>
         </p:nvSpPr>
         <p:spPr>
           <a:xfrm>
-            <a:off x="381300" y="685800"/>
+            <a:off x="381000" y="685800"/>
             <a:ext cx="6096000" cy="3429000"/>
           </a:xfrm>
           <a:custGeom>
-            <a:rect b="b" l="l" r="r" t="t"/>
+            <a:avLst/>
+            <a:gdLst/>
+            <a:ahLst/>
+            <a:cxnLst/>
+            <a:rect l="l" t="t" r="r" b="b"/>
             <a:pathLst>
-              <a:path extrusionOk="0" h="120000" w="120000">
+              <a:path w="120000" h="120000" extrusionOk="0">
                 <a:moveTo>
                   <a:pt x="0" y="0"/>
                 </a:moveTo>
@@ -1207,9 +1392,11 @@
       <p:sp>
         <p:nvSpPr>
           <p:cNvPr id="94" name="Google Shape;94;g1e862f8e02b_0_17:notes"/>
-          <p:cNvSpPr txBox="1"/>
+          <p:cNvSpPr txBox="1">
+            <a:spLocks noGrp="1"/>
+          </p:cNvSpPr>
           <p:nvPr>
-            <p:ph idx="1" type="body"/>
+            <p:ph type="body" idx="1"/>
           </p:nvPr>
         </p:nvSpPr>
         <p:spPr>
@@ -1222,12 +1409,12 @@
           </a:prstGeom>
         </p:spPr>
         <p:txBody>
-          <a:bodyPr anchorCtr="0" anchor="t" bIns="91425" lIns="91425" spcFirstLastPara="1" rIns="91425" wrap="square" tIns="91425">
+          <a:bodyPr spcFirstLastPara="1" wrap="square" lIns="91425" tIns="91425" rIns="91425" bIns="91425" anchor="t" anchorCtr="0">
             <a:noAutofit/>
           </a:bodyPr>
           <a:lstStyle/>
           <a:p>
-            <a:pPr indent="0" lvl="0" marL="0" rtl="0" algn="l">
+            <a:pPr marL="0" lvl="0" indent="0" algn="l" rtl="0">
               <a:spcBef>
                 <a:spcPts val="0"/>
               </a:spcBef>
@@ -1236,9 +1423,6 @@
               </a:spcAft>
               <a:buNone/>
             </a:pPr>
-            <a:r>
-              <a:t/>
-            </a:r>
             <a:endParaRPr/>
           </a:p>
         </p:txBody>
@@ -1252,11 +1436,11 @@
 </file>
 
 <file path=ppt/notesSlides/notesSlide6.xml><?xml version="1.0" encoding="utf-8"?>
-<p:notes xmlns:a="http://schemas.openxmlformats.org/drawingml/2006/main" xmlns:r="http://schemas.openxmlformats.org/officeDocument/2006/relationships" xmlns:mc="http://schemas.openxmlformats.org/markup-compatibility/2006" xmlns:mv="urn:schemas-microsoft-com:mac:vml" xmlns:p="http://schemas.openxmlformats.org/presentationml/2006/main" xmlns:c="http://schemas.openxmlformats.org/drawingml/2006/chart" xmlns:dgm="http://schemas.openxmlformats.org/drawingml/2006/diagram" xmlns:o="urn:schemas-microsoft-com:office:office" xmlns:v="urn:schemas-microsoft-com:vml" xmlns:pvml="urn:schemas-microsoft-com:office:powerpoint" xmlns:com="http://schemas.openxmlformats.org/drawingml/2006/compatibility" xmlns:p14="http://schemas.microsoft.com/office/powerpoint/2010/main" xmlns:p15="http://schemas.microsoft.com/office/powerpoint/2012/main" xmlns:ahyp="http://schemas.microsoft.com/office/drawing/2018/hyperlinkcolor" showMasterPhAnim="0" showMasterSp="0">
+<p:notes xmlns:a="http://schemas.openxmlformats.org/drawingml/2006/main" xmlns:r="http://schemas.openxmlformats.org/officeDocument/2006/relationships" xmlns:p="http://schemas.openxmlformats.org/presentationml/2006/main" showMasterSp="0" showMasterPhAnim="0">
   <p:cSld>
     <p:spTree>
       <p:nvGrpSpPr>
-        <p:cNvPr id="99" name="Shape 99"/>
+        <p:cNvPr id="1" name="Shape 99"/>
         <p:cNvGrpSpPr/>
         <p:nvPr/>
       </p:nvGrpSpPr>
@@ -1271,20 +1455,26 @@
       <p:sp>
         <p:nvSpPr>
           <p:cNvPr id="100" name="Google Shape;100;g1e862f8e02b_0_24:notes"/>
-          <p:cNvSpPr/>
+          <p:cNvSpPr>
+            <a:spLocks noGrp="1" noRot="1" noChangeAspect="1"/>
+          </p:cNvSpPr>
           <p:nvPr>
-            <p:ph idx="2" type="sldImg"/>
+            <p:ph type="sldImg" idx="2"/>
           </p:nvPr>
         </p:nvSpPr>
         <p:spPr>
           <a:xfrm>
-            <a:off x="381300" y="685800"/>
+            <a:off x="381000" y="685800"/>
             <a:ext cx="6096000" cy="3429000"/>
           </a:xfrm>
           <a:custGeom>
-            <a:rect b="b" l="l" r="r" t="t"/>
+            <a:avLst/>
+            <a:gdLst/>
+            <a:ahLst/>
+            <a:cxnLst/>
+            <a:rect l="l" t="t" r="r" b="b"/>
             <a:pathLst>
-              <a:path extrusionOk="0" h="120000" w="120000">
+              <a:path w="120000" h="120000" extrusionOk="0">
                 <a:moveTo>
                   <a:pt x="0" y="0"/>
                 </a:moveTo>
@@ -1306,9 +1496,11 @@
       <p:sp>
         <p:nvSpPr>
           <p:cNvPr id="101" name="Google Shape;101;g1e862f8e02b_0_24:notes"/>
-          <p:cNvSpPr txBox="1"/>
+          <p:cNvSpPr txBox="1">
+            <a:spLocks noGrp="1"/>
+          </p:cNvSpPr>
           <p:nvPr>
-            <p:ph idx="1" type="body"/>
+            <p:ph type="body" idx="1"/>
           </p:nvPr>
         </p:nvSpPr>
         <p:spPr>
@@ -1321,12 +1513,12 @@
           </a:prstGeom>
         </p:spPr>
         <p:txBody>
-          <a:bodyPr anchorCtr="0" anchor="t" bIns="91425" lIns="91425" spcFirstLastPara="1" rIns="91425" wrap="square" tIns="91425">
+          <a:bodyPr spcFirstLastPara="1" wrap="square" lIns="91425" tIns="91425" rIns="91425" bIns="91425" anchor="t" anchorCtr="0">
             <a:noAutofit/>
           </a:bodyPr>
           <a:lstStyle/>
           <a:p>
-            <a:pPr indent="0" lvl="0" marL="0" rtl="0" algn="l">
+            <a:pPr marL="0" lvl="0" indent="0" algn="l" rtl="0">
               <a:spcBef>
                 <a:spcPts val="0"/>
               </a:spcBef>
@@ -1335,9 +1527,6 @@
               </a:spcAft>
               <a:buNone/>
             </a:pPr>
-            <a:r>
-              <a:t/>
-            </a:r>
             <a:endParaRPr/>
           </a:p>
         </p:txBody>
@@ -1351,11 +1540,11 @@
 </file>
 
 <file path=ppt/slideLayouts/slideLayout1.xml><?xml version="1.0" encoding="utf-8"?>
-<p:sldLayout xmlns:a="http://schemas.openxmlformats.org/drawingml/2006/main" xmlns:r="http://schemas.openxmlformats.org/officeDocument/2006/relationships" xmlns:mc="http://schemas.openxmlformats.org/markup-compatibility/2006" xmlns:mv="urn:schemas-microsoft-com:mac:vml" xmlns:p="http://schemas.openxmlformats.org/presentationml/2006/main" xmlns:c="http://schemas.openxmlformats.org/drawingml/2006/chart" xmlns:dgm="http://schemas.openxmlformats.org/drawingml/2006/diagram" xmlns:o="urn:schemas-microsoft-com:office:office" xmlns:v="urn:schemas-microsoft-com:vml" xmlns:pvml="urn:schemas-microsoft-com:office:powerpoint" xmlns:com="http://schemas.openxmlformats.org/drawingml/2006/compatibility" xmlns:p14="http://schemas.microsoft.com/office/powerpoint/2010/main" xmlns:p15="http://schemas.microsoft.com/office/powerpoint/2012/main" xmlns:ahyp="http://schemas.microsoft.com/office/drawing/2018/hyperlinkcolor" matchingName="Title slide" type="title">
+<p:sldLayout xmlns:a="http://schemas.openxmlformats.org/drawingml/2006/main" xmlns:r="http://schemas.openxmlformats.org/officeDocument/2006/relationships" xmlns:p="http://schemas.openxmlformats.org/presentationml/2006/main" matchingName="Title slide" type="title">
   <p:cSld name="TITLE">
     <p:spTree>
       <p:nvGrpSpPr>
-        <p:cNvPr id="10" name="Shape 10"/>
+        <p:cNvPr id="1" name="Shape 10"/>
         <p:cNvGrpSpPr/>
         <p:nvPr/>
       </p:nvGrpSpPr>
@@ -1370,7 +1559,9 @@
       <p:sp>
         <p:nvSpPr>
           <p:cNvPr id="11" name="Google Shape;11;p2"/>
-          <p:cNvSpPr txBox="1"/>
+          <p:cNvSpPr txBox="1">
+            <a:spLocks noGrp="1"/>
+          </p:cNvSpPr>
           <p:nvPr>
             <p:ph type="ctrTitle"/>
           </p:nvPr>
@@ -1385,7 +1576,7 @@
           </a:prstGeom>
         </p:spPr>
         <p:txBody>
-          <a:bodyPr anchorCtr="0" anchor="b" bIns="91425" lIns="91425" spcFirstLastPara="1" rIns="91425" wrap="square" tIns="91425">
+          <a:bodyPr spcFirstLastPara="1" wrap="square" lIns="91425" tIns="91425" rIns="91425" bIns="91425" anchor="b" anchorCtr="0">
             <a:noAutofit/>
           </a:bodyPr>
           <a:lstStyle>
@@ -1489,15 +1680,19 @@
               <a:defRPr sz="5200"/>
             </a:lvl9pPr>
           </a:lstStyle>
-          <a:p/>
+          <a:p>
+            <a:endParaRPr/>
+          </a:p>
         </p:txBody>
       </p:sp>
       <p:sp>
         <p:nvSpPr>
           <p:cNvPr id="12" name="Google Shape;12;p2"/>
-          <p:cNvSpPr txBox="1"/>
+          <p:cNvSpPr txBox="1">
+            <a:spLocks noGrp="1"/>
+          </p:cNvSpPr>
           <p:nvPr>
-            <p:ph idx="1" type="subTitle"/>
+            <p:ph type="subTitle" idx="1"/>
           </p:nvPr>
         </p:nvSpPr>
         <p:spPr>
@@ -1510,7 +1705,7 @@
           </a:prstGeom>
         </p:spPr>
         <p:txBody>
-          <a:bodyPr anchorCtr="0" anchor="t" bIns="91425" lIns="91425" spcFirstLastPara="1" rIns="91425" wrap="square" tIns="91425">
+          <a:bodyPr spcFirstLastPara="1" wrap="square" lIns="91425" tIns="91425" rIns="91425" bIns="91425" anchor="t" anchorCtr="0">
             <a:noAutofit/>
           </a:bodyPr>
           <a:lstStyle>
@@ -1641,15 +1836,19 @@
               <a:defRPr sz="2800"/>
             </a:lvl9pPr>
           </a:lstStyle>
-          <a:p/>
+          <a:p>
+            <a:endParaRPr/>
+          </a:p>
         </p:txBody>
       </p:sp>
       <p:sp>
         <p:nvSpPr>
           <p:cNvPr id="13" name="Google Shape;13;p2"/>
-          <p:cNvSpPr txBox="1"/>
+          <p:cNvSpPr txBox="1">
+            <a:spLocks noGrp="1"/>
+          </p:cNvSpPr>
           <p:nvPr>
-            <p:ph idx="12" type="sldNum"/>
+            <p:ph type="sldNum" idx="12"/>
           </p:nvPr>
         </p:nvSpPr>
         <p:spPr>
@@ -1662,7 +1861,7 @@
           </a:prstGeom>
         </p:spPr>
         <p:txBody>
-          <a:bodyPr anchorCtr="0" anchor="ctr" bIns="91425" lIns="91425" spcFirstLastPara="1" rIns="91425" wrap="square" tIns="91425">
+          <a:bodyPr spcFirstLastPara="1" wrap="square" lIns="91425" tIns="91425" rIns="91425" bIns="91425" anchor="ctr" anchorCtr="0">
             <a:noAutofit/>
           </a:bodyPr>
           <a:lstStyle>
@@ -1704,7 +1903,7 @@
             </a:lvl9pPr>
           </a:lstStyle>
           <a:p>
-            <a:pPr indent="0" lvl="0" marL="0" rtl="0" algn="r">
+            <a:pPr marL="0" lvl="0" indent="0" algn="r" rtl="0">
               <a:spcBef>
                 <a:spcPts val="0"/>
               </a:spcBef>
@@ -1723,7 +1922,7 @@
       </p:sp>
       <p:pic>
         <p:nvPicPr>
-          <p:cNvPr descr="NCAS_national_centre_logo.png" id="14" name="Google Shape;14;p2"/>
+          <p:cNvPr id="14" name="Google Shape;14;p2" descr="NCAS_national_centre_logo.png"/>
           <p:cNvPicPr preferRelativeResize="0"/>
           <p:nvPr/>
         </p:nvPicPr>
@@ -1758,11 +1957,11 @@
 </file>
 
 <file path=ppt/slideLayouts/slideLayout10.xml><?xml version="1.0" encoding="utf-8"?>
-<p:sldLayout xmlns:a="http://schemas.openxmlformats.org/drawingml/2006/main" xmlns:r="http://schemas.openxmlformats.org/officeDocument/2006/relationships" xmlns:mc="http://schemas.openxmlformats.org/markup-compatibility/2006" xmlns:mv="urn:schemas-microsoft-com:mac:vml" xmlns:p="http://schemas.openxmlformats.org/presentationml/2006/main" xmlns:c="http://schemas.openxmlformats.org/drawingml/2006/chart" xmlns:dgm="http://schemas.openxmlformats.org/drawingml/2006/diagram" xmlns:o="urn:schemas-microsoft-com:office:office" xmlns:v="urn:schemas-microsoft-com:vml" xmlns:pvml="urn:schemas-microsoft-com:office:powerpoint" xmlns:com="http://schemas.openxmlformats.org/drawingml/2006/compatibility" xmlns:p14="http://schemas.microsoft.com/office/powerpoint/2010/main" xmlns:p15="http://schemas.microsoft.com/office/powerpoint/2012/main" xmlns:ahyp="http://schemas.microsoft.com/office/drawing/2018/hyperlinkcolor" matchingName="Big number">
+<p:sldLayout xmlns:a="http://schemas.openxmlformats.org/drawingml/2006/main" xmlns:r="http://schemas.openxmlformats.org/officeDocument/2006/relationships" xmlns:p="http://schemas.openxmlformats.org/presentationml/2006/main" matchingName="Big number">
   <p:cSld name="BIG_NUMBER">
     <p:spTree>
       <p:nvGrpSpPr>
-        <p:cNvPr id="54" name="Shape 54"/>
+        <p:cNvPr id="1" name="Shape 54"/>
         <p:cNvGrpSpPr/>
         <p:nvPr/>
       </p:nvGrpSpPr>
@@ -1777,9 +1976,11 @@
       <p:sp>
         <p:nvSpPr>
           <p:cNvPr id="55" name="Google Shape;55;p11"/>
-          <p:cNvSpPr txBox="1"/>
+          <p:cNvSpPr txBox="1">
+            <a:spLocks noGrp="1"/>
+          </p:cNvSpPr>
           <p:nvPr>
-            <p:ph hasCustomPrompt="1" type="title"/>
+            <p:ph type="title" hasCustomPrompt="1"/>
           </p:nvPr>
         </p:nvSpPr>
         <p:spPr>
@@ -1792,7 +1993,7 @@
           </a:prstGeom>
         </p:spPr>
         <p:txBody>
-          <a:bodyPr anchorCtr="0" anchor="b" bIns="91425" lIns="91425" spcFirstLastPara="1" rIns="91425" wrap="square" tIns="91425">
+          <a:bodyPr spcFirstLastPara="1" wrap="square" lIns="91425" tIns="91425" rIns="91425" bIns="91425" anchor="b" anchorCtr="0">
             <a:noAutofit/>
           </a:bodyPr>
           <a:lstStyle>
@@ -1906,9 +2107,11 @@
       <p:sp>
         <p:nvSpPr>
           <p:cNvPr id="56" name="Google Shape;56;p11"/>
-          <p:cNvSpPr txBox="1"/>
+          <p:cNvSpPr txBox="1">
+            <a:spLocks noGrp="1"/>
+          </p:cNvSpPr>
           <p:nvPr>
-            <p:ph idx="1" type="body"/>
+            <p:ph type="body" idx="1"/>
           </p:nvPr>
         </p:nvSpPr>
         <p:spPr>
@@ -1921,11 +2124,11 @@
           </a:prstGeom>
         </p:spPr>
         <p:txBody>
-          <a:bodyPr anchorCtr="0" anchor="t" bIns="91425" lIns="91425" spcFirstLastPara="1" rIns="91425" wrap="square" tIns="91425">
+          <a:bodyPr spcFirstLastPara="1" wrap="square" lIns="91425" tIns="91425" rIns="91425" bIns="91425" anchor="t" anchorCtr="0">
             <a:noAutofit/>
           </a:bodyPr>
           <a:lstStyle>
-            <a:lvl1pPr indent="-292100" lvl="0" marL="457200" algn="ctr">
+            <a:lvl1pPr marL="457200" lvl="0" indent="-292100" algn="ctr">
               <a:spcBef>
                 <a:spcPts val="0"/>
               </a:spcBef>
@@ -1936,7 +2139,7 @@
               <a:buChar char="●"/>
               <a:defRPr/>
             </a:lvl1pPr>
-            <a:lvl2pPr indent="-292100" lvl="1" marL="914400" algn="ctr">
+            <a:lvl2pPr marL="914400" lvl="1" indent="-292100" algn="ctr">
               <a:spcBef>
                 <a:spcPts val="1600"/>
               </a:spcBef>
@@ -1947,7 +2150,7 @@
               <a:buChar char="○"/>
               <a:defRPr/>
             </a:lvl2pPr>
-            <a:lvl3pPr indent="-292100" lvl="2" marL="1371600" algn="ctr">
+            <a:lvl3pPr marL="1371600" lvl="2" indent="-292100" algn="ctr">
               <a:spcBef>
                 <a:spcPts val="1600"/>
               </a:spcBef>
@@ -1958,7 +2161,7 @@
               <a:buChar char="■"/>
               <a:defRPr/>
             </a:lvl3pPr>
-            <a:lvl4pPr indent="-292100" lvl="3" marL="1828800" algn="ctr">
+            <a:lvl4pPr marL="1828800" lvl="3" indent="-292100" algn="ctr">
               <a:spcBef>
                 <a:spcPts val="1600"/>
               </a:spcBef>
@@ -1969,7 +2172,7 @@
               <a:buChar char="●"/>
               <a:defRPr/>
             </a:lvl4pPr>
-            <a:lvl5pPr indent="-292100" lvl="4" marL="2286000" algn="ctr">
+            <a:lvl5pPr marL="2286000" lvl="4" indent="-292100" algn="ctr">
               <a:spcBef>
                 <a:spcPts val="1600"/>
               </a:spcBef>
@@ -1980,7 +2183,7 @@
               <a:buChar char="○"/>
               <a:defRPr/>
             </a:lvl5pPr>
-            <a:lvl6pPr indent="-292100" lvl="5" marL="2743200" algn="ctr">
+            <a:lvl6pPr marL="2743200" lvl="5" indent="-292100" algn="ctr">
               <a:spcBef>
                 <a:spcPts val="1600"/>
               </a:spcBef>
@@ -1991,7 +2194,7 @@
               <a:buChar char="■"/>
               <a:defRPr/>
             </a:lvl6pPr>
-            <a:lvl7pPr indent="-292100" lvl="6" marL="3200400" algn="ctr">
+            <a:lvl7pPr marL="3200400" lvl="6" indent="-292100" algn="ctr">
               <a:spcBef>
                 <a:spcPts val="1600"/>
               </a:spcBef>
@@ -2002,7 +2205,7 @@
               <a:buChar char="●"/>
               <a:defRPr/>
             </a:lvl7pPr>
-            <a:lvl8pPr indent="-292100" lvl="7" marL="3657600" algn="ctr">
+            <a:lvl8pPr marL="3657600" lvl="7" indent="-292100" algn="ctr">
               <a:spcBef>
                 <a:spcPts val="1600"/>
               </a:spcBef>
@@ -2013,7 +2216,7 @@
               <a:buChar char="○"/>
               <a:defRPr/>
             </a:lvl8pPr>
-            <a:lvl9pPr indent="-292100" lvl="8" marL="4114800" algn="ctr">
+            <a:lvl9pPr marL="4114800" lvl="8" indent="-292100" algn="ctr">
               <a:spcBef>
                 <a:spcPts val="1600"/>
               </a:spcBef>
@@ -2025,15 +2228,19 @@
               <a:defRPr/>
             </a:lvl9pPr>
           </a:lstStyle>
-          <a:p/>
+          <a:p>
+            <a:endParaRPr/>
+          </a:p>
         </p:txBody>
       </p:sp>
       <p:sp>
         <p:nvSpPr>
           <p:cNvPr id="57" name="Google Shape;57;p11"/>
-          <p:cNvSpPr txBox="1"/>
+          <p:cNvSpPr txBox="1">
+            <a:spLocks noGrp="1"/>
+          </p:cNvSpPr>
           <p:nvPr>
-            <p:ph idx="12" type="sldNum"/>
+            <p:ph type="sldNum" idx="12"/>
           </p:nvPr>
         </p:nvSpPr>
         <p:spPr>
@@ -2046,7 +2253,7 @@
           </a:prstGeom>
         </p:spPr>
         <p:txBody>
-          <a:bodyPr anchorCtr="0" anchor="ctr" bIns="91425" lIns="91425" spcFirstLastPara="1" rIns="91425" wrap="square" tIns="91425">
+          <a:bodyPr spcFirstLastPara="1" wrap="square" lIns="91425" tIns="91425" rIns="91425" bIns="91425" anchor="ctr" anchorCtr="0">
             <a:noAutofit/>
           </a:bodyPr>
           <a:lstStyle>
@@ -2088,7 +2295,7 @@
             </a:lvl9pPr>
           </a:lstStyle>
           <a:p>
-            <a:pPr indent="0" lvl="0" marL="0" rtl="0" algn="r">
+            <a:pPr marL="0" lvl="0" indent="0" algn="r" rtl="0">
               <a:spcBef>
                 <a:spcPts val="0"/>
               </a:spcBef>
@@ -2107,7 +2314,7 @@
       </p:sp>
       <p:pic>
         <p:nvPicPr>
-          <p:cNvPr descr="NCAS_national_centre_logo.png" id="58" name="Google Shape;58;p11"/>
+          <p:cNvPr id="58" name="Google Shape;58;p11" descr="NCAS_national_centre_logo.png"/>
           <p:cNvPicPr preferRelativeResize="0"/>
           <p:nvPr/>
         </p:nvPicPr>
@@ -2142,11 +2349,11 @@
 </file>
 
 <file path=ppt/slideLayouts/slideLayout11.xml><?xml version="1.0" encoding="utf-8"?>
-<p:sldLayout xmlns:a="http://schemas.openxmlformats.org/drawingml/2006/main" xmlns:r="http://schemas.openxmlformats.org/officeDocument/2006/relationships" xmlns:mc="http://schemas.openxmlformats.org/markup-compatibility/2006" xmlns:mv="urn:schemas-microsoft-com:mac:vml" xmlns:p="http://schemas.openxmlformats.org/presentationml/2006/main" xmlns:c="http://schemas.openxmlformats.org/drawingml/2006/chart" xmlns:dgm="http://schemas.openxmlformats.org/drawingml/2006/diagram" xmlns:o="urn:schemas-microsoft-com:office:office" xmlns:v="urn:schemas-microsoft-com:vml" xmlns:pvml="urn:schemas-microsoft-com:office:powerpoint" xmlns:com="http://schemas.openxmlformats.org/drawingml/2006/compatibility" xmlns:p14="http://schemas.microsoft.com/office/powerpoint/2010/main" xmlns:p15="http://schemas.microsoft.com/office/powerpoint/2012/main" xmlns:ahyp="http://schemas.microsoft.com/office/drawing/2018/hyperlinkcolor" matchingName="Blank" type="blank">
+<p:sldLayout xmlns:a="http://schemas.openxmlformats.org/drawingml/2006/main" xmlns:r="http://schemas.openxmlformats.org/officeDocument/2006/relationships" xmlns:p="http://schemas.openxmlformats.org/presentationml/2006/main" matchingName="Blank" type="blank">
   <p:cSld name="BLANK">
     <p:spTree>
       <p:nvGrpSpPr>
-        <p:cNvPr id="59" name="Shape 59"/>
+        <p:cNvPr id="1" name="Shape 59"/>
         <p:cNvGrpSpPr/>
         <p:nvPr/>
       </p:nvGrpSpPr>
@@ -2161,9 +2368,11 @@
       <p:sp>
         <p:nvSpPr>
           <p:cNvPr id="60" name="Google Shape;60;p12"/>
-          <p:cNvSpPr txBox="1"/>
+          <p:cNvSpPr txBox="1">
+            <a:spLocks noGrp="1"/>
+          </p:cNvSpPr>
           <p:nvPr>
-            <p:ph idx="12" type="sldNum"/>
+            <p:ph type="sldNum" idx="12"/>
           </p:nvPr>
         </p:nvSpPr>
         <p:spPr>
@@ -2176,7 +2385,7 @@
           </a:prstGeom>
         </p:spPr>
         <p:txBody>
-          <a:bodyPr anchorCtr="0" anchor="ctr" bIns="91425" lIns="91425" spcFirstLastPara="1" rIns="91425" wrap="square" tIns="91425">
+          <a:bodyPr spcFirstLastPara="1" wrap="square" lIns="91425" tIns="91425" rIns="91425" bIns="91425" anchor="ctr" anchorCtr="0">
             <a:noAutofit/>
           </a:bodyPr>
           <a:lstStyle>
@@ -2218,7 +2427,7 @@
             </a:lvl9pPr>
           </a:lstStyle>
           <a:p>
-            <a:pPr indent="0" lvl="0" marL="0" rtl="0" algn="r">
+            <a:pPr marL="0" lvl="0" indent="0" algn="r" rtl="0">
               <a:spcBef>
                 <a:spcPts val="0"/>
               </a:spcBef>
@@ -2237,7 +2446,7 @@
       </p:sp>
       <p:pic>
         <p:nvPicPr>
-          <p:cNvPr descr="NCAS_national_centre_logo.png" id="61" name="Google Shape;61;p12"/>
+          <p:cNvPr id="61" name="Google Shape;61;p12" descr="NCAS_national_centre_logo.png"/>
           <p:cNvPicPr preferRelativeResize="0"/>
           <p:nvPr/>
         </p:nvPicPr>
@@ -2272,18 +2481,19 @@
 </file>
 
 <file path=ppt/slideLayouts/slideLayout12.xml><?xml version="1.0" encoding="utf-8"?>
-<p:sldLayout xmlns:a="http://schemas.openxmlformats.org/drawingml/2006/main" xmlns:r="http://schemas.openxmlformats.org/officeDocument/2006/relationships" xmlns:mc="http://schemas.openxmlformats.org/markup-compatibility/2006" xmlns:mv="urn:schemas-microsoft-com:mac:vml" xmlns:p="http://schemas.openxmlformats.org/presentationml/2006/main" xmlns:c="http://schemas.openxmlformats.org/drawingml/2006/chart" xmlns:dgm="http://schemas.openxmlformats.org/drawingml/2006/diagram" xmlns:o="urn:schemas-microsoft-com:office:office" xmlns:v="urn:schemas-microsoft-com:vml" xmlns:pvml="urn:schemas-microsoft-com:office:powerpoint" xmlns:com="http://schemas.openxmlformats.org/drawingml/2006/compatibility" xmlns:p14="http://schemas.microsoft.com/office/powerpoint/2010/main" xmlns:p15="http://schemas.microsoft.com/office/powerpoint/2012/main" xmlns:ahyp="http://schemas.microsoft.com/office/drawing/2018/hyperlinkcolor" matchingName="1_Title and Content">
+<p:sldLayout xmlns:a="http://schemas.openxmlformats.org/drawingml/2006/main" xmlns:r="http://schemas.openxmlformats.org/officeDocument/2006/relationships" xmlns:p="http://schemas.openxmlformats.org/presentationml/2006/main" matchingName="1_Title and Content">
   <p:cSld name="1_Title and Content">
     <p:bg>
       <p:bgPr>
         <a:solidFill>
           <a:srgbClr val="FFFFFF"/>
         </a:solidFill>
+        <a:effectLst/>
       </p:bgPr>
     </p:bg>
     <p:spTree>
       <p:nvGrpSpPr>
-        <p:cNvPr id="62" name="Shape 62"/>
+        <p:cNvPr id="1" name="Shape 62"/>
         <p:cNvGrpSpPr/>
         <p:nvPr/>
       </p:nvGrpSpPr>
@@ -2304,11 +2514,11 @@
 </file>
 
 <file path=ppt/slideLayouts/slideLayout2.xml><?xml version="1.0" encoding="utf-8"?>
-<p:sldLayout xmlns:a="http://schemas.openxmlformats.org/drawingml/2006/main" xmlns:r="http://schemas.openxmlformats.org/officeDocument/2006/relationships" xmlns:mc="http://schemas.openxmlformats.org/markup-compatibility/2006" xmlns:mv="urn:schemas-microsoft-com:mac:vml" xmlns:p="http://schemas.openxmlformats.org/presentationml/2006/main" xmlns:c="http://schemas.openxmlformats.org/drawingml/2006/chart" xmlns:dgm="http://schemas.openxmlformats.org/drawingml/2006/diagram" xmlns:o="urn:schemas-microsoft-com:office:office" xmlns:v="urn:schemas-microsoft-com:vml" xmlns:pvml="urn:schemas-microsoft-com:office:powerpoint" xmlns:com="http://schemas.openxmlformats.org/drawingml/2006/compatibility" xmlns:p14="http://schemas.microsoft.com/office/powerpoint/2010/main" xmlns:p15="http://schemas.microsoft.com/office/powerpoint/2012/main" xmlns:ahyp="http://schemas.microsoft.com/office/drawing/2018/hyperlinkcolor" matchingName="Section header" type="secHead">
+<p:sldLayout xmlns:a="http://schemas.openxmlformats.org/drawingml/2006/main" xmlns:r="http://schemas.openxmlformats.org/officeDocument/2006/relationships" xmlns:p="http://schemas.openxmlformats.org/presentationml/2006/main" matchingName="Section header" type="secHead">
   <p:cSld name="SECTION_HEADER">
     <p:spTree>
       <p:nvGrpSpPr>
-        <p:cNvPr id="15" name="Shape 15"/>
+        <p:cNvPr id="1" name="Shape 15"/>
         <p:cNvGrpSpPr/>
         <p:nvPr/>
       </p:nvGrpSpPr>
@@ -2323,7 +2533,9 @@
       <p:sp>
         <p:nvSpPr>
           <p:cNvPr id="16" name="Google Shape;16;p3"/>
-          <p:cNvSpPr txBox="1"/>
+          <p:cNvSpPr txBox="1">
+            <a:spLocks noGrp="1"/>
+          </p:cNvSpPr>
           <p:nvPr>
             <p:ph type="title"/>
           </p:nvPr>
@@ -2338,7 +2550,7 @@
           </a:prstGeom>
         </p:spPr>
         <p:txBody>
-          <a:bodyPr anchorCtr="0" anchor="ctr" bIns="91425" lIns="91425" spcFirstLastPara="1" rIns="91425" wrap="square" tIns="91425">
+          <a:bodyPr spcFirstLastPara="1" wrap="square" lIns="91425" tIns="91425" rIns="91425" bIns="91425" anchor="ctr" anchorCtr="0">
             <a:noAutofit/>
           </a:bodyPr>
           <a:lstStyle>
@@ -2442,15 +2654,19 @@
               <a:defRPr sz="3600"/>
             </a:lvl9pPr>
           </a:lstStyle>
-          <a:p/>
+          <a:p>
+            <a:endParaRPr/>
+          </a:p>
         </p:txBody>
       </p:sp>
       <p:sp>
         <p:nvSpPr>
           <p:cNvPr id="17" name="Google Shape;17;p3"/>
-          <p:cNvSpPr txBox="1"/>
+          <p:cNvSpPr txBox="1">
+            <a:spLocks noGrp="1"/>
+          </p:cNvSpPr>
           <p:nvPr>
-            <p:ph idx="12" type="sldNum"/>
+            <p:ph type="sldNum" idx="12"/>
           </p:nvPr>
         </p:nvSpPr>
         <p:spPr>
@@ -2463,7 +2679,7 @@
           </a:prstGeom>
         </p:spPr>
         <p:txBody>
-          <a:bodyPr anchorCtr="0" anchor="ctr" bIns="91425" lIns="91425" spcFirstLastPara="1" rIns="91425" wrap="square" tIns="91425">
+          <a:bodyPr spcFirstLastPara="1" wrap="square" lIns="91425" tIns="91425" rIns="91425" bIns="91425" anchor="ctr" anchorCtr="0">
             <a:noAutofit/>
           </a:bodyPr>
           <a:lstStyle>
@@ -2505,7 +2721,7 @@
             </a:lvl9pPr>
           </a:lstStyle>
           <a:p>
-            <a:pPr indent="0" lvl="0" marL="0" rtl="0" algn="r">
+            <a:pPr marL="0" lvl="0" indent="0" algn="r" rtl="0">
               <a:spcBef>
                 <a:spcPts val="0"/>
               </a:spcBef>
@@ -2524,7 +2740,7 @@
       </p:sp>
       <p:pic>
         <p:nvPicPr>
-          <p:cNvPr descr="NCAS_national_centre_logo.png" id="18" name="Google Shape;18;p3"/>
+          <p:cNvPr id="18" name="Google Shape;18;p3" descr="NCAS_national_centre_logo.png"/>
           <p:cNvPicPr preferRelativeResize="0"/>
           <p:nvPr/>
         </p:nvPicPr>
@@ -2559,11 +2775,11 @@
 </file>
 
 <file path=ppt/slideLayouts/slideLayout3.xml><?xml version="1.0" encoding="utf-8"?>
-<p:sldLayout xmlns:a="http://schemas.openxmlformats.org/drawingml/2006/main" xmlns:r="http://schemas.openxmlformats.org/officeDocument/2006/relationships" xmlns:mc="http://schemas.openxmlformats.org/markup-compatibility/2006" xmlns:mv="urn:schemas-microsoft-com:mac:vml" xmlns:p="http://schemas.openxmlformats.org/presentationml/2006/main" xmlns:c="http://schemas.openxmlformats.org/drawingml/2006/chart" xmlns:dgm="http://schemas.openxmlformats.org/drawingml/2006/diagram" xmlns:o="urn:schemas-microsoft-com:office:office" xmlns:v="urn:schemas-microsoft-com:vml" xmlns:pvml="urn:schemas-microsoft-com:office:powerpoint" xmlns:com="http://schemas.openxmlformats.org/drawingml/2006/compatibility" xmlns:p14="http://schemas.microsoft.com/office/powerpoint/2010/main" xmlns:p15="http://schemas.microsoft.com/office/powerpoint/2012/main" xmlns:ahyp="http://schemas.microsoft.com/office/drawing/2018/hyperlinkcolor" matchingName="Title and body" type="tx">
+<p:sldLayout xmlns:a="http://schemas.openxmlformats.org/drawingml/2006/main" xmlns:r="http://schemas.openxmlformats.org/officeDocument/2006/relationships" xmlns:p="http://schemas.openxmlformats.org/presentationml/2006/main" matchingName="Title and body" type="tx">
   <p:cSld name="TITLE_AND_BODY">
     <p:spTree>
       <p:nvGrpSpPr>
-        <p:cNvPr id="19" name="Shape 19"/>
+        <p:cNvPr id="1" name="Shape 19"/>
         <p:cNvGrpSpPr/>
         <p:nvPr/>
       </p:nvGrpSpPr>
@@ -2578,7 +2794,9 @@
       <p:sp>
         <p:nvSpPr>
           <p:cNvPr id="20" name="Google Shape;20;p4"/>
-          <p:cNvSpPr txBox="1"/>
+          <p:cNvSpPr txBox="1">
+            <a:spLocks noGrp="1"/>
+          </p:cNvSpPr>
           <p:nvPr>
             <p:ph type="title"/>
           </p:nvPr>
@@ -2593,7 +2811,7 @@
           </a:prstGeom>
         </p:spPr>
         <p:txBody>
-          <a:bodyPr anchorCtr="0" anchor="t" bIns="91425" lIns="91425" spcFirstLastPara="1" rIns="91425" wrap="square" tIns="91425">
+          <a:bodyPr spcFirstLastPara="1" wrap="square" lIns="91425" tIns="91425" rIns="91425" bIns="91425" anchor="t" anchorCtr="0">
             <a:noAutofit/>
           </a:bodyPr>
           <a:lstStyle>
@@ -2697,15 +2915,19 @@
               <a:defRPr/>
             </a:lvl9pPr>
           </a:lstStyle>
-          <a:p/>
+          <a:p>
+            <a:endParaRPr/>
+          </a:p>
         </p:txBody>
       </p:sp>
       <p:sp>
         <p:nvSpPr>
           <p:cNvPr id="21" name="Google Shape;21;p4"/>
-          <p:cNvSpPr txBox="1"/>
+          <p:cNvSpPr txBox="1">
+            <a:spLocks noGrp="1"/>
+          </p:cNvSpPr>
           <p:nvPr>
-            <p:ph idx="1" type="body"/>
+            <p:ph type="body" idx="1"/>
           </p:nvPr>
         </p:nvSpPr>
         <p:spPr>
@@ -2718,11 +2940,11 @@
           </a:prstGeom>
         </p:spPr>
         <p:txBody>
-          <a:bodyPr anchorCtr="0" anchor="t" bIns="91425" lIns="91425" spcFirstLastPara="1" rIns="91425" wrap="square" tIns="91425">
+          <a:bodyPr spcFirstLastPara="1" wrap="square" lIns="91425" tIns="91425" rIns="91425" bIns="91425" anchor="t" anchorCtr="0">
             <a:noAutofit/>
           </a:bodyPr>
           <a:lstStyle>
-            <a:lvl1pPr indent="-292100" lvl="0" marL="457200">
+            <a:lvl1pPr marL="457200" lvl="0" indent="-292100">
               <a:spcBef>
                 <a:spcPts val="0"/>
               </a:spcBef>
@@ -2733,7 +2955,7 @@
               <a:buChar char="●"/>
               <a:defRPr/>
             </a:lvl1pPr>
-            <a:lvl2pPr indent="-292100" lvl="1" marL="914400">
+            <a:lvl2pPr marL="914400" lvl="1" indent="-292100">
               <a:spcBef>
                 <a:spcPts val="1600"/>
               </a:spcBef>
@@ -2744,7 +2966,7 @@
               <a:buChar char="○"/>
               <a:defRPr/>
             </a:lvl2pPr>
-            <a:lvl3pPr indent="-292100" lvl="2" marL="1371600">
+            <a:lvl3pPr marL="1371600" lvl="2" indent="-292100">
               <a:spcBef>
                 <a:spcPts val="1600"/>
               </a:spcBef>
@@ -2755,7 +2977,7 @@
               <a:buChar char="■"/>
               <a:defRPr/>
             </a:lvl3pPr>
-            <a:lvl4pPr indent="-292100" lvl="3" marL="1828800">
+            <a:lvl4pPr marL="1828800" lvl="3" indent="-292100">
               <a:spcBef>
                 <a:spcPts val="1600"/>
               </a:spcBef>
@@ -2766,7 +2988,7 @@
               <a:buChar char="●"/>
               <a:defRPr/>
             </a:lvl4pPr>
-            <a:lvl5pPr indent="-292100" lvl="4" marL="2286000">
+            <a:lvl5pPr marL="2286000" lvl="4" indent="-292100">
               <a:spcBef>
                 <a:spcPts val="1600"/>
               </a:spcBef>
@@ -2777,7 +2999,7 @@
               <a:buChar char="○"/>
               <a:defRPr/>
             </a:lvl5pPr>
-            <a:lvl6pPr indent="-292100" lvl="5" marL="2743200">
+            <a:lvl6pPr marL="2743200" lvl="5" indent="-292100">
               <a:spcBef>
                 <a:spcPts val="1600"/>
               </a:spcBef>
@@ -2788,7 +3010,7 @@
               <a:buChar char="■"/>
               <a:defRPr/>
             </a:lvl6pPr>
-            <a:lvl7pPr indent="-292100" lvl="6" marL="3200400">
+            <a:lvl7pPr marL="3200400" lvl="6" indent="-292100">
               <a:spcBef>
                 <a:spcPts val="1600"/>
               </a:spcBef>
@@ -2799,7 +3021,7 @@
               <a:buChar char="●"/>
               <a:defRPr/>
             </a:lvl7pPr>
-            <a:lvl8pPr indent="-292100" lvl="7" marL="3657600">
+            <a:lvl8pPr marL="3657600" lvl="7" indent="-292100">
               <a:spcBef>
                 <a:spcPts val="1600"/>
               </a:spcBef>
@@ -2810,7 +3032,7 @@
               <a:buChar char="○"/>
               <a:defRPr/>
             </a:lvl8pPr>
-            <a:lvl9pPr indent="-292100" lvl="8" marL="4114800">
+            <a:lvl9pPr marL="4114800" lvl="8" indent="-292100">
               <a:spcBef>
                 <a:spcPts val="1600"/>
               </a:spcBef>
@@ -2822,15 +3044,19 @@
               <a:defRPr/>
             </a:lvl9pPr>
           </a:lstStyle>
-          <a:p/>
+          <a:p>
+            <a:endParaRPr/>
+          </a:p>
         </p:txBody>
       </p:sp>
       <p:sp>
         <p:nvSpPr>
           <p:cNvPr id="22" name="Google Shape;22;p4"/>
-          <p:cNvSpPr txBox="1"/>
+          <p:cNvSpPr txBox="1">
+            <a:spLocks noGrp="1"/>
+          </p:cNvSpPr>
           <p:nvPr>
-            <p:ph idx="12" type="sldNum"/>
+            <p:ph type="sldNum" idx="12"/>
           </p:nvPr>
         </p:nvSpPr>
         <p:spPr>
@@ -2843,7 +3069,7 @@
           </a:prstGeom>
         </p:spPr>
         <p:txBody>
-          <a:bodyPr anchorCtr="0" anchor="ctr" bIns="91425" lIns="91425" spcFirstLastPara="1" rIns="91425" wrap="square" tIns="91425">
+          <a:bodyPr spcFirstLastPara="1" wrap="square" lIns="91425" tIns="91425" rIns="91425" bIns="91425" anchor="ctr" anchorCtr="0">
             <a:noAutofit/>
           </a:bodyPr>
           <a:lstStyle>
@@ -2885,7 +3111,7 @@
             </a:lvl9pPr>
           </a:lstStyle>
           <a:p>
-            <a:pPr indent="0" lvl="0" marL="0" rtl="0" algn="r">
+            <a:pPr marL="0" lvl="0" indent="0" algn="r" rtl="0">
               <a:spcBef>
                 <a:spcPts val="0"/>
               </a:spcBef>
@@ -2904,7 +3130,7 @@
       </p:sp>
       <p:pic>
         <p:nvPicPr>
-          <p:cNvPr descr="NCAS_national_centre_logo.png" id="23" name="Google Shape;23;p4"/>
+          <p:cNvPr id="23" name="Google Shape;23;p4" descr="NCAS_national_centre_logo.png"/>
           <p:cNvPicPr preferRelativeResize="0"/>
           <p:nvPr/>
         </p:nvPicPr>
@@ -2939,11 +3165,11 @@
 </file>
 
 <file path=ppt/slideLayouts/slideLayout4.xml><?xml version="1.0" encoding="utf-8"?>
-<p:sldLayout xmlns:a="http://schemas.openxmlformats.org/drawingml/2006/main" xmlns:r="http://schemas.openxmlformats.org/officeDocument/2006/relationships" xmlns:mc="http://schemas.openxmlformats.org/markup-compatibility/2006" xmlns:mv="urn:schemas-microsoft-com:mac:vml" xmlns:p="http://schemas.openxmlformats.org/presentationml/2006/main" xmlns:c="http://schemas.openxmlformats.org/drawingml/2006/chart" xmlns:dgm="http://schemas.openxmlformats.org/drawingml/2006/diagram" xmlns:o="urn:schemas-microsoft-com:office:office" xmlns:v="urn:schemas-microsoft-com:vml" xmlns:pvml="urn:schemas-microsoft-com:office:powerpoint" xmlns:com="http://schemas.openxmlformats.org/drawingml/2006/compatibility" xmlns:p14="http://schemas.microsoft.com/office/powerpoint/2010/main" xmlns:p15="http://schemas.microsoft.com/office/powerpoint/2012/main" xmlns:ahyp="http://schemas.microsoft.com/office/drawing/2018/hyperlinkcolor" matchingName="Title and two columns" type="twoColTx">
+<p:sldLayout xmlns:a="http://schemas.openxmlformats.org/drawingml/2006/main" xmlns:r="http://schemas.openxmlformats.org/officeDocument/2006/relationships" xmlns:p="http://schemas.openxmlformats.org/presentationml/2006/main" matchingName="Title and two columns" type="twoColTx">
   <p:cSld name="TITLE_AND_TWO_COLUMNS">
     <p:spTree>
       <p:nvGrpSpPr>
-        <p:cNvPr id="24" name="Shape 24"/>
+        <p:cNvPr id="1" name="Shape 24"/>
         <p:cNvGrpSpPr/>
         <p:nvPr/>
       </p:nvGrpSpPr>
@@ -2958,7 +3184,9 @@
       <p:sp>
         <p:nvSpPr>
           <p:cNvPr id="25" name="Google Shape;25;p5"/>
-          <p:cNvSpPr txBox="1"/>
+          <p:cNvSpPr txBox="1">
+            <a:spLocks noGrp="1"/>
+          </p:cNvSpPr>
           <p:nvPr>
             <p:ph type="title"/>
           </p:nvPr>
@@ -2973,7 +3201,7 @@
           </a:prstGeom>
         </p:spPr>
         <p:txBody>
-          <a:bodyPr anchorCtr="0" anchor="t" bIns="91425" lIns="91425" spcFirstLastPara="1" rIns="91425" wrap="square" tIns="91425">
+          <a:bodyPr spcFirstLastPara="1" wrap="square" lIns="91425" tIns="91425" rIns="91425" bIns="91425" anchor="t" anchorCtr="0">
             <a:noAutofit/>
           </a:bodyPr>
           <a:lstStyle>
@@ -3077,15 +3305,19 @@
               <a:defRPr/>
             </a:lvl9pPr>
           </a:lstStyle>
-          <a:p/>
+          <a:p>
+            <a:endParaRPr/>
+          </a:p>
         </p:txBody>
       </p:sp>
       <p:sp>
         <p:nvSpPr>
           <p:cNvPr id="26" name="Google Shape;26;p5"/>
-          <p:cNvSpPr txBox="1"/>
+          <p:cNvSpPr txBox="1">
+            <a:spLocks noGrp="1"/>
+          </p:cNvSpPr>
           <p:nvPr>
-            <p:ph idx="1" type="body"/>
+            <p:ph type="body" idx="1"/>
           </p:nvPr>
         </p:nvSpPr>
         <p:spPr>
@@ -3098,11 +3330,11 @@
           </a:prstGeom>
         </p:spPr>
         <p:txBody>
-          <a:bodyPr anchorCtr="0" anchor="t" bIns="91425" lIns="91425" spcFirstLastPara="1" rIns="91425" wrap="square" tIns="91425">
+          <a:bodyPr spcFirstLastPara="1" wrap="square" lIns="91425" tIns="91425" rIns="91425" bIns="91425" anchor="t" anchorCtr="0">
             <a:noAutofit/>
           </a:bodyPr>
           <a:lstStyle>
-            <a:lvl1pPr indent="-317500" lvl="0" marL="457200">
+            <a:lvl1pPr marL="457200" lvl="0" indent="-317500">
               <a:spcBef>
                 <a:spcPts val="0"/>
               </a:spcBef>
@@ -3113,7 +3345,7 @@
               <a:buChar char="●"/>
               <a:defRPr sz="1400"/>
             </a:lvl1pPr>
-            <a:lvl2pPr indent="-304800" lvl="1" marL="914400">
+            <a:lvl2pPr marL="914400" lvl="1" indent="-304800">
               <a:spcBef>
                 <a:spcPts val="1600"/>
               </a:spcBef>
@@ -3124,7 +3356,7 @@
               <a:buChar char="○"/>
               <a:defRPr sz="1200"/>
             </a:lvl2pPr>
-            <a:lvl3pPr indent="-304800" lvl="2" marL="1371600">
+            <a:lvl3pPr marL="1371600" lvl="2" indent="-304800">
               <a:spcBef>
                 <a:spcPts val="1600"/>
               </a:spcBef>
@@ -3135,7 +3367,7 @@
               <a:buChar char="■"/>
               <a:defRPr sz="1200"/>
             </a:lvl3pPr>
-            <a:lvl4pPr indent="-304800" lvl="3" marL="1828800">
+            <a:lvl4pPr marL="1828800" lvl="3" indent="-304800">
               <a:spcBef>
                 <a:spcPts val="1600"/>
               </a:spcBef>
@@ -3146,7 +3378,7 @@
               <a:buChar char="●"/>
               <a:defRPr sz="1200"/>
             </a:lvl4pPr>
-            <a:lvl5pPr indent="-304800" lvl="4" marL="2286000">
+            <a:lvl5pPr marL="2286000" lvl="4" indent="-304800">
               <a:spcBef>
                 <a:spcPts val="1600"/>
               </a:spcBef>
@@ -3157,7 +3389,7 @@
               <a:buChar char="○"/>
               <a:defRPr sz="1200"/>
             </a:lvl5pPr>
-            <a:lvl6pPr indent="-304800" lvl="5" marL="2743200">
+            <a:lvl6pPr marL="2743200" lvl="5" indent="-304800">
               <a:spcBef>
                 <a:spcPts val="1600"/>
               </a:spcBef>
@@ -3168,7 +3400,7 @@
               <a:buChar char="■"/>
               <a:defRPr sz="1200"/>
             </a:lvl6pPr>
-            <a:lvl7pPr indent="-304800" lvl="6" marL="3200400">
+            <a:lvl7pPr marL="3200400" lvl="6" indent="-304800">
               <a:spcBef>
                 <a:spcPts val="1600"/>
               </a:spcBef>
@@ -3179,7 +3411,7 @@
               <a:buChar char="●"/>
               <a:defRPr sz="1200"/>
             </a:lvl7pPr>
-            <a:lvl8pPr indent="-304800" lvl="7" marL="3657600">
+            <a:lvl8pPr marL="3657600" lvl="7" indent="-304800">
               <a:spcBef>
                 <a:spcPts val="1600"/>
               </a:spcBef>
@@ -3190,7 +3422,7 @@
               <a:buChar char="○"/>
               <a:defRPr sz="1200"/>
             </a:lvl8pPr>
-            <a:lvl9pPr indent="-304800" lvl="8" marL="4114800">
+            <a:lvl9pPr marL="4114800" lvl="8" indent="-304800">
               <a:spcBef>
                 <a:spcPts val="1600"/>
               </a:spcBef>
@@ -3202,15 +3434,19 @@
               <a:defRPr sz="1200"/>
             </a:lvl9pPr>
           </a:lstStyle>
-          <a:p/>
+          <a:p>
+            <a:endParaRPr/>
+          </a:p>
         </p:txBody>
       </p:sp>
       <p:sp>
         <p:nvSpPr>
           <p:cNvPr id="27" name="Google Shape;27;p5"/>
-          <p:cNvSpPr txBox="1"/>
+          <p:cNvSpPr txBox="1">
+            <a:spLocks noGrp="1"/>
+          </p:cNvSpPr>
           <p:nvPr>
-            <p:ph idx="2" type="body"/>
+            <p:ph type="body" idx="2"/>
           </p:nvPr>
         </p:nvSpPr>
         <p:spPr>
@@ -3223,11 +3459,11 @@
           </a:prstGeom>
         </p:spPr>
         <p:txBody>
-          <a:bodyPr anchorCtr="0" anchor="t" bIns="91425" lIns="91425" spcFirstLastPara="1" rIns="91425" wrap="square" tIns="91425">
+          <a:bodyPr spcFirstLastPara="1" wrap="square" lIns="91425" tIns="91425" rIns="91425" bIns="91425" anchor="t" anchorCtr="0">
             <a:noAutofit/>
           </a:bodyPr>
           <a:lstStyle>
-            <a:lvl1pPr indent="-317500" lvl="0" marL="457200">
+            <a:lvl1pPr marL="457200" lvl="0" indent="-317500">
               <a:spcBef>
                 <a:spcPts val="0"/>
               </a:spcBef>
@@ -3238,7 +3474,7 @@
               <a:buChar char="●"/>
               <a:defRPr sz="1400"/>
             </a:lvl1pPr>
-            <a:lvl2pPr indent="-304800" lvl="1" marL="914400">
+            <a:lvl2pPr marL="914400" lvl="1" indent="-304800">
               <a:spcBef>
                 <a:spcPts val="1600"/>
               </a:spcBef>
@@ -3249,7 +3485,7 @@
               <a:buChar char="○"/>
               <a:defRPr sz="1200"/>
             </a:lvl2pPr>
-            <a:lvl3pPr indent="-304800" lvl="2" marL="1371600">
+            <a:lvl3pPr marL="1371600" lvl="2" indent="-304800">
               <a:spcBef>
                 <a:spcPts val="1600"/>
               </a:spcBef>
@@ -3260,7 +3496,7 @@
               <a:buChar char="■"/>
               <a:defRPr sz="1200"/>
             </a:lvl3pPr>
-            <a:lvl4pPr indent="-304800" lvl="3" marL="1828800">
+            <a:lvl4pPr marL="1828800" lvl="3" indent="-304800">
               <a:spcBef>
                 <a:spcPts val="1600"/>
               </a:spcBef>
@@ -3271,7 +3507,7 @@
               <a:buChar char="●"/>
               <a:defRPr sz="1200"/>
             </a:lvl4pPr>
-            <a:lvl5pPr indent="-304800" lvl="4" marL="2286000">
+            <a:lvl5pPr marL="2286000" lvl="4" indent="-304800">
               <a:spcBef>
                 <a:spcPts val="1600"/>
               </a:spcBef>
@@ -3282,7 +3518,7 @@
               <a:buChar char="○"/>
               <a:defRPr sz="1200"/>
             </a:lvl5pPr>
-            <a:lvl6pPr indent="-304800" lvl="5" marL="2743200">
+            <a:lvl6pPr marL="2743200" lvl="5" indent="-304800">
               <a:spcBef>
                 <a:spcPts val="1600"/>
               </a:spcBef>
@@ -3293,7 +3529,7 @@
               <a:buChar char="■"/>
               <a:defRPr sz="1200"/>
             </a:lvl6pPr>
-            <a:lvl7pPr indent="-304800" lvl="6" marL="3200400">
+            <a:lvl7pPr marL="3200400" lvl="6" indent="-304800">
               <a:spcBef>
                 <a:spcPts val="1600"/>
               </a:spcBef>
@@ -3304,7 +3540,7 @@
               <a:buChar char="●"/>
               <a:defRPr sz="1200"/>
             </a:lvl7pPr>
-            <a:lvl8pPr indent="-304800" lvl="7" marL="3657600">
+            <a:lvl8pPr marL="3657600" lvl="7" indent="-304800">
               <a:spcBef>
                 <a:spcPts val="1600"/>
               </a:spcBef>
@@ -3315,7 +3551,7 @@
               <a:buChar char="○"/>
               <a:defRPr sz="1200"/>
             </a:lvl8pPr>
-            <a:lvl9pPr indent="-304800" lvl="8" marL="4114800">
+            <a:lvl9pPr marL="4114800" lvl="8" indent="-304800">
               <a:spcBef>
                 <a:spcPts val="1600"/>
               </a:spcBef>
@@ -3327,15 +3563,19 @@
               <a:defRPr sz="1200"/>
             </a:lvl9pPr>
           </a:lstStyle>
-          <a:p/>
+          <a:p>
+            <a:endParaRPr/>
+          </a:p>
         </p:txBody>
       </p:sp>
       <p:sp>
         <p:nvSpPr>
           <p:cNvPr id="28" name="Google Shape;28;p5"/>
-          <p:cNvSpPr txBox="1"/>
+          <p:cNvSpPr txBox="1">
+            <a:spLocks noGrp="1"/>
+          </p:cNvSpPr>
           <p:nvPr>
-            <p:ph idx="12" type="sldNum"/>
+            <p:ph type="sldNum" idx="12"/>
           </p:nvPr>
         </p:nvSpPr>
         <p:spPr>
@@ -3348,7 +3588,7 @@
           </a:prstGeom>
         </p:spPr>
         <p:txBody>
-          <a:bodyPr anchorCtr="0" anchor="ctr" bIns="91425" lIns="91425" spcFirstLastPara="1" rIns="91425" wrap="square" tIns="91425">
+          <a:bodyPr spcFirstLastPara="1" wrap="square" lIns="91425" tIns="91425" rIns="91425" bIns="91425" anchor="ctr" anchorCtr="0">
             <a:noAutofit/>
           </a:bodyPr>
           <a:lstStyle>
@@ -3390,7 +3630,7 @@
             </a:lvl9pPr>
           </a:lstStyle>
           <a:p>
-            <a:pPr indent="0" lvl="0" marL="0" rtl="0" algn="r">
+            <a:pPr marL="0" lvl="0" indent="0" algn="r" rtl="0">
               <a:spcBef>
                 <a:spcPts val="0"/>
               </a:spcBef>
@@ -3409,7 +3649,7 @@
       </p:sp>
       <p:pic>
         <p:nvPicPr>
-          <p:cNvPr descr="NCAS_national_centre_logo.png" id="29" name="Google Shape;29;p5"/>
+          <p:cNvPr id="29" name="Google Shape;29;p5" descr="NCAS_national_centre_logo.png"/>
           <p:cNvPicPr preferRelativeResize="0"/>
           <p:nvPr/>
         </p:nvPicPr>
@@ -3444,11 +3684,11 @@
 </file>
 
 <file path=ppt/slideLayouts/slideLayout5.xml><?xml version="1.0" encoding="utf-8"?>
-<p:sldLayout xmlns:a="http://schemas.openxmlformats.org/drawingml/2006/main" xmlns:r="http://schemas.openxmlformats.org/officeDocument/2006/relationships" xmlns:mc="http://schemas.openxmlformats.org/markup-compatibility/2006" xmlns:mv="urn:schemas-microsoft-com:mac:vml" xmlns:p="http://schemas.openxmlformats.org/presentationml/2006/main" xmlns:c="http://schemas.openxmlformats.org/drawingml/2006/chart" xmlns:dgm="http://schemas.openxmlformats.org/drawingml/2006/diagram" xmlns:o="urn:schemas-microsoft-com:office:office" xmlns:v="urn:schemas-microsoft-com:vml" xmlns:pvml="urn:schemas-microsoft-com:office:powerpoint" xmlns:com="http://schemas.openxmlformats.org/drawingml/2006/compatibility" xmlns:p14="http://schemas.microsoft.com/office/powerpoint/2010/main" xmlns:p15="http://schemas.microsoft.com/office/powerpoint/2012/main" xmlns:ahyp="http://schemas.microsoft.com/office/drawing/2018/hyperlinkcolor" matchingName="Title only" type="titleOnly">
+<p:sldLayout xmlns:a="http://schemas.openxmlformats.org/drawingml/2006/main" xmlns:r="http://schemas.openxmlformats.org/officeDocument/2006/relationships" xmlns:p="http://schemas.openxmlformats.org/presentationml/2006/main" matchingName="Title only" type="titleOnly">
   <p:cSld name="TITLE_ONLY">
     <p:spTree>
       <p:nvGrpSpPr>
-        <p:cNvPr id="30" name="Shape 30"/>
+        <p:cNvPr id="1" name="Shape 30"/>
         <p:cNvGrpSpPr/>
         <p:nvPr/>
       </p:nvGrpSpPr>
@@ -3463,7 +3703,9 @@
       <p:sp>
         <p:nvSpPr>
           <p:cNvPr id="31" name="Google Shape;31;p6"/>
-          <p:cNvSpPr txBox="1"/>
+          <p:cNvSpPr txBox="1">
+            <a:spLocks noGrp="1"/>
+          </p:cNvSpPr>
           <p:nvPr>
             <p:ph type="title"/>
           </p:nvPr>
@@ -3478,7 +3720,7 @@
           </a:prstGeom>
         </p:spPr>
         <p:txBody>
-          <a:bodyPr anchorCtr="0" anchor="t" bIns="91425" lIns="91425" spcFirstLastPara="1" rIns="91425" wrap="square" tIns="91425">
+          <a:bodyPr spcFirstLastPara="1" wrap="square" lIns="91425" tIns="91425" rIns="91425" bIns="91425" anchor="t" anchorCtr="0">
             <a:noAutofit/>
           </a:bodyPr>
           <a:lstStyle>
@@ -3582,15 +3824,19 @@
               <a:defRPr/>
             </a:lvl9pPr>
           </a:lstStyle>
-          <a:p/>
+          <a:p>
+            <a:endParaRPr/>
+          </a:p>
         </p:txBody>
       </p:sp>
       <p:sp>
         <p:nvSpPr>
           <p:cNvPr id="32" name="Google Shape;32;p6"/>
-          <p:cNvSpPr txBox="1"/>
+          <p:cNvSpPr txBox="1">
+            <a:spLocks noGrp="1"/>
+          </p:cNvSpPr>
           <p:nvPr>
-            <p:ph idx="12" type="sldNum"/>
+            <p:ph type="sldNum" idx="12"/>
           </p:nvPr>
         </p:nvSpPr>
         <p:spPr>
@@ -3603,7 +3849,7 @@
           </a:prstGeom>
         </p:spPr>
         <p:txBody>
-          <a:bodyPr anchorCtr="0" anchor="ctr" bIns="91425" lIns="91425" spcFirstLastPara="1" rIns="91425" wrap="square" tIns="91425">
+          <a:bodyPr spcFirstLastPara="1" wrap="square" lIns="91425" tIns="91425" rIns="91425" bIns="91425" anchor="ctr" anchorCtr="0">
             <a:noAutofit/>
           </a:bodyPr>
           <a:lstStyle>
@@ -3645,7 +3891,7 @@
             </a:lvl9pPr>
           </a:lstStyle>
           <a:p>
-            <a:pPr indent="0" lvl="0" marL="0" rtl="0" algn="r">
+            <a:pPr marL="0" lvl="0" indent="0" algn="r" rtl="0">
               <a:spcBef>
                 <a:spcPts val="0"/>
               </a:spcBef>
@@ -3664,7 +3910,7 @@
       </p:sp>
       <p:pic>
         <p:nvPicPr>
-          <p:cNvPr descr="NCAS_national_centre_logo.png" id="33" name="Google Shape;33;p6"/>
+          <p:cNvPr id="33" name="Google Shape;33;p6" descr="NCAS_national_centre_logo.png"/>
           <p:cNvPicPr preferRelativeResize="0"/>
           <p:nvPr/>
         </p:nvPicPr>
@@ -3699,11 +3945,11 @@
 </file>
 
 <file path=ppt/slideLayouts/slideLayout6.xml><?xml version="1.0" encoding="utf-8"?>
-<p:sldLayout xmlns:a="http://schemas.openxmlformats.org/drawingml/2006/main" xmlns:r="http://schemas.openxmlformats.org/officeDocument/2006/relationships" xmlns:mc="http://schemas.openxmlformats.org/markup-compatibility/2006" xmlns:mv="urn:schemas-microsoft-com:mac:vml" xmlns:p="http://schemas.openxmlformats.org/presentationml/2006/main" xmlns:c="http://schemas.openxmlformats.org/drawingml/2006/chart" xmlns:dgm="http://schemas.openxmlformats.org/drawingml/2006/diagram" xmlns:o="urn:schemas-microsoft-com:office:office" xmlns:v="urn:schemas-microsoft-com:vml" xmlns:pvml="urn:schemas-microsoft-com:office:powerpoint" xmlns:com="http://schemas.openxmlformats.org/drawingml/2006/compatibility" xmlns:p14="http://schemas.microsoft.com/office/powerpoint/2010/main" xmlns:p15="http://schemas.microsoft.com/office/powerpoint/2012/main" xmlns:ahyp="http://schemas.microsoft.com/office/drawing/2018/hyperlinkcolor" matchingName="One column text">
+<p:sldLayout xmlns:a="http://schemas.openxmlformats.org/drawingml/2006/main" xmlns:r="http://schemas.openxmlformats.org/officeDocument/2006/relationships" xmlns:p="http://schemas.openxmlformats.org/presentationml/2006/main" matchingName="One column text">
   <p:cSld name="ONE_COLUMN_TEXT">
     <p:spTree>
       <p:nvGrpSpPr>
-        <p:cNvPr id="34" name="Shape 34"/>
+        <p:cNvPr id="1" name="Shape 34"/>
         <p:cNvGrpSpPr/>
         <p:nvPr/>
       </p:nvGrpSpPr>
@@ -3718,7 +3964,9 @@
       <p:sp>
         <p:nvSpPr>
           <p:cNvPr id="35" name="Google Shape;35;p7"/>
-          <p:cNvSpPr txBox="1"/>
+          <p:cNvSpPr txBox="1">
+            <a:spLocks noGrp="1"/>
+          </p:cNvSpPr>
           <p:nvPr>
             <p:ph type="title"/>
           </p:nvPr>
@@ -3733,7 +3981,7 @@
           </a:prstGeom>
         </p:spPr>
         <p:txBody>
-          <a:bodyPr anchorCtr="0" anchor="b" bIns="91425" lIns="91425" spcFirstLastPara="1" rIns="91425" wrap="square" tIns="91425">
+          <a:bodyPr spcFirstLastPara="1" wrap="square" lIns="91425" tIns="91425" rIns="91425" bIns="91425" anchor="b" anchorCtr="0">
             <a:noAutofit/>
           </a:bodyPr>
           <a:lstStyle>
@@ -3837,15 +4085,19 @@
               <a:defRPr sz="2400"/>
             </a:lvl9pPr>
           </a:lstStyle>
-          <a:p/>
+          <a:p>
+            <a:endParaRPr/>
+          </a:p>
         </p:txBody>
       </p:sp>
       <p:sp>
         <p:nvSpPr>
           <p:cNvPr id="36" name="Google Shape;36;p7"/>
-          <p:cNvSpPr txBox="1"/>
+          <p:cNvSpPr txBox="1">
+            <a:spLocks noGrp="1"/>
+          </p:cNvSpPr>
           <p:nvPr>
-            <p:ph idx="1" type="body"/>
+            <p:ph type="body" idx="1"/>
           </p:nvPr>
         </p:nvSpPr>
         <p:spPr>
@@ -3858,11 +4110,11 @@
           </a:prstGeom>
         </p:spPr>
         <p:txBody>
-          <a:bodyPr anchorCtr="0" anchor="t" bIns="91425" lIns="91425" spcFirstLastPara="1" rIns="91425" wrap="square" tIns="91425">
+          <a:bodyPr spcFirstLastPara="1" wrap="square" lIns="91425" tIns="91425" rIns="91425" bIns="91425" anchor="t" anchorCtr="0">
             <a:noAutofit/>
           </a:bodyPr>
           <a:lstStyle>
-            <a:lvl1pPr indent="-304800" lvl="0" marL="457200">
+            <a:lvl1pPr marL="457200" lvl="0" indent="-304800">
               <a:spcBef>
                 <a:spcPts val="0"/>
               </a:spcBef>
@@ -3873,7 +4125,7 @@
               <a:buChar char="●"/>
               <a:defRPr sz="1200"/>
             </a:lvl1pPr>
-            <a:lvl2pPr indent="-304800" lvl="1" marL="914400">
+            <a:lvl2pPr marL="914400" lvl="1" indent="-304800">
               <a:spcBef>
                 <a:spcPts val="1600"/>
               </a:spcBef>
@@ -3884,7 +4136,7 @@
               <a:buChar char="○"/>
               <a:defRPr sz="1200"/>
             </a:lvl2pPr>
-            <a:lvl3pPr indent="-304800" lvl="2" marL="1371600">
+            <a:lvl3pPr marL="1371600" lvl="2" indent="-304800">
               <a:spcBef>
                 <a:spcPts val="1600"/>
               </a:spcBef>
@@ -3895,7 +4147,7 @@
               <a:buChar char="■"/>
               <a:defRPr sz="1200"/>
             </a:lvl3pPr>
-            <a:lvl4pPr indent="-304800" lvl="3" marL="1828800">
+            <a:lvl4pPr marL="1828800" lvl="3" indent="-304800">
               <a:spcBef>
                 <a:spcPts val="1600"/>
               </a:spcBef>
@@ -3906,7 +4158,7 @@
               <a:buChar char="●"/>
               <a:defRPr sz="1200"/>
             </a:lvl4pPr>
-            <a:lvl5pPr indent="-304800" lvl="4" marL="2286000">
+            <a:lvl5pPr marL="2286000" lvl="4" indent="-304800">
               <a:spcBef>
                 <a:spcPts val="1600"/>
               </a:spcBef>
@@ -3917,7 +4169,7 @@
               <a:buChar char="○"/>
               <a:defRPr sz="1200"/>
             </a:lvl5pPr>
-            <a:lvl6pPr indent="-304800" lvl="5" marL="2743200">
+            <a:lvl6pPr marL="2743200" lvl="5" indent="-304800">
               <a:spcBef>
                 <a:spcPts val="1600"/>
               </a:spcBef>
@@ -3928,7 +4180,7 @@
               <a:buChar char="■"/>
               <a:defRPr sz="1200"/>
             </a:lvl6pPr>
-            <a:lvl7pPr indent="-304800" lvl="6" marL="3200400">
+            <a:lvl7pPr marL="3200400" lvl="6" indent="-304800">
               <a:spcBef>
                 <a:spcPts val="1600"/>
               </a:spcBef>
@@ -3939,7 +4191,7 @@
               <a:buChar char="●"/>
               <a:defRPr sz="1200"/>
             </a:lvl7pPr>
-            <a:lvl8pPr indent="-304800" lvl="7" marL="3657600">
+            <a:lvl8pPr marL="3657600" lvl="7" indent="-304800">
               <a:spcBef>
                 <a:spcPts val="1600"/>
               </a:spcBef>
@@ -3950,7 +4202,7 @@
               <a:buChar char="○"/>
               <a:defRPr sz="1200"/>
             </a:lvl8pPr>
-            <a:lvl9pPr indent="-304800" lvl="8" marL="4114800">
+            <a:lvl9pPr marL="4114800" lvl="8" indent="-304800">
               <a:spcBef>
                 <a:spcPts val="1600"/>
               </a:spcBef>
@@ -3962,15 +4214,19 @@
               <a:defRPr sz="1200"/>
             </a:lvl9pPr>
           </a:lstStyle>
-          <a:p/>
+          <a:p>
+            <a:endParaRPr/>
+          </a:p>
         </p:txBody>
       </p:sp>
       <p:sp>
         <p:nvSpPr>
           <p:cNvPr id="37" name="Google Shape;37;p7"/>
-          <p:cNvSpPr txBox="1"/>
+          <p:cNvSpPr txBox="1">
+            <a:spLocks noGrp="1"/>
+          </p:cNvSpPr>
           <p:nvPr>
-            <p:ph idx="12" type="sldNum"/>
+            <p:ph type="sldNum" idx="12"/>
           </p:nvPr>
         </p:nvSpPr>
         <p:spPr>
@@ -3983,7 +4239,7 @@
           </a:prstGeom>
         </p:spPr>
         <p:txBody>
-          <a:bodyPr anchorCtr="0" anchor="ctr" bIns="91425" lIns="91425" spcFirstLastPara="1" rIns="91425" wrap="square" tIns="91425">
+          <a:bodyPr spcFirstLastPara="1" wrap="square" lIns="91425" tIns="91425" rIns="91425" bIns="91425" anchor="ctr" anchorCtr="0">
             <a:noAutofit/>
           </a:bodyPr>
           <a:lstStyle>
@@ -4025,7 +4281,7 @@
             </a:lvl9pPr>
           </a:lstStyle>
           <a:p>
-            <a:pPr indent="0" lvl="0" marL="0" rtl="0" algn="r">
+            <a:pPr marL="0" lvl="0" indent="0" algn="r" rtl="0">
               <a:spcBef>
                 <a:spcPts val="0"/>
               </a:spcBef>
@@ -4044,7 +4300,7 @@
       </p:sp>
       <p:pic>
         <p:nvPicPr>
-          <p:cNvPr descr="NCAS_national_centre_logo.png" id="38" name="Google Shape;38;p7"/>
+          <p:cNvPr id="38" name="Google Shape;38;p7" descr="NCAS_national_centre_logo.png"/>
           <p:cNvPicPr preferRelativeResize="0"/>
           <p:nvPr/>
         </p:nvPicPr>
@@ -4079,11 +4335,11 @@
 </file>
 
 <file path=ppt/slideLayouts/slideLayout7.xml><?xml version="1.0" encoding="utf-8"?>
-<p:sldLayout xmlns:a="http://schemas.openxmlformats.org/drawingml/2006/main" xmlns:r="http://schemas.openxmlformats.org/officeDocument/2006/relationships" xmlns:mc="http://schemas.openxmlformats.org/markup-compatibility/2006" xmlns:mv="urn:schemas-microsoft-com:mac:vml" xmlns:p="http://schemas.openxmlformats.org/presentationml/2006/main" xmlns:c="http://schemas.openxmlformats.org/drawingml/2006/chart" xmlns:dgm="http://schemas.openxmlformats.org/drawingml/2006/diagram" xmlns:o="urn:schemas-microsoft-com:office:office" xmlns:v="urn:schemas-microsoft-com:vml" xmlns:pvml="urn:schemas-microsoft-com:office:powerpoint" xmlns:com="http://schemas.openxmlformats.org/drawingml/2006/compatibility" xmlns:p14="http://schemas.microsoft.com/office/powerpoint/2010/main" xmlns:p15="http://schemas.microsoft.com/office/powerpoint/2012/main" xmlns:ahyp="http://schemas.microsoft.com/office/drawing/2018/hyperlinkcolor" matchingName="Main point">
+<p:sldLayout xmlns:a="http://schemas.openxmlformats.org/drawingml/2006/main" xmlns:r="http://schemas.openxmlformats.org/officeDocument/2006/relationships" xmlns:p="http://schemas.openxmlformats.org/presentationml/2006/main" matchingName="Main point">
   <p:cSld name="MAIN_POINT">
     <p:spTree>
       <p:nvGrpSpPr>
-        <p:cNvPr id="39" name="Shape 39"/>
+        <p:cNvPr id="1" name="Shape 39"/>
         <p:cNvGrpSpPr/>
         <p:nvPr/>
       </p:nvGrpSpPr>
@@ -4098,7 +4354,9 @@
       <p:sp>
         <p:nvSpPr>
           <p:cNvPr id="40" name="Google Shape;40;p8"/>
-          <p:cNvSpPr txBox="1"/>
+          <p:cNvSpPr txBox="1">
+            <a:spLocks noGrp="1"/>
+          </p:cNvSpPr>
           <p:nvPr>
             <p:ph type="title"/>
           </p:nvPr>
@@ -4113,7 +4371,7 @@
           </a:prstGeom>
         </p:spPr>
         <p:txBody>
-          <a:bodyPr anchorCtr="0" anchor="ctr" bIns="91425" lIns="91425" spcFirstLastPara="1" rIns="91425" wrap="square" tIns="91425">
+          <a:bodyPr spcFirstLastPara="1" wrap="square" lIns="91425" tIns="91425" rIns="91425" bIns="91425" anchor="ctr" anchorCtr="0">
             <a:noAutofit/>
           </a:bodyPr>
           <a:lstStyle>
@@ -4217,15 +4475,19 @@
               <a:defRPr sz="4800"/>
             </a:lvl9pPr>
           </a:lstStyle>
-          <a:p/>
+          <a:p>
+            <a:endParaRPr/>
+          </a:p>
         </p:txBody>
       </p:sp>
       <p:sp>
         <p:nvSpPr>
           <p:cNvPr id="41" name="Google Shape;41;p8"/>
-          <p:cNvSpPr txBox="1"/>
+          <p:cNvSpPr txBox="1">
+            <a:spLocks noGrp="1"/>
+          </p:cNvSpPr>
           <p:nvPr>
-            <p:ph idx="12" type="sldNum"/>
+            <p:ph type="sldNum" idx="12"/>
           </p:nvPr>
         </p:nvSpPr>
         <p:spPr>
@@ -4238,7 +4500,7 @@
           </a:prstGeom>
         </p:spPr>
         <p:txBody>
-          <a:bodyPr anchorCtr="0" anchor="ctr" bIns="91425" lIns="91425" spcFirstLastPara="1" rIns="91425" wrap="square" tIns="91425">
+          <a:bodyPr spcFirstLastPara="1" wrap="square" lIns="91425" tIns="91425" rIns="91425" bIns="91425" anchor="ctr" anchorCtr="0">
             <a:noAutofit/>
           </a:bodyPr>
           <a:lstStyle>
@@ -4280,7 +4542,7 @@
             </a:lvl9pPr>
           </a:lstStyle>
           <a:p>
-            <a:pPr indent="0" lvl="0" marL="0" rtl="0" algn="r">
+            <a:pPr marL="0" lvl="0" indent="0" algn="r" rtl="0">
               <a:spcBef>
                 <a:spcPts val="0"/>
               </a:spcBef>
@@ -4299,7 +4561,7 @@
       </p:sp>
       <p:pic>
         <p:nvPicPr>
-          <p:cNvPr descr="NCAS_national_centre_logo.png" id="42" name="Google Shape;42;p8"/>
+          <p:cNvPr id="42" name="Google Shape;42;p8" descr="NCAS_national_centre_logo.png"/>
           <p:cNvPicPr preferRelativeResize="0"/>
           <p:nvPr/>
         </p:nvPicPr>
@@ -4334,11 +4596,11 @@
 </file>
 
 <file path=ppt/slideLayouts/slideLayout8.xml><?xml version="1.0" encoding="utf-8"?>
-<p:sldLayout xmlns:a="http://schemas.openxmlformats.org/drawingml/2006/main" xmlns:r="http://schemas.openxmlformats.org/officeDocument/2006/relationships" xmlns:mc="http://schemas.openxmlformats.org/markup-compatibility/2006" xmlns:mv="urn:schemas-microsoft-com:mac:vml" xmlns:p="http://schemas.openxmlformats.org/presentationml/2006/main" xmlns:c="http://schemas.openxmlformats.org/drawingml/2006/chart" xmlns:dgm="http://schemas.openxmlformats.org/drawingml/2006/diagram" xmlns:o="urn:schemas-microsoft-com:office:office" xmlns:v="urn:schemas-microsoft-com:vml" xmlns:pvml="urn:schemas-microsoft-com:office:powerpoint" xmlns:com="http://schemas.openxmlformats.org/drawingml/2006/compatibility" xmlns:p14="http://schemas.microsoft.com/office/powerpoint/2010/main" xmlns:p15="http://schemas.microsoft.com/office/powerpoint/2012/main" xmlns:ahyp="http://schemas.microsoft.com/office/drawing/2018/hyperlinkcolor" matchingName="Section title and description">
+<p:sldLayout xmlns:a="http://schemas.openxmlformats.org/drawingml/2006/main" xmlns:r="http://schemas.openxmlformats.org/officeDocument/2006/relationships" xmlns:p="http://schemas.openxmlformats.org/presentationml/2006/main" matchingName="Section title and description">
   <p:cSld name="SECTION_TITLE_AND_DESCRIPTION">
     <p:spTree>
       <p:nvGrpSpPr>
-        <p:cNvPr id="43" name="Shape 43"/>
+        <p:cNvPr id="1" name="Shape 43"/>
         <p:cNvGrpSpPr/>
         <p:nvPr/>
       </p:nvGrpSpPr>
@@ -4372,12 +4634,12 @@
           </a:ln>
         </p:spPr>
         <p:txBody>
-          <a:bodyPr anchorCtr="0" anchor="ctr" bIns="91425" lIns="91425" spcFirstLastPara="1" rIns="91425" wrap="square" tIns="91425">
+          <a:bodyPr spcFirstLastPara="1" wrap="square" lIns="91425" tIns="91425" rIns="91425" bIns="91425" anchor="ctr" anchorCtr="0">
             <a:noAutofit/>
           </a:bodyPr>
           <a:lstStyle/>
           <a:p>
-            <a:pPr indent="0" lvl="0" marL="0" rtl="0" algn="l">
+            <a:pPr marL="0" lvl="0" indent="0" algn="l" rtl="0">
               <a:spcBef>
                 <a:spcPts val="0"/>
               </a:spcBef>
@@ -4386,9 +4648,6 @@
               </a:spcAft>
               <a:buNone/>
             </a:pPr>
-            <a:r>
-              <a:t/>
-            </a:r>
             <a:endParaRPr/>
           </a:p>
         </p:txBody>
@@ -4396,7 +4655,9 @@
       <p:sp>
         <p:nvSpPr>
           <p:cNvPr id="45" name="Google Shape;45;p9"/>
-          <p:cNvSpPr txBox="1"/>
+          <p:cNvSpPr txBox="1">
+            <a:spLocks noGrp="1"/>
+          </p:cNvSpPr>
           <p:nvPr>
             <p:ph type="title"/>
           </p:nvPr>
@@ -4411,7 +4672,7 @@
           </a:prstGeom>
         </p:spPr>
         <p:txBody>
-          <a:bodyPr anchorCtr="0" anchor="b" bIns="91425" lIns="91425" spcFirstLastPara="1" rIns="91425" wrap="square" tIns="91425">
+          <a:bodyPr spcFirstLastPara="1" wrap="square" lIns="91425" tIns="91425" rIns="91425" bIns="91425" anchor="b" anchorCtr="0">
             <a:noAutofit/>
           </a:bodyPr>
           <a:lstStyle>
@@ -4515,15 +4776,19 @@
               <a:defRPr sz="4200"/>
             </a:lvl9pPr>
           </a:lstStyle>
-          <a:p/>
+          <a:p>
+            <a:endParaRPr/>
+          </a:p>
         </p:txBody>
       </p:sp>
       <p:sp>
         <p:nvSpPr>
           <p:cNvPr id="46" name="Google Shape;46;p9"/>
-          <p:cNvSpPr txBox="1"/>
+          <p:cNvSpPr txBox="1">
+            <a:spLocks noGrp="1"/>
+          </p:cNvSpPr>
           <p:nvPr>
-            <p:ph idx="1" type="subTitle"/>
+            <p:ph type="subTitle" idx="1"/>
           </p:nvPr>
         </p:nvSpPr>
         <p:spPr>
@@ -4536,7 +4801,7 @@
           </a:prstGeom>
         </p:spPr>
         <p:txBody>
-          <a:bodyPr anchorCtr="0" anchor="t" bIns="91425" lIns="91425" spcFirstLastPara="1" rIns="91425" wrap="square" tIns="91425">
+          <a:bodyPr spcFirstLastPara="1" wrap="square" lIns="91425" tIns="91425" rIns="91425" bIns="91425" anchor="t" anchorCtr="0">
             <a:noAutofit/>
           </a:bodyPr>
           <a:lstStyle>
@@ -4667,15 +4932,19 @@
               <a:defRPr sz="2100"/>
             </a:lvl9pPr>
           </a:lstStyle>
-          <a:p/>
+          <a:p>
+            <a:endParaRPr/>
+          </a:p>
         </p:txBody>
       </p:sp>
       <p:sp>
         <p:nvSpPr>
           <p:cNvPr id="47" name="Google Shape;47;p9"/>
-          <p:cNvSpPr txBox="1"/>
+          <p:cNvSpPr txBox="1">
+            <a:spLocks noGrp="1"/>
+          </p:cNvSpPr>
           <p:nvPr>
-            <p:ph idx="2" type="body"/>
+            <p:ph type="body" idx="2"/>
           </p:nvPr>
         </p:nvSpPr>
         <p:spPr>
@@ -4688,11 +4957,11 @@
           </a:prstGeom>
         </p:spPr>
         <p:txBody>
-          <a:bodyPr anchorCtr="0" anchor="ctr" bIns="91425" lIns="91425" spcFirstLastPara="1" rIns="91425" wrap="square" tIns="91425">
+          <a:bodyPr spcFirstLastPara="1" wrap="square" lIns="91425" tIns="91425" rIns="91425" bIns="91425" anchor="ctr" anchorCtr="0">
             <a:noAutofit/>
           </a:bodyPr>
           <a:lstStyle>
-            <a:lvl1pPr indent="-292100" lvl="0" marL="457200">
+            <a:lvl1pPr marL="457200" lvl="0" indent="-292100">
               <a:spcBef>
                 <a:spcPts val="0"/>
               </a:spcBef>
@@ -4703,7 +4972,7 @@
               <a:buChar char="●"/>
               <a:defRPr/>
             </a:lvl1pPr>
-            <a:lvl2pPr indent="-292100" lvl="1" marL="914400">
+            <a:lvl2pPr marL="914400" lvl="1" indent="-292100">
               <a:spcBef>
                 <a:spcPts val="1600"/>
               </a:spcBef>
@@ -4714,7 +4983,7 @@
               <a:buChar char="○"/>
               <a:defRPr/>
             </a:lvl2pPr>
-            <a:lvl3pPr indent="-292100" lvl="2" marL="1371600">
+            <a:lvl3pPr marL="1371600" lvl="2" indent="-292100">
               <a:spcBef>
                 <a:spcPts val="1600"/>
               </a:spcBef>
@@ -4725,7 +4994,7 @@
               <a:buChar char="■"/>
               <a:defRPr/>
             </a:lvl3pPr>
-            <a:lvl4pPr indent="-292100" lvl="3" marL="1828800">
+            <a:lvl4pPr marL="1828800" lvl="3" indent="-292100">
               <a:spcBef>
                 <a:spcPts val="1600"/>
               </a:spcBef>
@@ -4736,7 +5005,7 @@
               <a:buChar char="●"/>
               <a:defRPr/>
             </a:lvl4pPr>
-            <a:lvl5pPr indent="-292100" lvl="4" marL="2286000">
+            <a:lvl5pPr marL="2286000" lvl="4" indent="-292100">
               <a:spcBef>
                 <a:spcPts val="1600"/>
               </a:spcBef>
@@ -4747,7 +5016,7 @@
               <a:buChar char="○"/>
               <a:defRPr/>
             </a:lvl5pPr>
-            <a:lvl6pPr indent="-292100" lvl="5" marL="2743200">
+            <a:lvl6pPr marL="2743200" lvl="5" indent="-292100">
               <a:spcBef>
                 <a:spcPts val="1600"/>
               </a:spcBef>
@@ -4758,7 +5027,7 @@
               <a:buChar char="■"/>
               <a:defRPr/>
             </a:lvl6pPr>
-            <a:lvl7pPr indent="-292100" lvl="6" marL="3200400">
+            <a:lvl7pPr marL="3200400" lvl="6" indent="-292100">
               <a:spcBef>
                 <a:spcPts val="1600"/>
               </a:spcBef>
@@ -4769,7 +5038,7 @@
               <a:buChar char="●"/>
               <a:defRPr/>
             </a:lvl7pPr>
-            <a:lvl8pPr indent="-292100" lvl="7" marL="3657600">
+            <a:lvl8pPr marL="3657600" lvl="7" indent="-292100">
               <a:spcBef>
                 <a:spcPts val="1600"/>
               </a:spcBef>
@@ -4780,7 +5049,7 @@
               <a:buChar char="○"/>
               <a:defRPr/>
             </a:lvl8pPr>
-            <a:lvl9pPr indent="-292100" lvl="8" marL="4114800">
+            <a:lvl9pPr marL="4114800" lvl="8" indent="-292100">
               <a:spcBef>
                 <a:spcPts val="1600"/>
               </a:spcBef>
@@ -4792,15 +5061,19 @@
               <a:defRPr/>
             </a:lvl9pPr>
           </a:lstStyle>
-          <a:p/>
+          <a:p>
+            <a:endParaRPr/>
+          </a:p>
         </p:txBody>
       </p:sp>
       <p:sp>
         <p:nvSpPr>
           <p:cNvPr id="48" name="Google Shape;48;p9"/>
-          <p:cNvSpPr txBox="1"/>
+          <p:cNvSpPr txBox="1">
+            <a:spLocks noGrp="1"/>
+          </p:cNvSpPr>
           <p:nvPr>
-            <p:ph idx="12" type="sldNum"/>
+            <p:ph type="sldNum" idx="12"/>
           </p:nvPr>
         </p:nvSpPr>
         <p:spPr>
@@ -4813,7 +5086,7 @@
           </a:prstGeom>
         </p:spPr>
         <p:txBody>
-          <a:bodyPr anchorCtr="0" anchor="ctr" bIns="91425" lIns="91425" spcFirstLastPara="1" rIns="91425" wrap="square" tIns="91425">
+          <a:bodyPr spcFirstLastPara="1" wrap="square" lIns="91425" tIns="91425" rIns="91425" bIns="91425" anchor="ctr" anchorCtr="0">
             <a:noAutofit/>
           </a:bodyPr>
           <a:lstStyle>
@@ -4855,7 +5128,7 @@
             </a:lvl9pPr>
           </a:lstStyle>
           <a:p>
-            <a:pPr indent="0" lvl="0" marL="0" rtl="0" algn="r">
+            <a:pPr marL="0" lvl="0" indent="0" algn="r" rtl="0">
               <a:spcBef>
                 <a:spcPts val="0"/>
               </a:spcBef>
@@ -4874,7 +5147,7 @@
       </p:sp>
       <p:pic>
         <p:nvPicPr>
-          <p:cNvPr descr="NCAS_national_centre_logo.png" id="49" name="Google Shape;49;p9"/>
+          <p:cNvPr id="49" name="Google Shape;49;p9" descr="NCAS_national_centre_logo.png"/>
           <p:cNvPicPr preferRelativeResize="0"/>
           <p:nvPr/>
         </p:nvPicPr>
@@ -4909,11 +5182,11 @@
 </file>
 
 <file path=ppt/slideLayouts/slideLayout9.xml><?xml version="1.0" encoding="utf-8"?>
-<p:sldLayout xmlns:a="http://schemas.openxmlformats.org/drawingml/2006/main" xmlns:r="http://schemas.openxmlformats.org/officeDocument/2006/relationships" xmlns:mc="http://schemas.openxmlformats.org/markup-compatibility/2006" xmlns:mv="urn:schemas-microsoft-com:mac:vml" xmlns:p="http://schemas.openxmlformats.org/presentationml/2006/main" xmlns:c="http://schemas.openxmlformats.org/drawingml/2006/chart" xmlns:dgm="http://schemas.openxmlformats.org/drawingml/2006/diagram" xmlns:o="urn:schemas-microsoft-com:office:office" xmlns:v="urn:schemas-microsoft-com:vml" xmlns:pvml="urn:schemas-microsoft-com:office:powerpoint" xmlns:com="http://schemas.openxmlformats.org/drawingml/2006/compatibility" xmlns:p14="http://schemas.microsoft.com/office/powerpoint/2010/main" xmlns:p15="http://schemas.microsoft.com/office/powerpoint/2012/main" xmlns:ahyp="http://schemas.microsoft.com/office/drawing/2018/hyperlinkcolor" matchingName="Caption">
+<p:sldLayout xmlns:a="http://schemas.openxmlformats.org/drawingml/2006/main" xmlns:r="http://schemas.openxmlformats.org/officeDocument/2006/relationships" xmlns:p="http://schemas.openxmlformats.org/presentationml/2006/main" matchingName="Caption">
   <p:cSld name="CAPTION_ONLY">
     <p:spTree>
       <p:nvGrpSpPr>
-        <p:cNvPr id="50" name="Shape 50"/>
+        <p:cNvPr id="1" name="Shape 50"/>
         <p:cNvGrpSpPr/>
         <p:nvPr/>
       </p:nvGrpSpPr>
@@ -4928,9 +5201,11 @@
       <p:sp>
         <p:nvSpPr>
           <p:cNvPr id="51" name="Google Shape;51;p10"/>
-          <p:cNvSpPr txBox="1"/>
+          <p:cNvSpPr txBox="1">
+            <a:spLocks noGrp="1"/>
+          </p:cNvSpPr>
           <p:nvPr>
-            <p:ph idx="1" type="body"/>
+            <p:ph type="body" idx="1"/>
           </p:nvPr>
         </p:nvSpPr>
         <p:spPr>
@@ -4943,11 +5218,11 @@
           </a:prstGeom>
         </p:spPr>
         <p:txBody>
-          <a:bodyPr anchorCtr="0" anchor="ctr" bIns="91425" lIns="91425" spcFirstLastPara="1" rIns="91425" wrap="square" tIns="91425">
+          <a:bodyPr spcFirstLastPara="1" wrap="square" lIns="91425" tIns="91425" rIns="91425" bIns="91425" anchor="ctr" anchorCtr="0">
             <a:noAutofit/>
           </a:bodyPr>
           <a:lstStyle>
-            <a:lvl1pPr indent="-228600" lvl="0" marL="457200">
+            <a:lvl1pPr marL="457200" lvl="0" indent="-228600">
               <a:lnSpc>
                 <a:spcPct val="100000"/>
               </a:lnSpc>
@@ -4962,15 +5237,19 @@
               <a:defRPr/>
             </a:lvl1pPr>
           </a:lstStyle>
-          <a:p/>
+          <a:p>
+            <a:endParaRPr/>
+          </a:p>
         </p:txBody>
       </p:sp>
       <p:sp>
         <p:nvSpPr>
           <p:cNvPr id="52" name="Google Shape;52;p10"/>
-          <p:cNvSpPr txBox="1"/>
+          <p:cNvSpPr txBox="1">
+            <a:spLocks noGrp="1"/>
+          </p:cNvSpPr>
           <p:nvPr>
-            <p:ph idx="12" type="sldNum"/>
+            <p:ph type="sldNum" idx="12"/>
           </p:nvPr>
         </p:nvSpPr>
         <p:spPr>
@@ -4983,7 +5262,7 @@
           </a:prstGeom>
         </p:spPr>
         <p:txBody>
-          <a:bodyPr anchorCtr="0" anchor="ctr" bIns="91425" lIns="91425" spcFirstLastPara="1" rIns="91425" wrap="square" tIns="91425">
+          <a:bodyPr spcFirstLastPara="1" wrap="square" lIns="91425" tIns="91425" rIns="91425" bIns="91425" anchor="ctr" anchorCtr="0">
             <a:noAutofit/>
           </a:bodyPr>
           <a:lstStyle>
@@ -5025,7 +5304,7 @@
             </a:lvl9pPr>
           </a:lstStyle>
           <a:p>
-            <a:pPr indent="0" lvl="0" marL="0" rtl="0" algn="r">
+            <a:pPr marL="0" lvl="0" indent="0" algn="r" rtl="0">
               <a:spcBef>
                 <a:spcPts val="0"/>
               </a:spcBef>
@@ -5044,7 +5323,7 @@
       </p:sp>
       <p:pic>
         <p:nvPicPr>
-          <p:cNvPr descr="NCAS_national_centre_logo.png" id="53" name="Google Shape;53;p10"/>
+          <p:cNvPr id="53" name="Google Shape;53;p10" descr="NCAS_national_centre_logo.png"/>
           <p:cNvPicPr preferRelativeResize="0"/>
           <p:nvPr/>
         </p:nvPicPr>
@@ -5079,18 +5358,19 @@
 </file>
 
 <file path=ppt/slideMasters/slideMaster1.xml><?xml version="1.0" encoding="utf-8"?>
-<p:sldMaster xmlns:a="http://schemas.openxmlformats.org/drawingml/2006/main" xmlns:r="http://schemas.openxmlformats.org/officeDocument/2006/relationships" xmlns:mc="http://schemas.openxmlformats.org/markup-compatibility/2006" xmlns:mv="urn:schemas-microsoft-com:mac:vml" xmlns:p="http://schemas.openxmlformats.org/presentationml/2006/main" xmlns:c="http://schemas.openxmlformats.org/drawingml/2006/chart" xmlns:dgm="http://schemas.openxmlformats.org/drawingml/2006/diagram" xmlns:o="urn:schemas-microsoft-com:office:office" xmlns:v="urn:schemas-microsoft-com:vml" xmlns:pvml="urn:schemas-microsoft-com:office:powerpoint" xmlns:com="http://schemas.openxmlformats.org/drawingml/2006/compatibility" xmlns:p14="http://schemas.microsoft.com/office/powerpoint/2010/main" xmlns:p15="http://schemas.microsoft.com/office/powerpoint/2012/main" xmlns:ahyp="http://schemas.microsoft.com/office/drawing/2018/hyperlinkcolor">
+<p:sldMaster xmlns:a="http://schemas.openxmlformats.org/drawingml/2006/main" xmlns:r="http://schemas.openxmlformats.org/officeDocument/2006/relationships" xmlns:p="http://schemas.openxmlformats.org/presentationml/2006/main">
   <p:cSld name="simple-light-2">
     <p:bg>
       <p:bgPr>
         <a:solidFill>
           <a:schemeClr val="lt1"/>
         </a:solidFill>
+        <a:effectLst/>
       </p:bgPr>
     </p:bg>
     <p:spTree>
       <p:nvGrpSpPr>
-        <p:cNvPr id="5" name="Shape 5"/>
+        <p:cNvPr id="1" name="Shape 5"/>
         <p:cNvGrpSpPr/>
         <p:nvPr/>
       </p:nvGrpSpPr>
@@ -5105,7 +5385,9 @@
       <p:sp>
         <p:nvSpPr>
           <p:cNvPr id="6" name="Google Shape;6;p1"/>
-          <p:cNvSpPr txBox="1"/>
+          <p:cNvSpPr txBox="1">
+            <a:spLocks noGrp="1"/>
+          </p:cNvSpPr>
           <p:nvPr>
             <p:ph type="title"/>
           </p:nvPr>
@@ -5124,7 +5406,7 @@
           </a:ln>
         </p:spPr>
         <p:txBody>
-          <a:bodyPr anchorCtr="0" anchor="t" bIns="91425" lIns="91425" spcFirstLastPara="1" rIns="91425" wrap="square" tIns="91425">
+          <a:bodyPr spcFirstLastPara="1" wrap="square" lIns="91425" tIns="91425" rIns="91425" bIns="91425" anchor="t" anchorCtr="0">
             <a:noAutofit/>
           </a:bodyPr>
           <a:lstStyle>
@@ -5296,15 +5578,19 @@
               </a:defRPr>
             </a:lvl9pPr>
           </a:lstStyle>
-          <a:p/>
+          <a:p>
+            <a:endParaRPr/>
+          </a:p>
         </p:txBody>
       </p:sp>
       <p:sp>
         <p:nvSpPr>
           <p:cNvPr id="7" name="Google Shape;7;p1"/>
-          <p:cNvSpPr txBox="1"/>
+          <p:cNvSpPr txBox="1">
+            <a:spLocks noGrp="1"/>
+          </p:cNvSpPr>
           <p:nvPr>
-            <p:ph idx="1" type="body"/>
+            <p:ph type="body" idx="1"/>
           </p:nvPr>
         </p:nvSpPr>
         <p:spPr>
@@ -5321,11 +5607,11 @@
           </a:ln>
         </p:spPr>
         <p:txBody>
-          <a:bodyPr anchorCtr="0" anchor="t" bIns="91425" lIns="91425" spcFirstLastPara="1" rIns="91425" wrap="square" tIns="91425">
+          <a:bodyPr spcFirstLastPara="1" wrap="square" lIns="91425" tIns="91425" rIns="91425" bIns="91425" anchor="t" anchorCtr="0">
             <a:noAutofit/>
           </a:bodyPr>
           <a:lstStyle>
-            <a:lvl1pPr indent="-292100" lvl="0" marL="457200">
+            <a:lvl1pPr marL="457200" lvl="0" indent="-292100">
               <a:lnSpc>
                 <a:spcPct val="115000"/>
               </a:lnSpc>
@@ -5351,7 +5637,7 @@
                 <a:sym typeface="Open Sans"/>
               </a:defRPr>
             </a:lvl1pPr>
-            <a:lvl2pPr indent="-292100" lvl="1" marL="914400">
+            <a:lvl2pPr marL="914400" lvl="1" indent="-292100">
               <a:lnSpc>
                 <a:spcPct val="115000"/>
               </a:lnSpc>
@@ -5377,7 +5663,7 @@
                 <a:sym typeface="Open Sans"/>
               </a:defRPr>
             </a:lvl2pPr>
-            <a:lvl3pPr indent="-292100" lvl="2" marL="1371600">
+            <a:lvl3pPr marL="1371600" lvl="2" indent="-292100">
               <a:lnSpc>
                 <a:spcPct val="115000"/>
               </a:lnSpc>
@@ -5403,7 +5689,7 @@
                 <a:sym typeface="Open Sans"/>
               </a:defRPr>
             </a:lvl3pPr>
-            <a:lvl4pPr indent="-292100" lvl="3" marL="1828800">
+            <a:lvl4pPr marL="1828800" lvl="3" indent="-292100">
               <a:lnSpc>
                 <a:spcPct val="115000"/>
               </a:lnSpc>
@@ -5429,7 +5715,7 @@
                 <a:sym typeface="Open Sans"/>
               </a:defRPr>
             </a:lvl4pPr>
-            <a:lvl5pPr indent="-292100" lvl="4" marL="2286000">
+            <a:lvl5pPr marL="2286000" lvl="4" indent="-292100">
               <a:lnSpc>
                 <a:spcPct val="115000"/>
               </a:lnSpc>
@@ -5455,7 +5741,7 @@
                 <a:sym typeface="Open Sans"/>
               </a:defRPr>
             </a:lvl5pPr>
-            <a:lvl6pPr indent="-292100" lvl="5" marL="2743200">
+            <a:lvl6pPr marL="2743200" lvl="5" indent="-292100">
               <a:lnSpc>
                 <a:spcPct val="115000"/>
               </a:lnSpc>
@@ -5481,7 +5767,7 @@
                 <a:sym typeface="Open Sans"/>
               </a:defRPr>
             </a:lvl6pPr>
-            <a:lvl7pPr indent="-292100" lvl="6" marL="3200400">
+            <a:lvl7pPr marL="3200400" lvl="6" indent="-292100">
               <a:lnSpc>
                 <a:spcPct val="115000"/>
               </a:lnSpc>
@@ -5507,7 +5793,7 @@
                 <a:sym typeface="Open Sans"/>
               </a:defRPr>
             </a:lvl7pPr>
-            <a:lvl8pPr indent="-292100" lvl="7" marL="3657600">
+            <a:lvl8pPr marL="3657600" lvl="7" indent="-292100">
               <a:lnSpc>
                 <a:spcPct val="115000"/>
               </a:lnSpc>
@@ -5533,7 +5819,7 @@
                 <a:sym typeface="Open Sans"/>
               </a:defRPr>
             </a:lvl8pPr>
-            <a:lvl9pPr indent="-292100" lvl="8" marL="4114800">
+            <a:lvl9pPr marL="4114800" lvl="8" indent="-292100">
               <a:lnSpc>
                 <a:spcPct val="115000"/>
               </a:lnSpc>
@@ -5560,15 +5846,19 @@
               </a:defRPr>
             </a:lvl9pPr>
           </a:lstStyle>
-          <a:p/>
+          <a:p>
+            <a:endParaRPr/>
+          </a:p>
         </p:txBody>
       </p:sp>
       <p:sp>
         <p:nvSpPr>
           <p:cNvPr id="8" name="Google Shape;8;p1"/>
-          <p:cNvSpPr txBox="1"/>
+          <p:cNvSpPr txBox="1">
+            <a:spLocks noGrp="1"/>
+          </p:cNvSpPr>
           <p:nvPr>
-            <p:ph idx="12" type="sldNum"/>
+            <p:ph type="sldNum" idx="12"/>
           </p:nvPr>
         </p:nvSpPr>
         <p:spPr>
@@ -5585,7 +5875,7 @@
           </a:ln>
         </p:spPr>
         <p:txBody>
-          <a:bodyPr anchorCtr="0" anchor="ctr" bIns="91425" lIns="91425" spcFirstLastPara="1" rIns="91425" wrap="square" tIns="91425">
+          <a:bodyPr spcFirstLastPara="1" wrap="square" lIns="91425" tIns="91425" rIns="91425" bIns="91425" anchor="ctr" anchorCtr="0">
             <a:noAutofit/>
           </a:bodyPr>
           <a:lstStyle>
@@ -5663,7 +5953,7 @@
             </a:lvl9pPr>
           </a:lstStyle>
           <a:p>
-            <a:pPr indent="0" lvl="0" marL="0" rtl="0" algn="r">
+            <a:pPr marL="0" lvl="0" indent="0" algn="r" rtl="0">
               <a:spcBef>
                 <a:spcPts val="0"/>
               </a:spcBef>
@@ -5687,7 +5977,7 @@
           <p:nvPr/>
         </p:nvPicPr>
         <p:blipFill>
-          <a:blip r:embed="rId1">
+          <a:blip r:embed="rId14">
             <a:alphaModFix amt="40000"/>
           </a:blip>
           <a:stretch>
@@ -5710,25 +6000,25 @@
       </p:pic>
     </p:spTree>
   </p:cSld>
-  <p:clrMap accent1="accent1" accent2="accent2" accent3="accent3" accent4="accent4" accent5="accent5" accent6="accent6" bg1="lt1" bg2="dk2" tx1="dk1" tx2="lt2" folHlink="folHlink" hlink="hlink"/>
+  <p:clrMap bg1="lt1" tx1="dk1" bg2="dk2" tx2="lt2" accent1="accent1" accent2="accent2" accent3="accent3" accent4="accent4" accent5="accent5" accent6="accent6" hlink="hlink" folHlink="folHlink"/>
   <p:sldLayoutIdLst>
-    <p:sldLayoutId id="2147483648" r:id="rId2"/>
-    <p:sldLayoutId id="2147483649" r:id="rId3"/>
-    <p:sldLayoutId id="2147483650" r:id="rId4"/>
-    <p:sldLayoutId id="2147483651" r:id="rId5"/>
-    <p:sldLayoutId id="2147483652" r:id="rId6"/>
-    <p:sldLayoutId id="2147483653" r:id="rId7"/>
-    <p:sldLayoutId id="2147483654" r:id="rId8"/>
-    <p:sldLayoutId id="2147483655" r:id="rId9"/>
-    <p:sldLayoutId id="2147483656" r:id="rId10"/>
-    <p:sldLayoutId id="2147483657" r:id="rId11"/>
-    <p:sldLayoutId id="2147483658" r:id="rId12"/>
-    <p:sldLayoutId id="2147483659" r:id="rId13"/>
+    <p:sldLayoutId id="2147483648" r:id="rId1"/>
+    <p:sldLayoutId id="2147483649" r:id="rId2"/>
+    <p:sldLayoutId id="2147483650" r:id="rId3"/>
+    <p:sldLayoutId id="2147483651" r:id="rId4"/>
+    <p:sldLayoutId id="2147483652" r:id="rId5"/>
+    <p:sldLayoutId id="2147483653" r:id="rId6"/>
+    <p:sldLayoutId id="2147483654" r:id="rId7"/>
+    <p:sldLayoutId id="2147483655" r:id="rId8"/>
+    <p:sldLayoutId id="2147483656" r:id="rId9"/>
+    <p:sldLayoutId id="2147483657" r:id="rId10"/>
+    <p:sldLayoutId id="2147483658" r:id="rId11"/>
+    <p:sldLayoutId id="2147483659" r:id="rId12"/>
   </p:sldLayoutIdLst>
-  <p:hf dt="0" ftr="0" hdr="0" sldNum="0"/>
+  <p:hf sldNum="0" hdr="0" ftr="0" dt="0"/>
   <p:txStyles>
     <p:titleStyle>
-      <a:defPPr lvl="0" marR="0" rtl="0" algn="l">
+      <a:defPPr marR="0" lvl="0" algn="l" rtl="0">
         <a:lnSpc>
           <a:spcPct val="100000"/>
         </a:lnSpc>
@@ -5739,7 +6029,7 @@
           <a:spcPts val="0"/>
         </a:spcAft>
       </a:defPPr>
-      <a:lvl1pPr lvl="0" marR="0" rtl="0" algn="l">
+      <a:lvl1pPr marR="0" lvl="0" algn="l" rtl="0">
         <a:lnSpc>
           <a:spcPct val="100000"/>
         </a:lnSpc>
@@ -5753,7 +6043,7 @@
           <a:srgbClr val="000000"/>
         </a:buClr>
         <a:buFont typeface="Arial"/>
-        <a:defRPr b="0" i="0" sz="1400" u="none" cap="none" strike="noStrike">
+        <a:defRPr sz="1400" b="0" i="0" u="none" strike="noStrike" cap="none">
           <a:solidFill>
             <a:srgbClr val="000000"/>
           </a:solidFill>
@@ -5763,7 +6053,7 @@
           <a:sym typeface="Arial"/>
         </a:defRPr>
       </a:lvl1pPr>
-      <a:lvl2pPr lvl="1" marR="0" rtl="0" algn="l">
+      <a:lvl2pPr marR="0" lvl="1" algn="l" rtl="0">
         <a:lnSpc>
           <a:spcPct val="100000"/>
         </a:lnSpc>
@@ -5777,7 +6067,7 @@
           <a:srgbClr val="000000"/>
         </a:buClr>
         <a:buFont typeface="Arial"/>
-        <a:defRPr b="0" i="0" sz="1400" u="none" cap="none" strike="noStrike">
+        <a:defRPr sz="1400" b="0" i="0" u="none" strike="noStrike" cap="none">
           <a:solidFill>
             <a:srgbClr val="000000"/>
           </a:solidFill>
@@ -5787,7 +6077,7 @@
           <a:sym typeface="Arial"/>
         </a:defRPr>
       </a:lvl2pPr>
-      <a:lvl3pPr lvl="2" marR="0" rtl="0" algn="l">
+      <a:lvl3pPr marR="0" lvl="2" algn="l" rtl="0">
         <a:lnSpc>
           <a:spcPct val="100000"/>
         </a:lnSpc>
@@ -5801,7 +6091,7 @@
           <a:srgbClr val="000000"/>
         </a:buClr>
         <a:buFont typeface="Arial"/>
-        <a:defRPr b="0" i="0" sz="1400" u="none" cap="none" strike="noStrike">
+        <a:defRPr sz="1400" b="0" i="0" u="none" strike="noStrike" cap="none">
           <a:solidFill>
             <a:srgbClr val="000000"/>
           </a:solidFill>
@@ -5811,7 +6101,7 @@
           <a:sym typeface="Arial"/>
         </a:defRPr>
       </a:lvl3pPr>
-      <a:lvl4pPr lvl="3" marR="0" rtl="0" algn="l">
+      <a:lvl4pPr marR="0" lvl="3" algn="l" rtl="0">
         <a:lnSpc>
           <a:spcPct val="100000"/>
         </a:lnSpc>
@@ -5825,7 +6115,7 @@
           <a:srgbClr val="000000"/>
         </a:buClr>
         <a:buFont typeface="Arial"/>
-        <a:defRPr b="0" i="0" sz="1400" u="none" cap="none" strike="noStrike">
+        <a:defRPr sz="1400" b="0" i="0" u="none" strike="noStrike" cap="none">
           <a:solidFill>
             <a:srgbClr val="000000"/>
           </a:solidFill>
@@ -5835,7 +6125,7 @@
           <a:sym typeface="Arial"/>
         </a:defRPr>
       </a:lvl4pPr>
-      <a:lvl5pPr lvl="4" marR="0" rtl="0" algn="l">
+      <a:lvl5pPr marR="0" lvl="4" algn="l" rtl="0">
         <a:lnSpc>
           <a:spcPct val="100000"/>
         </a:lnSpc>
@@ -5849,7 +6139,7 @@
           <a:srgbClr val="000000"/>
         </a:buClr>
         <a:buFont typeface="Arial"/>
-        <a:defRPr b="0" i="0" sz="1400" u="none" cap="none" strike="noStrike">
+        <a:defRPr sz="1400" b="0" i="0" u="none" strike="noStrike" cap="none">
           <a:solidFill>
             <a:srgbClr val="000000"/>
           </a:solidFill>
@@ -5859,7 +6149,7 @@
           <a:sym typeface="Arial"/>
         </a:defRPr>
       </a:lvl5pPr>
-      <a:lvl6pPr lvl="5" marR="0" rtl="0" algn="l">
+      <a:lvl6pPr marR="0" lvl="5" algn="l" rtl="0">
         <a:lnSpc>
           <a:spcPct val="100000"/>
         </a:lnSpc>
@@ -5873,7 +6163,7 @@
           <a:srgbClr val="000000"/>
         </a:buClr>
         <a:buFont typeface="Arial"/>
-        <a:defRPr b="0" i="0" sz="1400" u="none" cap="none" strike="noStrike">
+        <a:defRPr sz="1400" b="0" i="0" u="none" strike="noStrike" cap="none">
           <a:solidFill>
             <a:srgbClr val="000000"/>
           </a:solidFill>
@@ -5883,7 +6173,7 @@
           <a:sym typeface="Arial"/>
         </a:defRPr>
       </a:lvl6pPr>
-      <a:lvl7pPr lvl="6" marR="0" rtl="0" algn="l">
+      <a:lvl7pPr marR="0" lvl="6" algn="l" rtl="0">
         <a:lnSpc>
           <a:spcPct val="100000"/>
         </a:lnSpc>
@@ -5897,7 +6187,7 @@
           <a:srgbClr val="000000"/>
         </a:buClr>
         <a:buFont typeface="Arial"/>
-        <a:defRPr b="0" i="0" sz="1400" u="none" cap="none" strike="noStrike">
+        <a:defRPr sz="1400" b="0" i="0" u="none" strike="noStrike" cap="none">
           <a:solidFill>
             <a:srgbClr val="000000"/>
           </a:solidFill>
@@ -5907,7 +6197,7 @@
           <a:sym typeface="Arial"/>
         </a:defRPr>
       </a:lvl7pPr>
-      <a:lvl8pPr lvl="7" marR="0" rtl="0" algn="l">
+      <a:lvl8pPr marR="0" lvl="7" algn="l" rtl="0">
         <a:lnSpc>
           <a:spcPct val="100000"/>
         </a:lnSpc>
@@ -5921,7 +6211,7 @@
           <a:srgbClr val="000000"/>
         </a:buClr>
         <a:buFont typeface="Arial"/>
-        <a:defRPr b="0" i="0" sz="1400" u="none" cap="none" strike="noStrike">
+        <a:defRPr sz="1400" b="0" i="0" u="none" strike="noStrike" cap="none">
           <a:solidFill>
             <a:srgbClr val="000000"/>
           </a:solidFill>
@@ -5931,7 +6221,7 @@
           <a:sym typeface="Arial"/>
         </a:defRPr>
       </a:lvl8pPr>
-      <a:lvl9pPr lvl="8" marR="0" rtl="0" algn="l">
+      <a:lvl9pPr marR="0" lvl="8" algn="l" rtl="0">
         <a:lnSpc>
           <a:spcPct val="100000"/>
         </a:lnSpc>
@@ -5945,7 +6235,7 @@
           <a:srgbClr val="000000"/>
         </a:buClr>
         <a:buFont typeface="Arial"/>
-        <a:defRPr b="0" i="0" sz="1400" u="none" cap="none" strike="noStrike">
+        <a:defRPr sz="1400" b="0" i="0" u="none" strike="noStrike" cap="none">
           <a:solidFill>
             <a:srgbClr val="000000"/>
           </a:solidFill>
@@ -5957,7 +6247,7 @@
       </a:lvl9pPr>
     </p:titleStyle>
     <p:bodyStyle>
-      <a:defPPr lvl="0" marR="0" rtl="0" algn="l">
+      <a:defPPr marR="0" lvl="0" algn="l" rtl="0">
         <a:lnSpc>
           <a:spcPct val="100000"/>
         </a:lnSpc>
@@ -5968,7 +6258,7 @@
           <a:spcPts val="0"/>
         </a:spcAft>
       </a:defPPr>
-      <a:lvl1pPr lvl="0" marR="0" rtl="0" algn="l">
+      <a:lvl1pPr marR="0" lvl="0" algn="l" rtl="0">
         <a:lnSpc>
           <a:spcPct val="100000"/>
         </a:lnSpc>
@@ -5982,7 +6272,7 @@
           <a:srgbClr val="000000"/>
         </a:buClr>
         <a:buFont typeface="Arial"/>
-        <a:defRPr b="0" i="0" sz="1400" u="none" cap="none" strike="noStrike">
+        <a:defRPr sz="1400" b="0" i="0" u="none" strike="noStrike" cap="none">
           <a:solidFill>
             <a:srgbClr val="000000"/>
           </a:solidFill>
@@ -5992,7 +6282,7 @@
           <a:sym typeface="Arial"/>
         </a:defRPr>
       </a:lvl1pPr>
-      <a:lvl2pPr lvl="1" marR="0" rtl="0" algn="l">
+      <a:lvl2pPr marR="0" lvl="1" algn="l" rtl="0">
         <a:lnSpc>
           <a:spcPct val="100000"/>
         </a:lnSpc>
@@ -6006,7 +6296,7 @@
           <a:srgbClr val="000000"/>
         </a:buClr>
         <a:buFont typeface="Arial"/>
-        <a:defRPr b="0" i="0" sz="1400" u="none" cap="none" strike="noStrike">
+        <a:defRPr sz="1400" b="0" i="0" u="none" strike="noStrike" cap="none">
           <a:solidFill>
             <a:srgbClr val="000000"/>
           </a:solidFill>
@@ -6016,7 +6306,7 @@
           <a:sym typeface="Arial"/>
         </a:defRPr>
       </a:lvl2pPr>
-      <a:lvl3pPr lvl="2" marR="0" rtl="0" algn="l">
+      <a:lvl3pPr marR="0" lvl="2" algn="l" rtl="0">
         <a:lnSpc>
           <a:spcPct val="100000"/>
         </a:lnSpc>
@@ -6030,7 +6320,7 @@
           <a:srgbClr val="000000"/>
         </a:buClr>
         <a:buFont typeface="Arial"/>
-        <a:defRPr b="0" i="0" sz="1400" u="none" cap="none" strike="noStrike">
+        <a:defRPr sz="1400" b="0" i="0" u="none" strike="noStrike" cap="none">
           <a:solidFill>
             <a:srgbClr val="000000"/>
           </a:solidFill>
@@ -6040,7 +6330,7 @@
           <a:sym typeface="Arial"/>
         </a:defRPr>
       </a:lvl3pPr>
-      <a:lvl4pPr lvl="3" marR="0" rtl="0" algn="l">
+      <a:lvl4pPr marR="0" lvl="3" algn="l" rtl="0">
         <a:lnSpc>
           <a:spcPct val="100000"/>
         </a:lnSpc>
@@ -6054,7 +6344,7 @@
           <a:srgbClr val="000000"/>
         </a:buClr>
         <a:buFont typeface="Arial"/>
-        <a:defRPr b="0" i="0" sz="1400" u="none" cap="none" strike="noStrike">
+        <a:defRPr sz="1400" b="0" i="0" u="none" strike="noStrike" cap="none">
           <a:solidFill>
             <a:srgbClr val="000000"/>
           </a:solidFill>
@@ -6064,7 +6354,7 @@
           <a:sym typeface="Arial"/>
         </a:defRPr>
       </a:lvl4pPr>
-      <a:lvl5pPr lvl="4" marR="0" rtl="0" algn="l">
+      <a:lvl5pPr marR="0" lvl="4" algn="l" rtl="0">
         <a:lnSpc>
           <a:spcPct val="100000"/>
         </a:lnSpc>
@@ -6078,7 +6368,7 @@
           <a:srgbClr val="000000"/>
         </a:buClr>
         <a:buFont typeface="Arial"/>
-        <a:defRPr b="0" i="0" sz="1400" u="none" cap="none" strike="noStrike">
+        <a:defRPr sz="1400" b="0" i="0" u="none" strike="noStrike" cap="none">
           <a:solidFill>
             <a:srgbClr val="000000"/>
           </a:solidFill>
@@ -6088,7 +6378,7 @@
           <a:sym typeface="Arial"/>
         </a:defRPr>
       </a:lvl5pPr>
-      <a:lvl6pPr lvl="5" marR="0" rtl="0" algn="l">
+      <a:lvl6pPr marR="0" lvl="5" algn="l" rtl="0">
         <a:lnSpc>
           <a:spcPct val="100000"/>
         </a:lnSpc>
@@ -6102,7 +6392,7 @@
           <a:srgbClr val="000000"/>
         </a:buClr>
         <a:buFont typeface="Arial"/>
-        <a:defRPr b="0" i="0" sz="1400" u="none" cap="none" strike="noStrike">
+        <a:defRPr sz="1400" b="0" i="0" u="none" strike="noStrike" cap="none">
           <a:solidFill>
             <a:srgbClr val="000000"/>
           </a:solidFill>
@@ -6112,7 +6402,7 @@
           <a:sym typeface="Arial"/>
         </a:defRPr>
       </a:lvl6pPr>
-      <a:lvl7pPr lvl="6" marR="0" rtl="0" algn="l">
+      <a:lvl7pPr marR="0" lvl="6" algn="l" rtl="0">
         <a:lnSpc>
           <a:spcPct val="100000"/>
         </a:lnSpc>
@@ -6126,7 +6416,7 @@
           <a:srgbClr val="000000"/>
         </a:buClr>
         <a:buFont typeface="Arial"/>
-        <a:defRPr b="0" i="0" sz="1400" u="none" cap="none" strike="noStrike">
+        <a:defRPr sz="1400" b="0" i="0" u="none" strike="noStrike" cap="none">
           <a:solidFill>
             <a:srgbClr val="000000"/>
           </a:solidFill>
@@ -6136,7 +6426,7 @@
           <a:sym typeface="Arial"/>
         </a:defRPr>
       </a:lvl7pPr>
-      <a:lvl8pPr lvl="7" marR="0" rtl="0" algn="l">
+      <a:lvl8pPr marR="0" lvl="7" algn="l" rtl="0">
         <a:lnSpc>
           <a:spcPct val="100000"/>
         </a:lnSpc>
@@ -6150,7 +6440,7 @@
           <a:srgbClr val="000000"/>
         </a:buClr>
         <a:buFont typeface="Arial"/>
-        <a:defRPr b="0" i="0" sz="1400" u="none" cap="none" strike="noStrike">
+        <a:defRPr sz="1400" b="0" i="0" u="none" strike="noStrike" cap="none">
           <a:solidFill>
             <a:srgbClr val="000000"/>
           </a:solidFill>
@@ -6160,7 +6450,7 @@
           <a:sym typeface="Arial"/>
         </a:defRPr>
       </a:lvl8pPr>
-      <a:lvl9pPr lvl="8" marR="0" rtl="0" algn="l">
+      <a:lvl9pPr marR="0" lvl="8" algn="l" rtl="0">
         <a:lnSpc>
           <a:spcPct val="100000"/>
         </a:lnSpc>
@@ -6174,7 +6464,7 @@
           <a:srgbClr val="000000"/>
         </a:buClr>
         <a:buFont typeface="Arial"/>
-        <a:defRPr b="0" i="0" sz="1400" u="none" cap="none" strike="noStrike">
+        <a:defRPr sz="1400" b="0" i="0" u="none" strike="noStrike" cap="none">
           <a:solidFill>
             <a:srgbClr val="000000"/>
           </a:solidFill>
@@ -6186,7 +6476,7 @@
       </a:lvl9pPr>
     </p:bodyStyle>
     <p:otherStyle>
-      <a:defPPr lvl="0" marR="0" rtl="0" algn="l">
+      <a:defPPr marR="0" lvl="0" algn="l" rtl="0">
         <a:lnSpc>
           <a:spcPct val="100000"/>
         </a:lnSpc>
@@ -6197,7 +6487,7 @@
           <a:spcPts val="0"/>
         </a:spcAft>
       </a:defPPr>
-      <a:lvl1pPr lvl="0" marR="0" rtl="0" algn="l">
+      <a:lvl1pPr marR="0" lvl="0" algn="l" rtl="0">
         <a:lnSpc>
           <a:spcPct val="100000"/>
         </a:lnSpc>
@@ -6211,7 +6501,7 @@
           <a:srgbClr val="000000"/>
         </a:buClr>
         <a:buFont typeface="Arial"/>
-        <a:defRPr b="0" i="0" sz="1400" u="none" cap="none" strike="noStrike">
+        <a:defRPr sz="1400" b="0" i="0" u="none" strike="noStrike" cap="none">
           <a:solidFill>
             <a:srgbClr val="000000"/>
           </a:solidFill>
@@ -6221,7 +6511,7 @@
           <a:sym typeface="Arial"/>
         </a:defRPr>
       </a:lvl1pPr>
-      <a:lvl2pPr lvl="1" marR="0" rtl="0" algn="l">
+      <a:lvl2pPr marR="0" lvl="1" algn="l" rtl="0">
         <a:lnSpc>
           <a:spcPct val="100000"/>
         </a:lnSpc>
@@ -6235,7 +6525,7 @@
           <a:srgbClr val="000000"/>
         </a:buClr>
         <a:buFont typeface="Arial"/>
-        <a:defRPr b="0" i="0" sz="1400" u="none" cap="none" strike="noStrike">
+        <a:defRPr sz="1400" b="0" i="0" u="none" strike="noStrike" cap="none">
           <a:solidFill>
             <a:srgbClr val="000000"/>
           </a:solidFill>
@@ -6245,7 +6535,7 @@
           <a:sym typeface="Arial"/>
         </a:defRPr>
       </a:lvl2pPr>
-      <a:lvl3pPr lvl="2" marR="0" rtl="0" algn="l">
+      <a:lvl3pPr marR="0" lvl="2" algn="l" rtl="0">
         <a:lnSpc>
           <a:spcPct val="100000"/>
         </a:lnSpc>
@@ -6259,7 +6549,7 @@
           <a:srgbClr val="000000"/>
         </a:buClr>
         <a:buFont typeface="Arial"/>
-        <a:defRPr b="0" i="0" sz="1400" u="none" cap="none" strike="noStrike">
+        <a:defRPr sz="1400" b="0" i="0" u="none" strike="noStrike" cap="none">
           <a:solidFill>
             <a:srgbClr val="000000"/>
           </a:solidFill>
@@ -6269,7 +6559,7 @@
           <a:sym typeface="Arial"/>
         </a:defRPr>
       </a:lvl3pPr>
-      <a:lvl4pPr lvl="3" marR="0" rtl="0" algn="l">
+      <a:lvl4pPr marR="0" lvl="3" algn="l" rtl="0">
         <a:lnSpc>
           <a:spcPct val="100000"/>
         </a:lnSpc>
@@ -6283,7 +6573,7 @@
           <a:srgbClr val="000000"/>
         </a:buClr>
         <a:buFont typeface="Arial"/>
-        <a:defRPr b="0" i="0" sz="1400" u="none" cap="none" strike="noStrike">
+        <a:defRPr sz="1400" b="0" i="0" u="none" strike="noStrike" cap="none">
           <a:solidFill>
             <a:srgbClr val="000000"/>
           </a:solidFill>
@@ -6293,7 +6583,7 @@
           <a:sym typeface="Arial"/>
         </a:defRPr>
       </a:lvl4pPr>
-      <a:lvl5pPr lvl="4" marR="0" rtl="0" algn="l">
+      <a:lvl5pPr marR="0" lvl="4" algn="l" rtl="0">
         <a:lnSpc>
           <a:spcPct val="100000"/>
         </a:lnSpc>
@@ -6307,7 +6597,7 @@
           <a:srgbClr val="000000"/>
         </a:buClr>
         <a:buFont typeface="Arial"/>
-        <a:defRPr b="0" i="0" sz="1400" u="none" cap="none" strike="noStrike">
+        <a:defRPr sz="1400" b="0" i="0" u="none" strike="noStrike" cap="none">
           <a:solidFill>
             <a:srgbClr val="000000"/>
           </a:solidFill>
@@ -6317,7 +6607,7 @@
           <a:sym typeface="Arial"/>
         </a:defRPr>
       </a:lvl5pPr>
-      <a:lvl6pPr lvl="5" marR="0" rtl="0" algn="l">
+      <a:lvl6pPr marR="0" lvl="5" algn="l" rtl="0">
         <a:lnSpc>
           <a:spcPct val="100000"/>
         </a:lnSpc>
@@ -6331,7 +6621,7 @@
           <a:srgbClr val="000000"/>
         </a:buClr>
         <a:buFont typeface="Arial"/>
-        <a:defRPr b="0" i="0" sz="1400" u="none" cap="none" strike="noStrike">
+        <a:defRPr sz="1400" b="0" i="0" u="none" strike="noStrike" cap="none">
           <a:solidFill>
             <a:srgbClr val="000000"/>
           </a:solidFill>
@@ -6341,7 +6631,7 @@
           <a:sym typeface="Arial"/>
         </a:defRPr>
       </a:lvl6pPr>
-      <a:lvl7pPr lvl="6" marR="0" rtl="0" algn="l">
+      <a:lvl7pPr marR="0" lvl="6" algn="l" rtl="0">
         <a:lnSpc>
           <a:spcPct val="100000"/>
         </a:lnSpc>
@@ -6355,7 +6645,7 @@
           <a:srgbClr val="000000"/>
         </a:buClr>
         <a:buFont typeface="Arial"/>
-        <a:defRPr b="0" i="0" sz="1400" u="none" cap="none" strike="noStrike">
+        <a:defRPr sz="1400" b="0" i="0" u="none" strike="noStrike" cap="none">
           <a:solidFill>
             <a:srgbClr val="000000"/>
           </a:solidFill>
@@ -6365,7 +6655,7 @@
           <a:sym typeface="Arial"/>
         </a:defRPr>
       </a:lvl7pPr>
-      <a:lvl8pPr lvl="7" marR="0" rtl="0" algn="l">
+      <a:lvl8pPr marR="0" lvl="7" algn="l" rtl="0">
         <a:lnSpc>
           <a:spcPct val="100000"/>
         </a:lnSpc>
@@ -6379,7 +6669,7 @@
           <a:srgbClr val="000000"/>
         </a:buClr>
         <a:buFont typeface="Arial"/>
-        <a:defRPr b="0" i="0" sz="1400" u="none" cap="none" strike="noStrike">
+        <a:defRPr sz="1400" b="0" i="0" u="none" strike="noStrike" cap="none">
           <a:solidFill>
             <a:srgbClr val="000000"/>
           </a:solidFill>
@@ -6389,7 +6679,7 @@
           <a:sym typeface="Arial"/>
         </a:defRPr>
       </a:lvl8pPr>
-      <a:lvl9pPr lvl="8" marR="0" rtl="0" algn="l">
+      <a:lvl9pPr marR="0" lvl="8" algn="l" rtl="0">
         <a:lnSpc>
           <a:spcPct val="100000"/>
         </a:lnSpc>
@@ -6403,7 +6693,7 @@
           <a:srgbClr val="000000"/>
         </a:buClr>
         <a:buFont typeface="Arial"/>
-        <a:defRPr b="0" i="0" sz="1400" u="none" cap="none" strike="noStrike">
+        <a:defRPr sz="1400" b="0" i="0" u="none" strike="noStrike" cap="none">
           <a:solidFill>
             <a:srgbClr val="000000"/>
           </a:solidFill>
@@ -6419,11 +6709,11 @@
 </file>
 
 <file path=ppt/slides/slide1.xml><?xml version="1.0" encoding="utf-8"?>
-<p:sld xmlns:a="http://schemas.openxmlformats.org/drawingml/2006/main" xmlns:r="http://schemas.openxmlformats.org/officeDocument/2006/relationships" xmlns:mc="http://schemas.openxmlformats.org/markup-compatibility/2006" xmlns:mv="urn:schemas-microsoft-com:mac:vml" xmlns:p="http://schemas.openxmlformats.org/presentationml/2006/main" xmlns:c="http://schemas.openxmlformats.org/drawingml/2006/chart" xmlns:dgm="http://schemas.openxmlformats.org/drawingml/2006/diagram" xmlns:o="urn:schemas-microsoft-com:office:office" xmlns:v="urn:schemas-microsoft-com:vml" xmlns:pvml="urn:schemas-microsoft-com:office:powerpoint" xmlns:com="http://schemas.openxmlformats.org/drawingml/2006/compatibility" xmlns:p14="http://schemas.microsoft.com/office/powerpoint/2010/main" xmlns:p15="http://schemas.microsoft.com/office/powerpoint/2012/main" xmlns:ahyp="http://schemas.microsoft.com/office/drawing/2018/hyperlinkcolor">
+<p:sld xmlns:a="http://schemas.openxmlformats.org/drawingml/2006/main" xmlns:r="http://schemas.openxmlformats.org/officeDocument/2006/relationships" xmlns:p="http://schemas.openxmlformats.org/presentationml/2006/main">
   <p:cSld>
     <p:spTree>
       <p:nvGrpSpPr>
-        <p:cNvPr id="67" name="Shape 67"/>
+        <p:cNvPr id="1" name="Shape 67"/>
         <p:cNvGrpSpPr/>
         <p:nvPr/>
       </p:nvGrpSpPr>
@@ -6483,12 +6773,12 @@
           </a:ln>
         </p:spPr>
         <p:txBody>
-          <a:bodyPr anchorCtr="0" anchor="t" bIns="68575" lIns="68575" spcFirstLastPara="1" rIns="68575" wrap="square" tIns="68575">
+          <a:bodyPr spcFirstLastPara="1" wrap="square" lIns="68575" tIns="68575" rIns="68575" bIns="68575" anchor="t" anchorCtr="0">
             <a:noAutofit/>
           </a:bodyPr>
           <a:lstStyle/>
           <a:p>
-            <a:pPr indent="0" lvl="0" marL="0" rtl="0" algn="l">
+            <a:pPr marL="0" lvl="0" indent="0" algn="l" rtl="0">
               <a:spcBef>
                 <a:spcPts val="0"/>
               </a:spcBef>
@@ -6498,16 +6788,16 @@
               <a:buNone/>
             </a:pPr>
             <a:r>
-              <a:rPr b="1" lang="en-GB" sz="3800"/>
+              <a:rPr lang="en-GB" sz="3800" b="1"/>
               <a:t>Net Zero &amp; DRI </a:t>
             </a:r>
-            <a:endParaRPr b="1" sz="3800"/>
+            <a:endParaRPr sz="3800" b="1"/>
           </a:p>
         </p:txBody>
       </p:sp>
       <p:pic>
         <p:nvPicPr>
-          <p:cNvPr descr="NCAS_national_centre_logo.png" id="70" name="Google Shape;70;p14"/>
+          <p:cNvPr id="70" name="Google Shape;70;p14" descr="NCAS_national_centre_logo.png"/>
           <p:cNvPicPr preferRelativeResize="0"/>
           <p:nvPr/>
         </p:nvPicPr>
@@ -6542,11 +6832,276 @@
 </file>
 
 <file path=ppt/slides/slide2.xml><?xml version="1.0" encoding="utf-8"?>
-<p:sld xmlns:a="http://schemas.openxmlformats.org/drawingml/2006/main" xmlns:r="http://schemas.openxmlformats.org/officeDocument/2006/relationships" xmlns:mc="http://schemas.openxmlformats.org/markup-compatibility/2006" xmlns:mv="urn:schemas-microsoft-com:mac:vml" xmlns:p="http://schemas.openxmlformats.org/presentationml/2006/main" xmlns:c="http://schemas.openxmlformats.org/drawingml/2006/chart" xmlns:dgm="http://schemas.openxmlformats.org/drawingml/2006/diagram" xmlns:o="urn:schemas-microsoft-com:office:office" xmlns:v="urn:schemas-microsoft-com:vml" xmlns:pvml="urn:schemas-microsoft-com:office:powerpoint" xmlns:com="http://schemas.openxmlformats.org/drawingml/2006/compatibility" xmlns:p14="http://schemas.microsoft.com/office/powerpoint/2010/main" xmlns:p15="http://schemas.microsoft.com/office/powerpoint/2012/main" xmlns:ahyp="http://schemas.microsoft.com/office/drawing/2018/hyperlinkcolor">
+<p:sld xmlns:a="http://schemas.openxmlformats.org/drawingml/2006/main" xmlns:r="http://schemas.openxmlformats.org/officeDocument/2006/relationships" xmlns:p="http://schemas.openxmlformats.org/presentationml/2006/main">
   <p:cSld>
     <p:spTree>
       <p:nvGrpSpPr>
-        <p:cNvPr id="74" name="Shape 74"/>
+        <p:cNvPr id="1" name="Shape 81"/>
+        <p:cNvGrpSpPr/>
+        <p:nvPr/>
+      </p:nvGrpSpPr>
+      <p:grpSpPr>
+        <a:xfrm>
+          <a:off x="0" y="0"/>
+          <a:ext cx="0" cy="0"/>
+          <a:chOff x="0" y="0"/>
+          <a:chExt cx="0" cy="0"/>
+        </a:xfrm>
+      </p:grpSpPr>
+      <p:sp>
+        <p:nvSpPr>
+          <p:cNvPr id="82" name="Google Shape;82;p16"/>
+          <p:cNvSpPr txBox="1">
+            <a:spLocks noGrp="1"/>
+          </p:cNvSpPr>
+          <p:nvPr>
+            <p:ph type="title"/>
+          </p:nvPr>
+        </p:nvSpPr>
+        <p:spPr>
+          <a:xfrm>
+            <a:off x="311700" y="445025"/>
+            <a:ext cx="8520600" cy="572700"/>
+          </a:xfrm>
+          <a:prstGeom prst="rect">
+            <a:avLst/>
+          </a:prstGeom>
+        </p:spPr>
+        <p:txBody>
+          <a:bodyPr spcFirstLastPara="1" wrap="square" lIns="91425" tIns="91425" rIns="91425" bIns="91425" anchor="t" anchorCtr="0">
+            <a:noAutofit/>
+          </a:bodyPr>
+          <a:lstStyle/>
+          <a:p>
+            <a:pPr marL="0" lvl="0" indent="0" algn="l" rtl="0">
+              <a:spcBef>
+                <a:spcPts val="0"/>
+              </a:spcBef>
+              <a:spcAft>
+                <a:spcPts val="0"/>
+              </a:spcAft>
+              <a:buNone/>
+            </a:pPr>
+            <a:r>
+              <a:rPr lang="en-GB">
+                <a:latin typeface="Gill Sans"/>
+                <a:ea typeface="Gill Sans"/>
+                <a:cs typeface="Gill Sans"/>
+                <a:sym typeface="Gill Sans"/>
+              </a:rPr>
+              <a:t>Net Zero - what is it?</a:t>
+            </a:r>
+            <a:endParaRPr>
+              <a:latin typeface="Gill Sans"/>
+              <a:ea typeface="Gill Sans"/>
+              <a:cs typeface="Gill Sans"/>
+              <a:sym typeface="Gill Sans"/>
+            </a:endParaRPr>
+          </a:p>
+        </p:txBody>
+      </p:sp>
+      <p:sp>
+        <p:nvSpPr>
+          <p:cNvPr id="83" name="Google Shape;83;p16"/>
+          <p:cNvSpPr txBox="1">
+            <a:spLocks noGrp="1"/>
+          </p:cNvSpPr>
+          <p:nvPr>
+            <p:ph type="body" idx="1"/>
+          </p:nvPr>
+        </p:nvSpPr>
+        <p:spPr>
+          <a:xfrm>
+            <a:off x="311700" y="1152475"/>
+            <a:ext cx="3999900" cy="3416400"/>
+          </a:xfrm>
+          <a:prstGeom prst="rect">
+            <a:avLst/>
+          </a:prstGeom>
+        </p:spPr>
+        <p:txBody>
+          <a:bodyPr spcFirstLastPara="1" wrap="square" lIns="91425" tIns="91425" rIns="91425" bIns="91425" anchor="t" anchorCtr="0">
+            <a:noAutofit/>
+          </a:bodyPr>
+          <a:lstStyle/>
+          <a:p>
+            <a:pPr marL="0" lvl="0" indent="0" algn="l" rtl="0">
+              <a:spcBef>
+                <a:spcPts val="0"/>
+              </a:spcBef>
+              <a:spcAft>
+                <a:spcPts val="0"/>
+              </a:spcAft>
+              <a:buNone/>
+            </a:pPr>
+            <a:r>
+              <a:rPr lang="en-GB" sz="1800">
+                <a:latin typeface="Arial"/>
+                <a:ea typeface="Arial"/>
+                <a:cs typeface="Arial"/>
+                <a:sym typeface="Arial"/>
+              </a:rPr>
+              <a:t>Definition: </a:t>
+            </a:r>
+            <a:endParaRPr sz="1800">
+              <a:latin typeface="Arial"/>
+              <a:ea typeface="Arial"/>
+              <a:cs typeface="Arial"/>
+              <a:sym typeface="Arial"/>
+            </a:endParaRPr>
+          </a:p>
+          <a:p>
+            <a:pPr marL="457200" lvl="0" indent="-317500" algn="l" rtl="0">
+              <a:spcBef>
+                <a:spcPts val="1200"/>
+              </a:spcBef>
+              <a:spcAft>
+                <a:spcPts val="0"/>
+              </a:spcAft>
+              <a:buSzPts val="1400"/>
+              <a:buFont typeface="Arial"/>
+              <a:buChar char="●"/>
+            </a:pPr>
+            <a:r>
+              <a:rPr lang="en-GB" sz="1400">
+                <a:latin typeface="Arial"/>
+                <a:ea typeface="Arial"/>
+                <a:cs typeface="Arial"/>
+                <a:sym typeface="Arial"/>
+              </a:rPr>
+              <a:t>Net zero refers to achieving a balance between the amount of greenhouse gas emissions produced and the amount removed from the atmosphere, resulting in no net increase in emissions.</a:t>
+            </a:r>
+            <a:endParaRPr>
+              <a:latin typeface="Gill Sans"/>
+              <a:ea typeface="Gill Sans"/>
+              <a:cs typeface="Gill Sans"/>
+              <a:sym typeface="Gill Sans"/>
+            </a:endParaRPr>
+          </a:p>
+        </p:txBody>
+      </p:sp>
+      <p:sp>
+        <p:nvSpPr>
+          <p:cNvPr id="84" name="Google Shape;84;p16"/>
+          <p:cNvSpPr txBox="1">
+            <a:spLocks noGrp="1"/>
+          </p:cNvSpPr>
+          <p:nvPr>
+            <p:ph type="body" idx="2"/>
+          </p:nvPr>
+        </p:nvSpPr>
+        <p:spPr>
+          <a:xfrm>
+            <a:off x="4832400" y="1152475"/>
+            <a:ext cx="3999900" cy="3416400"/>
+          </a:xfrm>
+          <a:prstGeom prst="rect">
+            <a:avLst/>
+          </a:prstGeom>
+        </p:spPr>
+        <p:txBody>
+          <a:bodyPr spcFirstLastPara="1" wrap="square" lIns="91425" tIns="91425" rIns="91425" bIns="91425" anchor="t" anchorCtr="0">
+            <a:noAutofit/>
+          </a:bodyPr>
+          <a:lstStyle/>
+          <a:p>
+            <a:pPr marL="0" lvl="0" indent="0" algn="l" rtl="0">
+              <a:spcBef>
+                <a:spcPts val="0"/>
+              </a:spcBef>
+              <a:spcAft>
+                <a:spcPts val="0"/>
+              </a:spcAft>
+              <a:buNone/>
+            </a:pPr>
+            <a:r>
+              <a:rPr lang="en-GB" sz="1800">
+                <a:latin typeface="Arial"/>
+                <a:ea typeface="Arial"/>
+                <a:cs typeface="Arial"/>
+                <a:sym typeface="Arial"/>
+              </a:rPr>
+              <a:t>Importance</a:t>
+            </a:r>
+            <a:endParaRPr sz="1800">
+              <a:latin typeface="Arial"/>
+              <a:ea typeface="Arial"/>
+              <a:cs typeface="Arial"/>
+              <a:sym typeface="Arial"/>
+            </a:endParaRPr>
+          </a:p>
+          <a:p>
+            <a:pPr marL="457200" lvl="0" indent="-342900" algn="l" rtl="0">
+              <a:spcBef>
+                <a:spcPts val="1200"/>
+              </a:spcBef>
+              <a:spcAft>
+                <a:spcPts val="0"/>
+              </a:spcAft>
+              <a:buSzPts val="1800"/>
+              <a:buFont typeface="Arial"/>
+              <a:buChar char="●"/>
+            </a:pPr>
+            <a:r>
+              <a:rPr lang="en-GB" sz="1400">
+                <a:latin typeface="Arial"/>
+                <a:ea typeface="Arial"/>
+                <a:cs typeface="Arial"/>
+                <a:sym typeface="Arial"/>
+              </a:rPr>
+              <a:t>Mitigating climate change is a global priority, and digital research infrastructure users can play a crucial role.</a:t>
+            </a:r>
+            <a:endParaRPr sz="1400">
+              <a:latin typeface="Arial"/>
+              <a:ea typeface="Arial"/>
+              <a:cs typeface="Arial"/>
+              <a:sym typeface="Arial"/>
+            </a:endParaRPr>
+          </a:p>
+          <a:p>
+            <a:pPr marL="457200" lvl="0" indent="-342900" algn="l" rtl="0">
+              <a:spcBef>
+                <a:spcPts val="0"/>
+              </a:spcBef>
+              <a:spcAft>
+                <a:spcPts val="0"/>
+              </a:spcAft>
+              <a:buSzPts val="1800"/>
+              <a:buFont typeface="Arial"/>
+              <a:buChar char="●"/>
+            </a:pPr>
+            <a:r>
+              <a:rPr lang="en-GB" sz="1400">
+                <a:latin typeface="Arial"/>
+                <a:ea typeface="Arial"/>
+                <a:cs typeface="Arial"/>
+                <a:sym typeface="Arial"/>
+              </a:rPr>
+              <a:t>Digital technology and internet are responsible for around 4% of global carbon emissions</a:t>
+            </a:r>
+            <a:endParaRPr sz="1800">
+              <a:latin typeface="Arial"/>
+              <a:ea typeface="Arial"/>
+              <a:cs typeface="Arial"/>
+              <a:sym typeface="Arial"/>
+            </a:endParaRPr>
+          </a:p>
+        </p:txBody>
+      </p:sp>
+    </p:spTree>
+  </p:cSld>
+  <p:clrMapOvr>
+    <a:masterClrMapping/>
+  </p:clrMapOvr>
+</p:sld>
+</file>
+
+<file path=ppt/slides/slide3.xml><?xml version="1.0" encoding="utf-8"?>
+<p:sld xmlns:a="http://schemas.openxmlformats.org/drawingml/2006/main" xmlns:r="http://schemas.openxmlformats.org/officeDocument/2006/relationships" xmlns:p="http://schemas.openxmlformats.org/presentationml/2006/main">
+  <p:cSld>
+    <p:spTree>
+      <p:nvGrpSpPr>
+        <p:cNvPr id="1" name="Shape 74"/>
         <p:cNvGrpSpPr/>
         <p:nvPr/>
       </p:nvGrpSpPr>
@@ -6561,7 +7116,9 @@
       <p:sp>
         <p:nvSpPr>
           <p:cNvPr id="75" name="Google Shape;75;p15"/>
-          <p:cNvSpPr txBox="1"/>
+          <p:cNvSpPr txBox="1">
+            <a:spLocks noGrp="1"/>
+          </p:cNvSpPr>
           <p:nvPr>
             <p:ph type="title"/>
           </p:nvPr>
@@ -6576,12 +7133,12 @@
           </a:prstGeom>
         </p:spPr>
         <p:txBody>
-          <a:bodyPr anchorCtr="0" anchor="t" bIns="91425" lIns="91425" spcFirstLastPara="1" rIns="91425" wrap="square" tIns="91425">
+          <a:bodyPr spcFirstLastPara="1" wrap="square" lIns="91425" tIns="91425" rIns="91425" bIns="91425" anchor="t" anchorCtr="0">
             <a:noAutofit/>
           </a:bodyPr>
           <a:lstStyle/>
           <a:p>
-            <a:pPr indent="0" lvl="0" marL="0" rtl="0" algn="l">
+            <a:pPr marL="0" lvl="0" indent="0" algn="l" rtl="0">
               <a:spcBef>
                 <a:spcPts val="0"/>
               </a:spcBef>
@@ -6591,7 +7148,7 @@
               <a:buNone/>
             </a:pPr>
             <a:r>
-              <a:rPr lang="en-GB">
+              <a:rPr lang="en-GB" dirty="0">
                 <a:latin typeface="Gill Sans"/>
                 <a:ea typeface="Gill Sans"/>
                 <a:cs typeface="Gill Sans"/>
@@ -6599,7 +7156,7 @@
               </a:rPr>
               <a:t>What is digital research infrastructure (DRI)?</a:t>
             </a:r>
-            <a:endParaRPr>
+            <a:endParaRPr dirty="0">
               <a:latin typeface="Gill Sans"/>
               <a:ea typeface="Gill Sans"/>
               <a:cs typeface="Gill Sans"/>
@@ -6611,9 +7168,11 @@
       <p:sp>
         <p:nvSpPr>
           <p:cNvPr id="76" name="Google Shape;76;p15"/>
-          <p:cNvSpPr txBox="1"/>
+          <p:cNvSpPr txBox="1">
+            <a:spLocks noGrp="1"/>
+          </p:cNvSpPr>
           <p:nvPr>
-            <p:ph idx="1" type="body"/>
+            <p:ph type="body" idx="1"/>
           </p:nvPr>
         </p:nvSpPr>
         <p:spPr>
@@ -6626,12 +7185,12 @@
           </a:prstGeom>
         </p:spPr>
         <p:txBody>
-          <a:bodyPr anchorCtr="0" anchor="t" bIns="91425" lIns="91425" spcFirstLastPara="1" rIns="91425" wrap="square" tIns="91425">
+          <a:bodyPr spcFirstLastPara="1" wrap="square" lIns="91425" tIns="91425" rIns="91425" bIns="91425" anchor="t" anchorCtr="0">
             <a:noAutofit/>
           </a:bodyPr>
           <a:lstStyle/>
           <a:p>
-            <a:pPr indent="0" lvl="0" marL="0" rtl="0" algn="l">
+            <a:pPr marL="0" lvl="0" indent="0" algn="l" rtl="0">
               <a:spcBef>
                 <a:spcPts val="0"/>
               </a:spcBef>
@@ -6657,7 +7216,7 @@
             </a:endParaRPr>
           </a:p>
           <a:p>
-            <a:pPr indent="-317500" lvl="0" marL="457200" rtl="0" algn="l">
+            <a:pPr marL="457200" lvl="0" indent="-317500" algn="l" rtl="0">
               <a:spcBef>
                 <a:spcPts val="1200"/>
               </a:spcBef>
@@ -6685,7 +7244,7 @@
             </a:endParaRPr>
           </a:p>
           <a:p>
-            <a:pPr indent="-317500" lvl="0" marL="457200" rtl="0" algn="l">
+            <a:pPr marL="457200" lvl="0" indent="-317500" algn="l" rtl="0">
               <a:spcBef>
                 <a:spcPts val="0"/>
               </a:spcBef>
@@ -6713,7 +7272,7 @@
             </a:endParaRPr>
           </a:p>
           <a:p>
-            <a:pPr indent="-317500" lvl="0" marL="457200" rtl="0" algn="l">
+            <a:pPr marL="457200" lvl="0" indent="-317500" algn="l" rtl="0">
               <a:spcBef>
                 <a:spcPts val="0"/>
               </a:spcBef>
@@ -6741,7 +7300,7 @@
             </a:endParaRPr>
           </a:p>
           <a:p>
-            <a:pPr indent="-317500" lvl="0" marL="457200" rtl="0" algn="l">
+            <a:pPr marL="457200" lvl="0" indent="-317500" algn="l" rtl="0">
               <a:spcBef>
                 <a:spcPts val="0"/>
               </a:spcBef>
@@ -6769,7 +7328,7 @@
             </a:endParaRPr>
           </a:p>
           <a:p>
-            <a:pPr indent="-317500" lvl="0" marL="457200" rtl="0" algn="l">
+            <a:pPr marL="457200" lvl="0" indent="-317500" algn="l" rtl="0">
               <a:spcBef>
                 <a:spcPts val="0"/>
               </a:spcBef>
@@ -6834,12 +7393,12 @@
 </p:sld>
 </file>
 
-<file path=ppt/slides/slide3.xml><?xml version="1.0" encoding="utf-8"?>
-<p:sld xmlns:a="http://schemas.openxmlformats.org/drawingml/2006/main" xmlns:r="http://schemas.openxmlformats.org/officeDocument/2006/relationships" xmlns:mc="http://schemas.openxmlformats.org/markup-compatibility/2006" xmlns:mv="urn:schemas-microsoft-com:mac:vml" xmlns:p="http://schemas.openxmlformats.org/presentationml/2006/main" xmlns:c="http://schemas.openxmlformats.org/drawingml/2006/chart" xmlns:dgm="http://schemas.openxmlformats.org/drawingml/2006/diagram" xmlns:o="urn:schemas-microsoft-com:office:office" xmlns:v="urn:schemas-microsoft-com:vml" xmlns:pvml="urn:schemas-microsoft-com:office:powerpoint" xmlns:com="http://schemas.openxmlformats.org/drawingml/2006/compatibility" xmlns:p14="http://schemas.microsoft.com/office/powerpoint/2010/main" xmlns:p15="http://schemas.microsoft.com/office/powerpoint/2012/main" xmlns:ahyp="http://schemas.microsoft.com/office/drawing/2018/hyperlinkcolor">
+<file path=ppt/slides/slide4.xml><?xml version="1.0" encoding="utf-8"?>
+<p:sld xmlns:a="http://schemas.openxmlformats.org/drawingml/2006/main" xmlns:r="http://schemas.openxmlformats.org/officeDocument/2006/relationships" xmlns:p="http://schemas.openxmlformats.org/presentationml/2006/main">
   <p:cSld>
     <p:spTree>
       <p:nvGrpSpPr>
-        <p:cNvPr id="81" name="Shape 81"/>
+        <p:cNvPr id="1" name="Shape 88"/>
         <p:cNvGrpSpPr/>
         <p:nvPr/>
       </p:nvGrpSpPr>
@@ -6853,8 +7412,10 @@
       </p:grpSpPr>
       <p:sp>
         <p:nvSpPr>
-          <p:cNvPr id="82" name="Google Shape;82;p16"/>
-          <p:cNvSpPr txBox="1"/>
+          <p:cNvPr id="89" name="Google Shape;89;p17"/>
+          <p:cNvSpPr txBox="1">
+            <a:spLocks noGrp="1"/>
+          </p:cNvSpPr>
           <p:nvPr>
             <p:ph type="title"/>
           </p:nvPr>
@@ -6869,12 +7430,12 @@
           </a:prstGeom>
         </p:spPr>
         <p:txBody>
-          <a:bodyPr anchorCtr="0" anchor="t" bIns="91425" lIns="91425" spcFirstLastPara="1" rIns="91425" wrap="square" tIns="91425">
+          <a:bodyPr spcFirstLastPara="1" wrap="square" lIns="91425" tIns="91425" rIns="91425" bIns="91425" anchor="t" anchorCtr="0">
             <a:noAutofit/>
           </a:bodyPr>
           <a:lstStyle/>
           <a:p>
-            <a:pPr indent="0" lvl="0" marL="0" rtl="0" algn="l">
+            <a:pPr marL="0" lvl="0" indent="0" algn="l" rtl="0">
               <a:spcBef>
                 <a:spcPts val="0"/>
               </a:spcBef>
@@ -6884,266 +7445,7 @@
               <a:buNone/>
             </a:pPr>
             <a:r>
-              <a:rPr lang="en-GB">
-                <a:latin typeface="Gill Sans"/>
-                <a:ea typeface="Gill Sans"/>
-                <a:cs typeface="Gill Sans"/>
-                <a:sym typeface="Gill Sans"/>
-              </a:rPr>
-              <a:t>Net Zero - what is it?</a:t>
-            </a:r>
-            <a:endParaRPr>
-              <a:latin typeface="Gill Sans"/>
-              <a:ea typeface="Gill Sans"/>
-              <a:cs typeface="Gill Sans"/>
-              <a:sym typeface="Gill Sans"/>
-            </a:endParaRPr>
-          </a:p>
-        </p:txBody>
-      </p:sp>
-      <p:sp>
-        <p:nvSpPr>
-          <p:cNvPr id="83" name="Google Shape;83;p16"/>
-          <p:cNvSpPr txBox="1"/>
-          <p:nvPr>
-            <p:ph idx="1" type="body"/>
-          </p:nvPr>
-        </p:nvSpPr>
-        <p:spPr>
-          <a:xfrm>
-            <a:off x="311700" y="1152475"/>
-            <a:ext cx="3999900" cy="3416400"/>
-          </a:xfrm>
-          <a:prstGeom prst="rect">
-            <a:avLst/>
-          </a:prstGeom>
-        </p:spPr>
-        <p:txBody>
-          <a:bodyPr anchorCtr="0" anchor="t" bIns="91425" lIns="91425" spcFirstLastPara="1" rIns="91425" wrap="square" tIns="91425">
-            <a:noAutofit/>
-          </a:bodyPr>
-          <a:lstStyle/>
-          <a:p>
-            <a:pPr indent="0" lvl="0" marL="0" rtl="0" algn="l">
-              <a:spcBef>
-                <a:spcPts val="0"/>
-              </a:spcBef>
-              <a:spcAft>
-                <a:spcPts val="0"/>
-              </a:spcAft>
-              <a:buNone/>
-            </a:pPr>
-            <a:r>
-              <a:rPr lang="en-GB" sz="1800">
-                <a:latin typeface="Arial"/>
-                <a:ea typeface="Arial"/>
-                <a:cs typeface="Arial"/>
-                <a:sym typeface="Arial"/>
-              </a:rPr>
-              <a:t>Definition: </a:t>
-            </a:r>
-            <a:endParaRPr sz="1800">
-              <a:latin typeface="Arial"/>
-              <a:ea typeface="Arial"/>
-              <a:cs typeface="Arial"/>
-              <a:sym typeface="Arial"/>
-            </a:endParaRPr>
-          </a:p>
-          <a:p>
-            <a:pPr indent="-317500" lvl="0" marL="457200" rtl="0" algn="l">
-              <a:spcBef>
-                <a:spcPts val="1200"/>
-              </a:spcBef>
-              <a:spcAft>
-                <a:spcPts val="0"/>
-              </a:spcAft>
-              <a:buSzPts val="1400"/>
-              <a:buFont typeface="Arial"/>
-              <a:buChar char="●"/>
-            </a:pPr>
-            <a:r>
-              <a:rPr lang="en-GB" sz="1400">
-                <a:latin typeface="Arial"/>
-                <a:ea typeface="Arial"/>
-                <a:cs typeface="Arial"/>
-                <a:sym typeface="Arial"/>
-              </a:rPr>
-              <a:t>Net zero refers to achieving a balance between the amount of greenhouse gas emissions produced and the amount removed from the atmosphere, resulting in no net increase in emissions.</a:t>
-            </a:r>
-            <a:endParaRPr>
-              <a:latin typeface="Gill Sans"/>
-              <a:ea typeface="Gill Sans"/>
-              <a:cs typeface="Gill Sans"/>
-              <a:sym typeface="Gill Sans"/>
-            </a:endParaRPr>
-          </a:p>
-        </p:txBody>
-      </p:sp>
-      <p:sp>
-        <p:nvSpPr>
-          <p:cNvPr id="84" name="Google Shape;84;p16"/>
-          <p:cNvSpPr txBox="1"/>
-          <p:nvPr>
-            <p:ph idx="2" type="body"/>
-          </p:nvPr>
-        </p:nvSpPr>
-        <p:spPr>
-          <a:xfrm>
-            <a:off x="4832400" y="1152475"/>
-            <a:ext cx="3999900" cy="3416400"/>
-          </a:xfrm>
-          <a:prstGeom prst="rect">
-            <a:avLst/>
-          </a:prstGeom>
-        </p:spPr>
-        <p:txBody>
-          <a:bodyPr anchorCtr="0" anchor="t" bIns="91425" lIns="91425" spcFirstLastPara="1" rIns="91425" wrap="square" tIns="91425">
-            <a:noAutofit/>
-          </a:bodyPr>
-          <a:lstStyle/>
-          <a:p>
-            <a:pPr indent="0" lvl="0" marL="0" rtl="0" algn="l">
-              <a:spcBef>
-                <a:spcPts val="0"/>
-              </a:spcBef>
-              <a:spcAft>
-                <a:spcPts val="0"/>
-              </a:spcAft>
-              <a:buNone/>
-            </a:pPr>
-            <a:r>
-              <a:rPr lang="en-GB" sz="1800">
-                <a:latin typeface="Arial"/>
-                <a:ea typeface="Arial"/>
-                <a:cs typeface="Arial"/>
-                <a:sym typeface="Arial"/>
-              </a:rPr>
-              <a:t>Importance</a:t>
-            </a:r>
-            <a:endParaRPr sz="1800">
-              <a:latin typeface="Arial"/>
-              <a:ea typeface="Arial"/>
-              <a:cs typeface="Arial"/>
-              <a:sym typeface="Arial"/>
-            </a:endParaRPr>
-          </a:p>
-          <a:p>
-            <a:pPr indent="-342900" lvl="0" marL="457200" rtl="0" algn="l">
-              <a:spcBef>
-                <a:spcPts val="1200"/>
-              </a:spcBef>
-              <a:spcAft>
-                <a:spcPts val="0"/>
-              </a:spcAft>
-              <a:buSzPts val="1800"/>
-              <a:buFont typeface="Arial"/>
-              <a:buChar char="●"/>
-            </a:pPr>
-            <a:r>
-              <a:rPr lang="en-GB" sz="1400">
-                <a:latin typeface="Arial"/>
-                <a:ea typeface="Arial"/>
-                <a:cs typeface="Arial"/>
-                <a:sym typeface="Arial"/>
-              </a:rPr>
-              <a:t>Mitigating climate change is a global priority, and digital research infrastructure users can play a crucial role.</a:t>
-            </a:r>
-            <a:endParaRPr sz="1400">
-              <a:latin typeface="Arial"/>
-              <a:ea typeface="Arial"/>
-              <a:cs typeface="Arial"/>
-              <a:sym typeface="Arial"/>
-            </a:endParaRPr>
-          </a:p>
-          <a:p>
-            <a:pPr indent="-342900" lvl="0" marL="457200" rtl="0" algn="l">
-              <a:spcBef>
-                <a:spcPts val="0"/>
-              </a:spcBef>
-              <a:spcAft>
-                <a:spcPts val="0"/>
-              </a:spcAft>
-              <a:buSzPts val="1800"/>
-              <a:buFont typeface="Arial"/>
-              <a:buChar char="●"/>
-            </a:pPr>
-            <a:r>
-              <a:rPr lang="en-GB" sz="1400">
-                <a:latin typeface="Arial"/>
-                <a:ea typeface="Arial"/>
-                <a:cs typeface="Arial"/>
-                <a:sym typeface="Arial"/>
-              </a:rPr>
-              <a:t>Digital technology and internet are responsible for around 4% of global carbon emissions</a:t>
-            </a:r>
-            <a:endParaRPr sz="1800">
-              <a:latin typeface="Arial"/>
-              <a:ea typeface="Arial"/>
-              <a:cs typeface="Arial"/>
-              <a:sym typeface="Arial"/>
-            </a:endParaRPr>
-          </a:p>
-        </p:txBody>
-      </p:sp>
-    </p:spTree>
-  </p:cSld>
-  <p:clrMapOvr>
-    <a:masterClrMapping/>
-  </p:clrMapOvr>
-</p:sld>
-</file>
-
-<file path=ppt/slides/slide4.xml><?xml version="1.0" encoding="utf-8"?>
-<p:sld xmlns:a="http://schemas.openxmlformats.org/drawingml/2006/main" xmlns:r="http://schemas.openxmlformats.org/officeDocument/2006/relationships" xmlns:mc="http://schemas.openxmlformats.org/markup-compatibility/2006" xmlns:mv="urn:schemas-microsoft-com:mac:vml" xmlns:p="http://schemas.openxmlformats.org/presentationml/2006/main" xmlns:c="http://schemas.openxmlformats.org/drawingml/2006/chart" xmlns:dgm="http://schemas.openxmlformats.org/drawingml/2006/diagram" xmlns:o="urn:schemas-microsoft-com:office:office" xmlns:v="urn:schemas-microsoft-com:vml" xmlns:pvml="urn:schemas-microsoft-com:office:powerpoint" xmlns:com="http://schemas.openxmlformats.org/drawingml/2006/compatibility" xmlns:p14="http://schemas.microsoft.com/office/powerpoint/2010/main" xmlns:p15="http://schemas.microsoft.com/office/powerpoint/2012/main" xmlns:ahyp="http://schemas.microsoft.com/office/drawing/2018/hyperlinkcolor">
-  <p:cSld>
-    <p:spTree>
-      <p:nvGrpSpPr>
-        <p:cNvPr id="88" name="Shape 88"/>
-        <p:cNvGrpSpPr/>
-        <p:nvPr/>
-      </p:nvGrpSpPr>
-      <p:grpSpPr>
-        <a:xfrm>
-          <a:off x="0" y="0"/>
-          <a:ext cx="0" cy="0"/>
-          <a:chOff x="0" y="0"/>
-          <a:chExt cx="0" cy="0"/>
-        </a:xfrm>
-      </p:grpSpPr>
-      <p:sp>
-        <p:nvSpPr>
-          <p:cNvPr id="89" name="Google Shape;89;p17"/>
-          <p:cNvSpPr txBox="1"/>
-          <p:nvPr>
-            <p:ph type="title"/>
-          </p:nvPr>
-        </p:nvSpPr>
-        <p:spPr>
-          <a:xfrm>
-            <a:off x="311700" y="445025"/>
-            <a:ext cx="8520600" cy="572700"/>
-          </a:xfrm>
-          <a:prstGeom prst="rect">
-            <a:avLst/>
-          </a:prstGeom>
-        </p:spPr>
-        <p:txBody>
-          <a:bodyPr anchorCtr="0" anchor="t" bIns="91425" lIns="91425" spcFirstLastPara="1" rIns="91425" wrap="square" tIns="91425">
-            <a:noAutofit/>
-          </a:bodyPr>
-          <a:lstStyle/>
-          <a:p>
-            <a:pPr indent="0" lvl="0" marL="0" rtl="0" algn="l">
-              <a:spcBef>
-                <a:spcPts val="0"/>
-              </a:spcBef>
-              <a:spcAft>
-                <a:spcPts val="0"/>
-              </a:spcAft>
-              <a:buNone/>
-            </a:pPr>
-            <a:r>
-              <a:rPr lang="en-GB" sz="2400">
+              <a:rPr lang="en-GB" sz="2400" dirty="0">
                 <a:latin typeface="Gill Sans"/>
                 <a:ea typeface="Gill Sans"/>
                 <a:cs typeface="Gill Sans"/>
@@ -7151,7 +7453,7 @@
               </a:rPr>
               <a:t>Key areas contributing to digital research infrastructure emissions</a:t>
             </a:r>
-            <a:endParaRPr>
+            <a:endParaRPr dirty="0">
               <a:latin typeface="Gill Sans"/>
               <a:ea typeface="Gill Sans"/>
               <a:cs typeface="Gill Sans"/>
@@ -7163,9 +7465,11 @@
       <p:sp>
         <p:nvSpPr>
           <p:cNvPr id="90" name="Google Shape;90;p17"/>
-          <p:cNvSpPr txBox="1"/>
+          <p:cNvSpPr txBox="1">
+            <a:spLocks noGrp="1"/>
+          </p:cNvSpPr>
           <p:nvPr>
-            <p:ph idx="1" type="body"/>
+            <p:ph type="body" idx="1"/>
           </p:nvPr>
         </p:nvSpPr>
         <p:spPr>
@@ -7178,12 +7482,12 @@
           </a:prstGeom>
         </p:spPr>
         <p:txBody>
-          <a:bodyPr anchorCtr="0" anchor="t" bIns="91425" lIns="91425" spcFirstLastPara="1" rIns="91425" wrap="square" tIns="91425">
+          <a:bodyPr spcFirstLastPara="1" wrap="square" lIns="91425" tIns="91425" rIns="91425" bIns="91425" anchor="t" anchorCtr="0">
             <a:noAutofit/>
           </a:bodyPr>
           <a:lstStyle/>
           <a:p>
-            <a:pPr indent="-317500" lvl="0" marL="457200" rtl="0" algn="l">
+            <a:pPr marL="457200" lvl="0" indent="-317500" algn="l" rtl="0">
               <a:spcBef>
                 <a:spcPts val="0"/>
               </a:spcBef>
@@ -7195,7 +7499,7 @@
               <a:buChar char="●"/>
             </a:pPr>
             <a:r>
-              <a:rPr lang="en-GB">
+              <a:rPr lang="en-GB" dirty="0">
                 <a:latin typeface="Arial"/>
                 <a:ea typeface="Arial"/>
                 <a:cs typeface="Arial"/>
@@ -7203,7 +7507,7 @@
               </a:rPr>
               <a:t>Embodied carbon in equipment</a:t>
             </a:r>
-            <a:endParaRPr>
+            <a:endParaRPr dirty="0">
               <a:latin typeface="Arial"/>
               <a:ea typeface="Arial"/>
               <a:cs typeface="Arial"/>
@@ -7211,7 +7515,7 @@
             </a:endParaRPr>
           </a:p>
           <a:p>
-            <a:pPr indent="-317500" lvl="0" marL="457200" rtl="0" algn="l">
+            <a:pPr marL="457200" lvl="0" indent="-317500" algn="l" rtl="0">
               <a:spcBef>
                 <a:spcPts val="0"/>
               </a:spcBef>
@@ -7223,7 +7527,7 @@
               <a:buChar char="●"/>
             </a:pPr>
             <a:r>
-              <a:rPr lang="en-GB">
+              <a:rPr lang="en-GB" dirty="0">
                 <a:latin typeface="Arial"/>
                 <a:ea typeface="Arial"/>
                 <a:cs typeface="Arial"/>
@@ -7231,7 +7535,7 @@
               </a:rPr>
               <a:t>Manufacture of hardware (including the footprint of extracting raw materials)</a:t>
             </a:r>
-            <a:endParaRPr>
+            <a:endParaRPr dirty="0">
               <a:latin typeface="Arial"/>
               <a:ea typeface="Arial"/>
               <a:cs typeface="Arial"/>
@@ -7239,7 +7543,7 @@
             </a:endParaRPr>
           </a:p>
           <a:p>
-            <a:pPr indent="-317500" lvl="0" marL="457200" rtl="0" algn="l">
+            <a:pPr marL="457200" lvl="0" indent="-317500" algn="l" rtl="0">
               <a:spcBef>
                 <a:spcPts val="0"/>
               </a:spcBef>
@@ -7251,7 +7555,7 @@
               <a:buChar char="●"/>
             </a:pPr>
             <a:r>
-              <a:rPr lang="en-GB">
+              <a:rPr lang="en-GB" dirty="0">
                 <a:latin typeface="Arial"/>
                 <a:ea typeface="Arial"/>
                 <a:cs typeface="Arial"/>
@@ -7259,7 +7563,7 @@
               </a:rPr>
               <a:t>Emissions associated with the use of electricity to power computer equipment </a:t>
             </a:r>
-            <a:endParaRPr>
+            <a:endParaRPr dirty="0">
               <a:latin typeface="Arial"/>
               <a:ea typeface="Arial"/>
               <a:cs typeface="Arial"/>
@@ -7267,7 +7571,7 @@
             </a:endParaRPr>
           </a:p>
           <a:p>
-            <a:pPr indent="-317500" lvl="0" marL="457200" rtl="0" algn="l">
+            <a:pPr marL="457200" lvl="0" indent="-317500" algn="l" rtl="0">
               <a:spcBef>
                 <a:spcPts val="0"/>
               </a:spcBef>
@@ -7279,7 +7583,7 @@
               <a:buChar char="●"/>
             </a:pPr>
             <a:r>
-              <a:rPr lang="en-GB">
+              <a:rPr lang="en-GB" dirty="0">
                 <a:latin typeface="Arial"/>
                 <a:ea typeface="Arial"/>
                 <a:cs typeface="Arial"/>
@@ -7287,7 +7591,7 @@
               </a:rPr>
               <a:t>Energy for power distribution and cooling storage</a:t>
             </a:r>
-            <a:endParaRPr>
+            <a:endParaRPr dirty="0">
               <a:latin typeface="Arial"/>
               <a:ea typeface="Arial"/>
               <a:cs typeface="Arial"/>
@@ -7333,11 +7637,99 @@
 </file>
 
 <file path=ppt/slides/slide5.xml><?xml version="1.0" encoding="utf-8"?>
-<p:sld xmlns:a="http://schemas.openxmlformats.org/drawingml/2006/main" xmlns:r="http://schemas.openxmlformats.org/officeDocument/2006/relationships" xmlns:mc="http://schemas.openxmlformats.org/markup-compatibility/2006" xmlns:mv="urn:schemas-microsoft-com:mac:vml" xmlns:p="http://schemas.openxmlformats.org/presentationml/2006/main" xmlns:c="http://schemas.openxmlformats.org/drawingml/2006/chart" xmlns:dgm="http://schemas.openxmlformats.org/drawingml/2006/diagram" xmlns:o="urn:schemas-microsoft-com:office:office" xmlns:v="urn:schemas-microsoft-com:vml" xmlns:pvml="urn:schemas-microsoft-com:office:powerpoint" xmlns:com="http://schemas.openxmlformats.org/drawingml/2006/compatibility" xmlns:p14="http://schemas.microsoft.com/office/powerpoint/2010/main" xmlns:p15="http://schemas.microsoft.com/office/powerpoint/2012/main" xmlns:ahyp="http://schemas.microsoft.com/office/drawing/2018/hyperlinkcolor">
+<p:sld xmlns:a="http://schemas.openxmlformats.org/drawingml/2006/main" xmlns:r="http://schemas.openxmlformats.org/officeDocument/2006/relationships" xmlns:p="http://schemas.openxmlformats.org/presentationml/2006/main">
   <p:cSld>
     <p:spTree>
       <p:nvGrpSpPr>
-        <p:cNvPr id="95" name="Shape 95"/>
+        <p:cNvPr id="1" name=""/>
+        <p:cNvGrpSpPr/>
+        <p:nvPr/>
+      </p:nvGrpSpPr>
+      <p:grpSpPr>
+        <a:xfrm>
+          <a:off x="0" y="0"/>
+          <a:ext cx="0" cy="0"/>
+          <a:chOff x="0" y="0"/>
+          <a:chExt cx="0" cy="0"/>
+        </a:xfrm>
+      </p:grpSpPr>
+      <p:sp>
+        <p:nvSpPr>
+          <p:cNvPr id="2" name="Title 1">
+            <a:extLst>
+              <a:ext uri="{FF2B5EF4-FFF2-40B4-BE49-F238E27FC236}">
+                <a16:creationId xmlns:a16="http://schemas.microsoft.com/office/drawing/2014/main" id="{3478ED0D-3396-D220-0640-BA7B2CDDD263}"/>
+              </a:ext>
+            </a:extLst>
+          </p:cNvPr>
+          <p:cNvSpPr>
+            <a:spLocks noGrp="1"/>
+          </p:cNvSpPr>
+          <p:nvPr>
+            <p:ph type="title"/>
+          </p:nvPr>
+        </p:nvSpPr>
+        <p:spPr/>
+        <p:txBody>
+          <a:bodyPr/>
+          <a:lstStyle/>
+          <a:p>
+            <a:r>
+              <a:rPr lang="en-GB" dirty="0"/>
+              <a:t>An example - power usage in the JASMIN building</a:t>
+            </a:r>
+          </a:p>
+        </p:txBody>
+      </p:sp>
+      <p:pic>
+        <p:nvPicPr>
+          <p:cNvPr id="6" name="Picture 5" descr="A graph with different colored lines&#10;&#10;Description automatically generated">
+            <a:extLst>
+              <a:ext uri="{FF2B5EF4-FFF2-40B4-BE49-F238E27FC236}">
+                <a16:creationId xmlns:a16="http://schemas.microsoft.com/office/drawing/2014/main" id="{9B0E4D68-8917-5E66-5133-1DB2FCB0540F}"/>
+              </a:ext>
+            </a:extLst>
+          </p:cNvPr>
+          <p:cNvPicPr>
+            <a:picLocks noChangeAspect="1"/>
+          </p:cNvPicPr>
+          <p:nvPr/>
+        </p:nvPicPr>
+        <p:blipFill>
+          <a:blip r:embed="rId2"/>
+          <a:stretch>
+            <a:fillRect/>
+          </a:stretch>
+        </p:blipFill>
+        <p:spPr>
+          <a:xfrm>
+            <a:off x="232830" y="1190664"/>
+            <a:ext cx="8599470" cy="2636334"/>
+          </a:xfrm>
+          <a:prstGeom prst="rect">
+            <a:avLst/>
+          </a:prstGeom>
+        </p:spPr>
+      </p:pic>
+    </p:spTree>
+    <p:extLst>
+      <p:ext uri="{BB962C8B-B14F-4D97-AF65-F5344CB8AC3E}">
+        <p14:creationId xmlns:p14="http://schemas.microsoft.com/office/powerpoint/2010/main" val="3808087592"/>
+      </p:ext>
+    </p:extLst>
+  </p:cSld>
+  <p:clrMapOvr>
+    <a:masterClrMapping/>
+  </p:clrMapOvr>
+</p:sld>
+</file>
+
+<file path=ppt/slides/slide6.xml><?xml version="1.0" encoding="utf-8"?>
+<p:sld xmlns:a="http://schemas.openxmlformats.org/drawingml/2006/main" xmlns:r="http://schemas.openxmlformats.org/officeDocument/2006/relationships" xmlns:p="http://schemas.openxmlformats.org/presentationml/2006/main">
+  <p:cSld>
+    <p:spTree>
+      <p:nvGrpSpPr>
+        <p:cNvPr id="1" name="Shape 95"/>
         <p:cNvGrpSpPr/>
         <p:nvPr/>
       </p:nvGrpSpPr>
@@ -7352,7 +7744,9 @@
       <p:sp>
         <p:nvSpPr>
           <p:cNvPr id="96" name="Google Shape;96;p18"/>
-          <p:cNvSpPr txBox="1"/>
+          <p:cNvSpPr txBox="1">
+            <a:spLocks noGrp="1"/>
+          </p:cNvSpPr>
           <p:nvPr>
             <p:ph type="title"/>
           </p:nvPr>
@@ -7367,12 +7761,12 @@
           </a:prstGeom>
         </p:spPr>
         <p:txBody>
-          <a:bodyPr anchorCtr="0" anchor="t" bIns="91425" lIns="91425" spcFirstLastPara="1" rIns="91425" wrap="square" tIns="91425">
+          <a:bodyPr spcFirstLastPara="1" wrap="square" lIns="91425" tIns="91425" rIns="91425" bIns="91425" anchor="t" anchorCtr="0">
             <a:noAutofit/>
           </a:bodyPr>
           <a:lstStyle/>
           <a:p>
-            <a:pPr indent="0" lvl="0" marL="0" rtl="0" algn="l">
+            <a:pPr marL="0" lvl="0" indent="0" algn="l" rtl="0">
               <a:spcBef>
                 <a:spcPts val="0"/>
               </a:spcBef>
@@ -7402,9 +7796,11 @@
       <p:sp>
         <p:nvSpPr>
           <p:cNvPr id="97" name="Google Shape;97;p18"/>
-          <p:cNvSpPr txBox="1"/>
+          <p:cNvSpPr txBox="1">
+            <a:spLocks noGrp="1"/>
+          </p:cNvSpPr>
           <p:nvPr>
-            <p:ph idx="1" type="body"/>
+            <p:ph type="body" idx="1"/>
           </p:nvPr>
         </p:nvSpPr>
         <p:spPr>
@@ -7417,12 +7813,12 @@
           </a:prstGeom>
         </p:spPr>
         <p:txBody>
-          <a:bodyPr anchorCtr="0" anchor="t" bIns="91425" lIns="91425" spcFirstLastPara="1" rIns="91425" wrap="square" tIns="91425">
+          <a:bodyPr spcFirstLastPara="1" wrap="square" lIns="91425" tIns="91425" rIns="91425" bIns="91425" anchor="t" anchorCtr="0">
             <a:noAutofit/>
           </a:bodyPr>
           <a:lstStyle/>
           <a:p>
-            <a:pPr indent="0" lvl="0" marL="0" marR="0" rtl="0" algn="l">
+            <a:pPr marL="0" marR="0" lvl="0" indent="0" algn="l" rtl="0">
               <a:lnSpc>
                 <a:spcPct val="115000"/>
               </a:lnSpc>
@@ -7435,7 +7831,7 @@
               <a:buNone/>
             </a:pPr>
             <a:r>
-              <a:rPr lang="en-GB" sz="1800">
+              <a:rPr lang="en-GB" sz="1800" dirty="0">
                 <a:latin typeface="Arial"/>
                 <a:ea typeface="Arial"/>
                 <a:cs typeface="Arial"/>
@@ -7443,7 +7839,7 @@
               </a:rPr>
               <a:t>Reduce Energy Consumption</a:t>
             </a:r>
-            <a:endParaRPr sz="1800">
+            <a:endParaRPr sz="1800" dirty="0">
               <a:latin typeface="Arial"/>
               <a:ea typeface="Arial"/>
               <a:cs typeface="Arial"/>
@@ -7451,7 +7847,7 @@
             </a:endParaRPr>
           </a:p>
           <a:p>
-            <a:pPr indent="-342900" lvl="0" marL="457200" marR="0" rtl="0" algn="l">
+            <a:pPr marL="457200" marR="0" lvl="0" indent="-342900" algn="l" rtl="0">
               <a:lnSpc>
                 <a:spcPct val="115000"/>
               </a:lnSpc>
@@ -7466,7 +7862,7 @@
               <a:buChar char="●"/>
             </a:pPr>
             <a:r>
-              <a:rPr lang="en-GB" sz="1800">
+              <a:rPr lang="en-GB" dirty="0">
                 <a:latin typeface="Arial"/>
                 <a:ea typeface="Arial"/>
                 <a:cs typeface="Arial"/>
@@ -7474,7 +7870,7 @@
               </a:rPr>
               <a:t>Optimise server utilisation</a:t>
             </a:r>
-            <a:endParaRPr sz="1800">
+            <a:endParaRPr dirty="0">
               <a:latin typeface="Arial"/>
               <a:ea typeface="Arial"/>
               <a:cs typeface="Arial"/>
@@ -7482,7 +7878,7 @@
             </a:endParaRPr>
           </a:p>
           <a:p>
-            <a:pPr indent="-342900" lvl="1" marL="914400" marR="0" rtl="0" algn="l">
+            <a:pPr marL="914400" marR="0" lvl="1" indent="-342900" algn="l" rtl="0">
               <a:lnSpc>
                 <a:spcPct val="115000"/>
               </a:lnSpc>
@@ -7497,7 +7893,7 @@
               <a:buChar char="○"/>
             </a:pPr>
             <a:r>
-              <a:rPr lang="en-GB" sz="1800">
+              <a:rPr lang="en-GB" sz="1400" dirty="0">
                 <a:latin typeface="Arial"/>
                 <a:ea typeface="Arial"/>
                 <a:cs typeface="Arial"/>
@@ -7505,7 +7901,7 @@
               </a:rPr>
               <a:t>Ensure efficient use of computational resources to minimise energy waste.</a:t>
             </a:r>
-            <a:endParaRPr sz="1800">
+            <a:endParaRPr sz="1400" dirty="0">
               <a:latin typeface="Arial"/>
               <a:ea typeface="Arial"/>
               <a:cs typeface="Arial"/>
@@ -7513,7 +7909,7 @@
             </a:endParaRPr>
           </a:p>
           <a:p>
-            <a:pPr indent="-342900" lvl="0" marL="457200" marR="0" rtl="0" algn="l">
+            <a:pPr marL="457200" marR="0" lvl="0" indent="-342900" algn="l" rtl="0">
               <a:lnSpc>
                 <a:spcPct val="115000"/>
               </a:lnSpc>
@@ -7528,7 +7924,7 @@
               <a:buChar char="●"/>
             </a:pPr>
             <a:r>
-              <a:rPr lang="en-GB" sz="1800">
+              <a:rPr lang="en-GB" dirty="0">
                 <a:latin typeface="Arial"/>
                 <a:ea typeface="Arial"/>
                 <a:cs typeface="Arial"/>
@@ -7536,7 +7932,7 @@
               </a:rPr>
               <a:t>Implement power-saving features</a:t>
             </a:r>
-            <a:endParaRPr sz="1800">
+            <a:endParaRPr dirty="0">
               <a:latin typeface="Arial"/>
               <a:ea typeface="Arial"/>
               <a:cs typeface="Arial"/>
@@ -7544,7 +7940,7 @@
             </a:endParaRPr>
           </a:p>
           <a:p>
-            <a:pPr indent="-342900" lvl="1" marL="914400" marR="0" rtl="0" algn="l">
+            <a:pPr marL="914400" marR="0" lvl="1" indent="-342900" algn="l" rtl="0">
               <a:lnSpc>
                 <a:spcPct val="115000"/>
               </a:lnSpc>
@@ -7559,7 +7955,7 @@
               <a:buChar char="○"/>
             </a:pPr>
             <a:r>
-              <a:rPr lang="en-GB" sz="1800">
+              <a:rPr lang="en-GB" sz="1400" dirty="0">
                 <a:latin typeface="Arial"/>
                 <a:ea typeface="Arial"/>
                 <a:cs typeface="Arial"/>
@@ -7567,7 +7963,7 @@
               </a:rPr>
               <a:t>Configure hardware and software to reduce energy consumption during idle periods.</a:t>
             </a:r>
-            <a:endParaRPr>
+            <a:endParaRPr sz="1400" dirty="0">
               <a:latin typeface="Arial"/>
               <a:ea typeface="Arial"/>
               <a:cs typeface="Arial"/>
@@ -7612,12 +8008,216 @@
 </p:sld>
 </file>
 
-<file path=ppt/slides/slide6.xml><?xml version="1.0" encoding="utf-8"?>
-<p:sld xmlns:a="http://schemas.openxmlformats.org/drawingml/2006/main" xmlns:r="http://schemas.openxmlformats.org/officeDocument/2006/relationships" xmlns:mc="http://schemas.openxmlformats.org/markup-compatibility/2006" xmlns:mv="urn:schemas-microsoft-com:mac:vml" xmlns:p="http://schemas.openxmlformats.org/presentationml/2006/main" xmlns:c="http://schemas.openxmlformats.org/drawingml/2006/chart" xmlns:dgm="http://schemas.openxmlformats.org/drawingml/2006/diagram" xmlns:o="urn:schemas-microsoft-com:office:office" xmlns:v="urn:schemas-microsoft-com:vml" xmlns:pvml="urn:schemas-microsoft-com:office:powerpoint" xmlns:com="http://schemas.openxmlformats.org/drawingml/2006/compatibility" xmlns:p14="http://schemas.microsoft.com/office/powerpoint/2010/main" xmlns:p15="http://schemas.microsoft.com/office/powerpoint/2012/main" xmlns:ahyp="http://schemas.microsoft.com/office/drawing/2018/hyperlinkcolor">
+<file path=ppt/slides/slide7.xml><?xml version="1.0" encoding="utf-8"?>
+<p:sld xmlns:a="http://schemas.openxmlformats.org/drawingml/2006/main" xmlns:r="http://schemas.openxmlformats.org/officeDocument/2006/relationships" xmlns:p="http://schemas.openxmlformats.org/presentationml/2006/main">
   <p:cSld>
     <p:spTree>
       <p:nvGrpSpPr>
-        <p:cNvPr id="102" name="Shape 102"/>
+        <p:cNvPr id="1" name=""/>
+        <p:cNvGrpSpPr/>
+        <p:nvPr/>
+      </p:nvGrpSpPr>
+      <p:grpSpPr>
+        <a:xfrm>
+          <a:off x="0" y="0"/>
+          <a:ext cx="0" cy="0"/>
+          <a:chOff x="0" y="0"/>
+          <a:chExt cx="0" cy="0"/>
+        </a:xfrm>
+      </p:grpSpPr>
+      <p:sp>
+        <p:nvSpPr>
+          <p:cNvPr id="2" name="Title 1">
+            <a:extLst>
+              <a:ext uri="{FF2B5EF4-FFF2-40B4-BE49-F238E27FC236}">
+                <a16:creationId xmlns:a16="http://schemas.microsoft.com/office/drawing/2014/main" id="{8CE0A261-431D-0680-52E3-8999A54A3C22}"/>
+              </a:ext>
+            </a:extLst>
+          </p:cNvPr>
+          <p:cNvSpPr>
+            <a:spLocks noGrp="1"/>
+          </p:cNvSpPr>
+          <p:nvPr>
+            <p:ph type="title"/>
+          </p:nvPr>
+        </p:nvSpPr>
+        <p:spPr>
+          <a:xfrm>
+            <a:off x="311700" y="265230"/>
+            <a:ext cx="8520600" cy="572700"/>
+          </a:xfrm>
+        </p:spPr>
+        <p:txBody>
+          <a:bodyPr/>
+          <a:lstStyle/>
+          <a:p>
+            <a:r>
+              <a:rPr lang="en-GB" dirty="0">
+                <a:latin typeface="Gill Sans" panose="020B0604020202020204" charset="0"/>
+              </a:rPr>
+              <a:t>Efficient data storage and usage</a:t>
+            </a:r>
+          </a:p>
+        </p:txBody>
+      </p:sp>
+      <p:sp>
+        <p:nvSpPr>
+          <p:cNvPr id="3" name="Text Placeholder 2">
+            <a:extLst>
+              <a:ext uri="{FF2B5EF4-FFF2-40B4-BE49-F238E27FC236}">
+                <a16:creationId xmlns:a16="http://schemas.microsoft.com/office/drawing/2014/main" id="{56AD8005-0961-6BCF-5C5C-2D12E17194D4}"/>
+              </a:ext>
+            </a:extLst>
+          </p:cNvPr>
+          <p:cNvSpPr>
+            <a:spLocks noGrp="1"/>
+          </p:cNvSpPr>
+          <p:nvPr>
+            <p:ph type="body" idx="1"/>
+          </p:nvPr>
+        </p:nvSpPr>
+        <p:spPr>
+          <a:xfrm>
+            <a:off x="311700" y="919537"/>
+            <a:ext cx="6433284" cy="3825354"/>
+          </a:xfrm>
+        </p:spPr>
+        <p:txBody>
+          <a:bodyPr/>
+          <a:lstStyle/>
+          <a:p>
+            <a:r>
+              <a:rPr lang="en-GB" sz="1800" dirty="0">
+                <a:solidFill>
+                  <a:schemeClr val="tx1"/>
+                </a:solidFill>
+                <a:latin typeface="+mn-lt"/>
+              </a:rPr>
+              <a:t>Don’t make multiple copies of big data!</a:t>
+            </a:r>
+          </a:p>
+          <a:p>
+            <a:pPr lvl="1"/>
+            <a:r>
+              <a:rPr lang="en-GB" sz="1400" dirty="0">
+                <a:solidFill>
+                  <a:schemeClr val="tx1"/>
+                </a:solidFill>
+                <a:latin typeface="+mj-lt"/>
+              </a:rPr>
+              <a:t>Provide links to where the data are stored rather than attaching multiple copies to emails</a:t>
+            </a:r>
+          </a:p>
+          <a:p>
+            <a:pPr lvl="1"/>
+            <a:r>
+              <a:rPr lang="en-GB" sz="1400" dirty="0">
+                <a:solidFill>
+                  <a:schemeClr val="tx1"/>
+                </a:solidFill>
+                <a:latin typeface="+mj-lt"/>
+              </a:rPr>
+              <a:t>A JASMIN Group Workspace (GWS) can be used to collaborate with co-workers</a:t>
+            </a:r>
+          </a:p>
+          <a:p>
+            <a:pPr marL="609600" lvl="1" indent="0">
+              <a:buNone/>
+            </a:pPr>
+            <a:endParaRPr lang="en-GB" sz="800" dirty="0">
+              <a:solidFill>
+                <a:schemeClr val="tx1"/>
+              </a:solidFill>
+              <a:latin typeface="+mj-lt"/>
+            </a:endParaRPr>
+          </a:p>
+          <a:p>
+            <a:r>
+              <a:rPr lang="en-GB" sz="1800" dirty="0">
+                <a:solidFill>
+                  <a:schemeClr val="tx1"/>
+                </a:solidFill>
+                <a:latin typeface="+mn-lt"/>
+              </a:rPr>
+              <a:t>Think about what data really need to be stored in the long-term (Data Management Planning)</a:t>
+            </a:r>
+          </a:p>
+          <a:p>
+            <a:r>
+              <a:rPr lang="en-GB" sz="1800" dirty="0">
+                <a:solidFill>
+                  <a:schemeClr val="tx1"/>
+                </a:solidFill>
+                <a:latin typeface="+mn-lt"/>
+              </a:rPr>
+              <a:t>Tape storage is more energy efficient than disk storage</a:t>
+            </a:r>
+          </a:p>
+          <a:p>
+            <a:r>
+              <a:rPr lang="en-GB" sz="1800" dirty="0">
+                <a:solidFill>
+                  <a:schemeClr val="tx1"/>
+                </a:solidFill>
+                <a:latin typeface="+mn-lt"/>
+              </a:rPr>
+              <a:t>When processing - subset your data</a:t>
+            </a:r>
+          </a:p>
+        </p:txBody>
+      </p:sp>
+      <p:pic>
+        <p:nvPicPr>
+          <p:cNvPr id="5" name="Google Shape;384;p44">
+            <a:extLst>
+              <a:ext uri="{FF2B5EF4-FFF2-40B4-BE49-F238E27FC236}">
+                <a16:creationId xmlns:a16="http://schemas.microsoft.com/office/drawing/2014/main" id="{4BDC5751-C9F3-9114-7177-0D9A0ECD1A72}"/>
+              </a:ext>
+            </a:extLst>
+          </p:cNvPr>
+          <p:cNvPicPr preferRelativeResize="0"/>
+          <p:nvPr/>
+        </p:nvPicPr>
+        <p:blipFill rotWithShape="1">
+          <a:blip r:embed="rId2">
+            <a:alphaModFix/>
+          </a:blip>
+          <a:srcRect/>
+          <a:stretch/>
+        </p:blipFill>
+        <p:spPr>
+          <a:xfrm>
+            <a:off x="6873410" y="919537"/>
+            <a:ext cx="1900337" cy="3540949"/>
+          </a:xfrm>
+          <a:prstGeom prst="rect">
+            <a:avLst/>
+          </a:prstGeom>
+          <a:noFill/>
+          <a:ln>
+            <a:noFill/>
+          </a:ln>
+        </p:spPr>
+      </p:pic>
+    </p:spTree>
+    <p:extLst>
+      <p:ext uri="{BB962C8B-B14F-4D97-AF65-F5344CB8AC3E}">
+        <p14:creationId xmlns:p14="http://schemas.microsoft.com/office/powerpoint/2010/main" val="222413522"/>
+      </p:ext>
+    </p:extLst>
+  </p:cSld>
+  <p:clrMapOvr>
+    <a:masterClrMapping/>
+  </p:clrMapOvr>
+</p:sld>
+</file>
+
+<file path=ppt/slides/slide8.xml><?xml version="1.0" encoding="utf-8"?>
+<p:sld xmlns:a="http://schemas.openxmlformats.org/drawingml/2006/main" xmlns:r="http://schemas.openxmlformats.org/officeDocument/2006/relationships" xmlns:p="http://schemas.openxmlformats.org/presentationml/2006/main">
+  <p:cSld>
+    <p:spTree>
+      <p:nvGrpSpPr>
+        <p:cNvPr id="1" name="Shape 102"/>
         <p:cNvGrpSpPr/>
         <p:nvPr/>
       </p:nvGrpSpPr>
@@ -7632,7 +8232,9 @@
       <p:sp>
         <p:nvSpPr>
           <p:cNvPr id="103" name="Google Shape;103;p19"/>
-          <p:cNvSpPr txBox="1"/>
+          <p:cNvSpPr txBox="1">
+            <a:spLocks noGrp="1"/>
+          </p:cNvSpPr>
           <p:nvPr>
             <p:ph type="title"/>
           </p:nvPr>
@@ -7647,12 +8249,12 @@
           </a:prstGeom>
         </p:spPr>
         <p:txBody>
-          <a:bodyPr anchorCtr="0" anchor="t" bIns="91425" lIns="91425" spcFirstLastPara="1" rIns="91425" wrap="square" tIns="91425">
+          <a:bodyPr spcFirstLastPara="1" wrap="square" lIns="91425" tIns="91425" rIns="91425" bIns="91425" anchor="t" anchorCtr="0">
             <a:noAutofit/>
           </a:bodyPr>
           <a:lstStyle/>
           <a:p>
-            <a:pPr indent="0" lvl="0" marL="0" rtl="0" algn="l">
+            <a:pPr marL="0" lvl="0" indent="0" algn="l" rtl="0">
               <a:spcBef>
                 <a:spcPts val="0"/>
               </a:spcBef>
@@ -7682,9 +8284,11 @@
       <p:sp>
         <p:nvSpPr>
           <p:cNvPr id="104" name="Google Shape;104;p19"/>
-          <p:cNvSpPr txBox="1"/>
+          <p:cNvSpPr txBox="1">
+            <a:spLocks noGrp="1"/>
+          </p:cNvSpPr>
           <p:nvPr>
-            <p:ph idx="1" type="body"/>
+            <p:ph type="body" idx="1"/>
           </p:nvPr>
         </p:nvSpPr>
         <p:spPr>
@@ -7697,12 +8301,12 @@
           </a:prstGeom>
         </p:spPr>
         <p:txBody>
-          <a:bodyPr anchorCtr="0" anchor="t" bIns="91425" lIns="91425" spcFirstLastPara="1" rIns="91425" wrap="square" tIns="91425">
+          <a:bodyPr spcFirstLastPara="1" wrap="square" lIns="91425" tIns="91425" rIns="91425" bIns="91425" anchor="t" anchorCtr="0">
             <a:noAutofit/>
           </a:bodyPr>
           <a:lstStyle/>
           <a:p>
-            <a:pPr indent="0" lvl="0" marL="0" rtl="0" algn="l">
+            <a:pPr marL="0" lvl="0" indent="0" algn="l" rtl="0">
               <a:spcBef>
                 <a:spcPts val="0"/>
               </a:spcBef>
@@ -7712,7 +8316,7 @@
               <a:buNone/>
             </a:pPr>
             <a:r>
-              <a:rPr lang="en-GB" sz="1800">
+              <a:rPr lang="en-GB" sz="1800" dirty="0">
                 <a:latin typeface="Arial"/>
                 <a:ea typeface="Arial"/>
                 <a:cs typeface="Arial"/>
@@ -7720,7 +8324,7 @@
               </a:rPr>
               <a:t>Green Software Development</a:t>
             </a:r>
-            <a:endParaRPr sz="1800">
+            <a:endParaRPr sz="1800" dirty="0">
               <a:latin typeface="Arial"/>
               <a:ea typeface="Arial"/>
               <a:cs typeface="Arial"/>
@@ -7728,7 +8332,7 @@
             </a:endParaRPr>
           </a:p>
           <a:p>
-            <a:pPr indent="-342900" lvl="0" marL="457200" rtl="0" algn="l">
+            <a:pPr marL="457200" lvl="0" indent="-342900" algn="l" rtl="0">
               <a:spcBef>
                 <a:spcPts val="1200"/>
               </a:spcBef>
@@ -7740,7 +8344,7 @@
               <a:buChar char="●"/>
             </a:pPr>
             <a:r>
-              <a:rPr lang="en-GB">
+              <a:rPr lang="en-GB" dirty="0">
                 <a:latin typeface="Arial"/>
                 <a:ea typeface="Arial"/>
                 <a:cs typeface="Arial"/>
@@ -7748,7 +8352,7 @@
               </a:rPr>
               <a:t>Code efficiency</a:t>
             </a:r>
-            <a:endParaRPr>
+            <a:endParaRPr dirty="0">
               <a:latin typeface="Arial"/>
               <a:ea typeface="Arial"/>
               <a:cs typeface="Arial"/>
@@ -7756,7 +8360,7 @@
             </a:endParaRPr>
           </a:p>
           <a:p>
-            <a:pPr indent="-317500" lvl="1" marL="914400" rtl="0" algn="l">
+            <a:pPr marL="914400" lvl="1" indent="-317500" algn="l" rtl="0">
               <a:spcBef>
                 <a:spcPts val="0"/>
               </a:spcBef>
@@ -7768,7 +8372,7 @@
               <a:buChar char="○"/>
             </a:pPr>
             <a:r>
-              <a:rPr lang="en-GB" sz="1400">
+              <a:rPr lang="en-GB" sz="1400" dirty="0">
                 <a:latin typeface="Arial"/>
                 <a:ea typeface="Arial"/>
                 <a:cs typeface="Arial"/>
@@ -7776,7 +8380,7 @@
               </a:rPr>
               <a:t>Write energy-efficient code to reduce computational demands.</a:t>
             </a:r>
-            <a:endParaRPr sz="1400">
+            <a:endParaRPr sz="1400" dirty="0">
               <a:latin typeface="Arial"/>
               <a:ea typeface="Arial"/>
               <a:cs typeface="Arial"/>
@@ -7784,7 +8388,7 @@
             </a:endParaRPr>
           </a:p>
           <a:p>
-            <a:pPr indent="-342900" lvl="0" marL="457200" rtl="0" algn="l">
+            <a:pPr marL="457200" lvl="0" indent="-342900" algn="l" rtl="0">
               <a:spcBef>
                 <a:spcPts val="0"/>
               </a:spcBef>
@@ -7796,7 +8400,7 @@
               <a:buChar char="●"/>
             </a:pPr>
             <a:r>
-              <a:rPr lang="en-GB">
+              <a:rPr lang="en-GB" dirty="0">
                 <a:latin typeface="Arial"/>
                 <a:ea typeface="Arial"/>
                 <a:cs typeface="Arial"/>
@@ -7804,7 +8408,7 @@
               </a:rPr>
               <a:t>Sustainable algorithms</a:t>
             </a:r>
-            <a:endParaRPr>
+            <a:endParaRPr dirty="0">
               <a:latin typeface="Arial"/>
               <a:ea typeface="Arial"/>
               <a:cs typeface="Arial"/>
@@ -7812,7 +8416,7 @@
             </a:endParaRPr>
           </a:p>
           <a:p>
-            <a:pPr indent="-317500" lvl="1" marL="914400" rtl="0" algn="l">
+            <a:pPr marL="914400" lvl="1" indent="-317500" algn="l" rtl="0">
               <a:spcBef>
                 <a:spcPts val="0"/>
               </a:spcBef>
@@ -7824,7 +8428,7 @@
               <a:buChar char="○"/>
             </a:pPr>
             <a:r>
-              <a:rPr lang="en-GB" sz="1400">
+              <a:rPr lang="en-GB" sz="1400" dirty="0">
                 <a:latin typeface="Arial"/>
                 <a:ea typeface="Arial"/>
                 <a:cs typeface="Arial"/>
@@ -7832,7 +8436,19 @@
               </a:rPr>
               <a:t>Develop and use algorithms that minimise energy and resource consumption.</a:t>
             </a:r>
-            <a:endParaRPr>
+          </a:p>
+          <a:p>
+            <a:pPr marL="596900" lvl="1" indent="0" algn="l" rtl="0">
+              <a:spcBef>
+                <a:spcPts val="0"/>
+              </a:spcBef>
+              <a:spcAft>
+                <a:spcPts val="0"/>
+              </a:spcAft>
+              <a:buSzPts val="1400"/>
+              <a:buNone/>
+            </a:pPr>
+            <a:endParaRPr lang="en-GB" sz="1400" dirty="0">
               <a:highlight>
                 <a:srgbClr val="FFFF00"/>
               </a:highlight>
@@ -7841,6 +8457,22 @@
               <a:cs typeface="Arial"/>
               <a:sym typeface="Arial"/>
             </a:endParaRPr>
+          </a:p>
+          <a:p>
+            <a:pPr>
+              <a:buClr>
+                <a:srgbClr val="000000"/>
+              </a:buClr>
+            </a:pPr>
+            <a:r>
+              <a:rPr lang="en-GB" dirty="0">
+                <a:latin typeface="Arial"/>
+                <a:ea typeface="Arial"/>
+                <a:cs typeface="Arial"/>
+                <a:sym typeface="Arial"/>
+              </a:rPr>
+              <a:t>Green Software Engineers – a profession for the future?</a:t>
+            </a:r>
           </a:p>
         </p:txBody>
       </p:sp>
@@ -7881,7 +8513,7 @@
 </file>
 
 <file path=ppt/theme/theme1.xml><?xml version="1.0" encoding="utf-8"?>
-<a:theme xmlns:a="http://schemas.openxmlformats.org/drawingml/2006/main" xmlns:r="http://schemas.openxmlformats.org/officeDocument/2006/relationships" name="NCAS 2018 Google Slides Template">
+<a:theme xmlns:a="http://schemas.openxmlformats.org/drawingml/2006/main" name="NCAS 2018 Google Slides Template">
   <a:themeElements>
     <a:clrScheme name="Simple Light">
       <a:dk1>
@@ -8156,11 +8788,13 @@
       </a:bgFillStyleLst>
     </a:fmtScheme>
   </a:themeElements>
+  <a:objectDefaults/>
+  <a:extraClrSchemeLst/>
 </a:theme>
 </file>
 
 <file path=ppt/theme/theme2.xml><?xml version="1.0" encoding="utf-8"?>
-<a:theme xmlns:a="http://schemas.openxmlformats.org/drawingml/2006/main" xmlns:r="http://schemas.openxmlformats.org/officeDocument/2006/relationships">
+<a:theme xmlns:a="http://schemas.openxmlformats.org/drawingml/2006/main">
   <a:themeElements>
     <a:clrScheme name="Default">
       <a:dk1>
@@ -8435,5 +9069,7 @@
       </a:bgFillStyleLst>
     </a:fmtScheme>
   </a:themeElements>
+  <a:objectDefaults/>
+  <a:extraClrSchemeLst/>
 </a:theme>
 </file>